--- a/layout.pptx
+++ b/layout.pptx
@@ -104,6 +104,11 @@
       </a:defRPr>
     </a:lvl9pPr>
   </p:defaultTextStyle>
+  <p:extLst>
+    <p:ext uri="{EFAFB233-063F-42B5-8137-9DF3F51BA10A}">
+      <p15:sldGuideLst xmlns:p15="http://schemas.microsoft.com/office/powerpoint/2012/main"/>
+    </p:ext>
+  </p:extLst>
 </p:presentation>
 </file>
 
@@ -238,7 +243,7 @@
           <a:p>
             <a:fld id="{E70BBDB4-4F6F-4DEC-A77E-44031484CD92}" type="datetimeFigureOut">
               <a:rPr lang="ko-KR" altLang="en-US" smtClean="0"/>
-              <a:t>2017-06-21</a:t>
+              <a:t>2017-09-01</a:t>
             </a:fld>
             <a:endParaRPr lang="ko-KR" altLang="en-US"/>
           </a:p>
@@ -408,7 +413,7 @@
           <a:p>
             <a:fld id="{E70BBDB4-4F6F-4DEC-A77E-44031484CD92}" type="datetimeFigureOut">
               <a:rPr lang="ko-KR" altLang="en-US" smtClean="0"/>
-              <a:t>2017-06-21</a:t>
+              <a:t>2017-09-01</a:t>
             </a:fld>
             <a:endParaRPr lang="ko-KR" altLang="en-US"/>
           </a:p>
@@ -588,7 +593,7 @@
           <a:p>
             <a:fld id="{E70BBDB4-4F6F-4DEC-A77E-44031484CD92}" type="datetimeFigureOut">
               <a:rPr lang="ko-KR" altLang="en-US" smtClean="0"/>
-              <a:t>2017-06-21</a:t>
+              <a:t>2017-09-01</a:t>
             </a:fld>
             <a:endParaRPr lang="ko-KR" altLang="en-US"/>
           </a:p>
@@ -758,7 +763,7 @@
           <a:p>
             <a:fld id="{E70BBDB4-4F6F-4DEC-A77E-44031484CD92}" type="datetimeFigureOut">
               <a:rPr lang="ko-KR" altLang="en-US" smtClean="0"/>
-              <a:t>2017-06-21</a:t>
+              <a:t>2017-09-01</a:t>
             </a:fld>
             <a:endParaRPr lang="ko-KR" altLang="en-US"/>
           </a:p>
@@ -1004,7 +1009,7 @@
           <a:p>
             <a:fld id="{E70BBDB4-4F6F-4DEC-A77E-44031484CD92}" type="datetimeFigureOut">
               <a:rPr lang="ko-KR" altLang="en-US" smtClean="0"/>
-              <a:t>2017-06-21</a:t>
+              <a:t>2017-09-01</a:t>
             </a:fld>
             <a:endParaRPr lang="ko-KR" altLang="en-US"/>
           </a:p>
@@ -1236,7 +1241,7 @@
           <a:p>
             <a:fld id="{E70BBDB4-4F6F-4DEC-A77E-44031484CD92}" type="datetimeFigureOut">
               <a:rPr lang="ko-KR" altLang="en-US" smtClean="0"/>
-              <a:t>2017-06-21</a:t>
+              <a:t>2017-09-01</a:t>
             </a:fld>
             <a:endParaRPr lang="ko-KR" altLang="en-US"/>
           </a:p>
@@ -1603,7 +1608,7 @@
           <a:p>
             <a:fld id="{E70BBDB4-4F6F-4DEC-A77E-44031484CD92}" type="datetimeFigureOut">
               <a:rPr lang="ko-KR" altLang="en-US" smtClean="0"/>
-              <a:t>2017-06-21</a:t>
+              <a:t>2017-09-01</a:t>
             </a:fld>
             <a:endParaRPr lang="ko-KR" altLang="en-US"/>
           </a:p>
@@ -1721,7 +1726,7 @@
           <a:p>
             <a:fld id="{E70BBDB4-4F6F-4DEC-A77E-44031484CD92}" type="datetimeFigureOut">
               <a:rPr lang="ko-KR" altLang="en-US" smtClean="0"/>
-              <a:t>2017-06-21</a:t>
+              <a:t>2017-09-01</a:t>
             </a:fld>
             <a:endParaRPr lang="ko-KR" altLang="en-US"/>
           </a:p>
@@ -1816,7 +1821,7 @@
           <a:p>
             <a:fld id="{E70BBDB4-4F6F-4DEC-A77E-44031484CD92}" type="datetimeFigureOut">
               <a:rPr lang="ko-KR" altLang="en-US" smtClean="0"/>
-              <a:t>2017-06-21</a:t>
+              <a:t>2017-09-01</a:t>
             </a:fld>
             <a:endParaRPr lang="ko-KR" altLang="en-US"/>
           </a:p>
@@ -2093,7 +2098,7 @@
           <a:p>
             <a:fld id="{E70BBDB4-4F6F-4DEC-A77E-44031484CD92}" type="datetimeFigureOut">
               <a:rPr lang="ko-KR" altLang="en-US" smtClean="0"/>
-              <a:t>2017-06-21</a:t>
+              <a:t>2017-09-01</a:t>
             </a:fld>
             <a:endParaRPr lang="ko-KR" altLang="en-US"/>
           </a:p>
@@ -2346,7 +2351,7 @@
           <a:p>
             <a:fld id="{E70BBDB4-4F6F-4DEC-A77E-44031484CD92}" type="datetimeFigureOut">
               <a:rPr lang="ko-KR" altLang="en-US" smtClean="0"/>
-              <a:t>2017-06-21</a:t>
+              <a:t>2017-09-01</a:t>
             </a:fld>
             <a:endParaRPr lang="ko-KR" altLang="en-US"/>
           </a:p>
@@ -2559,7 +2564,7 @@
           <a:p>
             <a:fld id="{E70BBDB4-4F6F-4DEC-A77E-44031484CD92}" type="datetimeFigureOut">
               <a:rPr lang="ko-KR" altLang="en-US" smtClean="0"/>
-              <a:t>2017-06-21</a:t>
+              <a:t>2017-09-01</a:t>
             </a:fld>
             <a:endParaRPr lang="ko-KR" altLang="en-US"/>
           </a:p>
@@ -2972,10 +2977,10 @@
         </p:nvGrpSpPr>
         <p:grpSpPr>
           <a:xfrm>
-            <a:off x="3159873" y="934806"/>
-            <a:ext cx="6680732" cy="4319005"/>
-            <a:chOff x="3159873" y="934806"/>
-            <a:chExt cx="6680732" cy="4319005"/>
+            <a:off x="689721" y="1027661"/>
+            <a:ext cx="6680732" cy="4392405"/>
+            <a:chOff x="3159873" y="861406"/>
+            <a:chExt cx="6680732" cy="4392405"/>
           </a:xfrm>
         </p:grpSpPr>
         <p:grpSp>
@@ -2984,7 +2989,7 @@
             <p:cNvGrpSpPr/>
             <p:nvPr>
               <p:custDataLst>
-                <p:custData r:id="rId1"/>
+                <p:custData r:id="rId7"/>
               </p:custDataLst>
             </p:nvPr>
           </p:nvGrpSpPr>
@@ -3005,7 +3010,7 @@
               <p:nvPr/>
             </p:nvPicPr>
             <p:blipFill>
-              <a:blip r:embed="rId3"/>
+              <a:blip r:embed="rId9"/>
               <a:stretch>
                 <a:fillRect/>
               </a:stretch>
@@ -3348,7 +3353,7 @@
             </p:nvSpPr>
             <p:spPr>
               <a:xfrm>
-                <a:off x="4954556" y="4619086"/>
+                <a:off x="4461270" y="4506162"/>
                 <a:ext cx="1588576" cy="369332"/>
               </a:xfrm>
               <a:prstGeom prst="rect">
@@ -3383,7 +3388,7 @@
           </p:nvSpPr>
           <p:spPr>
             <a:xfrm>
-              <a:off x="5308329" y="934806"/>
+              <a:off x="5758721" y="861406"/>
               <a:ext cx="1483035" cy="646331"/>
             </a:xfrm>
             <a:prstGeom prst="rect">
@@ -3421,8 +3426,8 @@
           </p:nvCxnSpPr>
           <p:spPr>
             <a:xfrm>
-              <a:off x="6543132" y="1584960"/>
-              <a:ext cx="235620" cy="255530"/>
+              <a:off x="6626516" y="1443618"/>
+              <a:ext cx="152236" cy="396872"/>
             </a:xfrm>
             <a:prstGeom prst="straightConnector1">
               <a:avLst/>
@@ -3447,6 +3452,1328 @@
           </p:style>
         </p:cxnSp>
       </p:grpSp>
+      <p:sp>
+        <p:nvSpPr>
+          <p:cNvPr id="2" name="TextBox 1"/>
+          <p:cNvSpPr txBox="1"/>
+          <p:nvPr/>
+        </p:nvSpPr>
+        <p:spPr>
+          <a:xfrm>
+            <a:off x="3792682" y="5642264"/>
+            <a:ext cx="474810" cy="400110"/>
+          </a:xfrm>
+          <a:prstGeom prst="rect">
+            <a:avLst/>
+          </a:prstGeom>
+          <a:noFill/>
+        </p:spPr>
+        <p:txBody>
+          <a:bodyPr wrap="none" rtlCol="0">
+            <a:spAutoFit/>
+          </a:bodyPr>
+          <a:lstStyle/>
+          <a:p>
+            <a:r>
+              <a:rPr lang="en-US" altLang="ko-KR" sz="2000" dirty="0" smtClean="0"/>
+              <a:t>(a)</a:t>
+            </a:r>
+            <a:endParaRPr lang="ko-KR" altLang="en-US" sz="2000"/>
+          </a:p>
+        </p:txBody>
+      </p:sp>
+      <p:sp>
+        <p:nvSpPr>
+          <p:cNvPr id="18" name="TextBox 17"/>
+          <p:cNvSpPr txBox="1"/>
+          <p:nvPr/>
+        </p:nvSpPr>
+        <p:spPr>
+          <a:xfrm>
+            <a:off x="9337156" y="5642264"/>
+            <a:ext cx="495649" cy="400110"/>
+          </a:xfrm>
+          <a:prstGeom prst="rect">
+            <a:avLst/>
+          </a:prstGeom>
+          <a:noFill/>
+        </p:spPr>
+        <p:txBody>
+          <a:bodyPr wrap="none" rtlCol="0">
+            <a:spAutoFit/>
+          </a:bodyPr>
+          <a:lstStyle/>
+          <a:p>
+            <a:r>
+              <a:rPr lang="en-US" altLang="ko-KR" sz="2000" dirty="0" smtClean="0"/>
+              <a:t>(b)</a:t>
+            </a:r>
+            <a:endParaRPr lang="ko-KR" altLang="en-US" sz="2000"/>
+          </a:p>
+        </p:txBody>
+      </p:sp>
+      <p:grpSp>
+        <p:nvGrpSpPr>
+          <p:cNvPr id="37" name="그룹 36"/>
+          <p:cNvGrpSpPr/>
+          <p:nvPr/>
+        </p:nvGrpSpPr>
+        <p:grpSpPr>
+          <a:xfrm>
+            <a:off x="7895021" y="2368568"/>
+            <a:ext cx="3379917" cy="754119"/>
+            <a:chOff x="7794413" y="2808632"/>
+            <a:chExt cx="3379917" cy="754119"/>
+          </a:xfrm>
+        </p:grpSpPr>
+        <p:grpSp>
+          <p:nvGrpSpPr>
+            <p:cNvPr id="30" name="그룹 29"/>
+            <p:cNvGrpSpPr/>
+            <p:nvPr/>
+          </p:nvGrpSpPr>
+          <p:grpSpPr>
+            <a:xfrm>
+              <a:off x="8677303" y="2808632"/>
+              <a:ext cx="1815357" cy="754119"/>
+              <a:chOff x="8562109" y="2342372"/>
+              <a:chExt cx="1440872" cy="405245"/>
+            </a:xfrm>
+          </p:grpSpPr>
+          <p:sp>
+            <p:nvSpPr>
+              <p:cNvPr id="3" name="직사각형 2"/>
+              <p:cNvSpPr/>
+              <p:nvPr/>
+            </p:nvSpPr>
+            <p:spPr>
+              <a:xfrm>
+                <a:off x="8977745" y="2342372"/>
+                <a:ext cx="609600" cy="405245"/>
+              </a:xfrm>
+              <a:prstGeom prst="rect">
+                <a:avLst/>
+              </a:prstGeom>
+              <a:solidFill>
+                <a:srgbClr val="FF0000"/>
+              </a:solidFill>
+              <a:ln>
+                <a:noFill/>
+              </a:ln>
+            </p:spPr>
+            <p:style>
+              <a:lnRef idx="2">
+                <a:schemeClr val="accent1">
+                  <a:shade val="50000"/>
+                </a:schemeClr>
+              </a:lnRef>
+              <a:fillRef idx="1">
+                <a:schemeClr val="accent1"/>
+              </a:fillRef>
+              <a:effectRef idx="0">
+                <a:schemeClr val="accent1"/>
+              </a:effectRef>
+              <a:fontRef idx="minor">
+                <a:schemeClr val="lt1"/>
+              </a:fontRef>
+            </p:style>
+            <p:txBody>
+              <a:bodyPr rtlCol="0" anchor="ctr"/>
+              <a:lstStyle/>
+              <a:p>
+                <a:pPr algn="ctr"/>
+                <a:endParaRPr lang="ko-KR" altLang="en-US"/>
+              </a:p>
+            </p:txBody>
+          </p:sp>
+          <p:sp>
+            <p:nvSpPr>
+              <p:cNvPr id="21" name="직사각형 20"/>
+              <p:cNvSpPr/>
+              <p:nvPr/>
+            </p:nvSpPr>
+            <p:spPr>
+              <a:xfrm>
+                <a:off x="8562109" y="2423811"/>
+                <a:ext cx="415636" cy="45719"/>
+              </a:xfrm>
+              <a:prstGeom prst="rect">
+                <a:avLst/>
+              </a:prstGeom>
+              <a:solidFill>
+                <a:srgbClr val="FF0000"/>
+              </a:solidFill>
+              <a:ln>
+                <a:noFill/>
+              </a:ln>
+            </p:spPr>
+            <p:style>
+              <a:lnRef idx="2">
+                <a:schemeClr val="accent1">
+                  <a:shade val="50000"/>
+                </a:schemeClr>
+              </a:lnRef>
+              <a:fillRef idx="1">
+                <a:schemeClr val="accent1"/>
+              </a:fillRef>
+              <a:effectRef idx="0">
+                <a:schemeClr val="accent1"/>
+              </a:effectRef>
+              <a:fontRef idx="minor">
+                <a:schemeClr val="lt1"/>
+              </a:fontRef>
+            </p:style>
+            <p:txBody>
+              <a:bodyPr rtlCol="0" anchor="ctr"/>
+              <a:lstStyle/>
+              <a:p>
+                <a:pPr algn="ctr"/>
+                <a:endParaRPr lang="ko-KR" altLang="en-US"/>
+              </a:p>
+            </p:txBody>
+          </p:sp>
+          <p:sp>
+            <p:nvSpPr>
+              <p:cNvPr id="22" name="직사각형 21"/>
+              <p:cNvSpPr/>
+              <p:nvPr/>
+            </p:nvSpPr>
+            <p:spPr>
+              <a:xfrm>
+                <a:off x="8562109" y="2626433"/>
+                <a:ext cx="415636" cy="45719"/>
+              </a:xfrm>
+              <a:prstGeom prst="rect">
+                <a:avLst/>
+              </a:prstGeom>
+              <a:solidFill>
+                <a:srgbClr val="FF0000"/>
+              </a:solidFill>
+              <a:ln>
+                <a:noFill/>
+              </a:ln>
+            </p:spPr>
+            <p:style>
+              <a:lnRef idx="2">
+                <a:schemeClr val="accent1">
+                  <a:shade val="50000"/>
+                </a:schemeClr>
+              </a:lnRef>
+              <a:fillRef idx="1">
+                <a:schemeClr val="accent1"/>
+              </a:fillRef>
+              <a:effectRef idx="0">
+                <a:schemeClr val="accent1"/>
+              </a:effectRef>
+              <a:fontRef idx="minor">
+                <a:schemeClr val="lt1"/>
+              </a:fontRef>
+            </p:style>
+            <p:txBody>
+              <a:bodyPr rtlCol="0" anchor="ctr"/>
+              <a:lstStyle/>
+              <a:p>
+                <a:pPr algn="ctr"/>
+                <a:endParaRPr lang="ko-KR" altLang="en-US"/>
+              </a:p>
+            </p:txBody>
+          </p:sp>
+          <p:sp>
+            <p:nvSpPr>
+              <p:cNvPr id="23" name="직사각형 22"/>
+              <p:cNvSpPr/>
+              <p:nvPr/>
+            </p:nvSpPr>
+            <p:spPr>
+              <a:xfrm>
+                <a:off x="9587345" y="2423811"/>
+                <a:ext cx="415636" cy="45719"/>
+              </a:xfrm>
+              <a:prstGeom prst="rect">
+                <a:avLst/>
+              </a:prstGeom>
+              <a:solidFill>
+                <a:srgbClr val="FF0000"/>
+              </a:solidFill>
+              <a:ln>
+                <a:noFill/>
+              </a:ln>
+            </p:spPr>
+            <p:style>
+              <a:lnRef idx="2">
+                <a:schemeClr val="accent1">
+                  <a:shade val="50000"/>
+                </a:schemeClr>
+              </a:lnRef>
+              <a:fillRef idx="1">
+                <a:schemeClr val="accent1"/>
+              </a:fillRef>
+              <a:effectRef idx="0">
+                <a:schemeClr val="accent1"/>
+              </a:effectRef>
+              <a:fontRef idx="minor">
+                <a:schemeClr val="lt1"/>
+              </a:fontRef>
+            </p:style>
+            <p:txBody>
+              <a:bodyPr rtlCol="0" anchor="ctr"/>
+              <a:lstStyle/>
+              <a:p>
+                <a:pPr algn="ctr"/>
+                <a:endParaRPr lang="ko-KR" altLang="en-US"/>
+              </a:p>
+            </p:txBody>
+          </p:sp>
+          <p:sp>
+            <p:nvSpPr>
+              <p:cNvPr id="24" name="직사각형 23"/>
+              <p:cNvSpPr/>
+              <p:nvPr/>
+            </p:nvSpPr>
+            <p:spPr>
+              <a:xfrm>
+                <a:off x="9587345" y="2626433"/>
+                <a:ext cx="415636" cy="45719"/>
+              </a:xfrm>
+              <a:prstGeom prst="rect">
+                <a:avLst/>
+              </a:prstGeom>
+              <a:solidFill>
+                <a:srgbClr val="FF0000"/>
+              </a:solidFill>
+              <a:ln>
+                <a:noFill/>
+              </a:ln>
+            </p:spPr>
+            <p:style>
+              <a:lnRef idx="2">
+                <a:schemeClr val="accent1">
+                  <a:shade val="50000"/>
+                </a:schemeClr>
+              </a:lnRef>
+              <a:fillRef idx="1">
+                <a:schemeClr val="accent1"/>
+              </a:fillRef>
+              <a:effectRef idx="0">
+                <a:schemeClr val="accent1"/>
+              </a:effectRef>
+              <a:fontRef idx="minor">
+                <a:schemeClr val="lt1"/>
+              </a:fontRef>
+            </p:style>
+            <p:txBody>
+              <a:bodyPr rtlCol="0" anchor="ctr"/>
+              <a:lstStyle/>
+              <a:p>
+                <a:pPr algn="ctr"/>
+                <a:endParaRPr lang="ko-KR" altLang="en-US"/>
+              </a:p>
+            </p:txBody>
+          </p:sp>
+        </p:grpSp>
+        <p:pic>
+          <p:nvPicPr>
+            <p:cNvPr id="27" name="그림 26"/>
+            <p:cNvPicPr>
+              <a:picLocks noChangeAspect="1"/>
+            </p:cNvPicPr>
+            <p:nvPr>
+              <p:custDataLst>
+                <p:tags r:id="rId4"/>
+              </p:custDataLst>
+            </p:nvPr>
+          </p:nvPicPr>
+          <p:blipFill>
+            <a:blip r:embed="rId10">
+              <a:extLst>
+                <a:ext uri="{28A0092B-C50C-407E-A947-70E740481C1C}">
+                  <a14:useLocalDpi xmlns:a14="http://schemas.microsoft.com/office/drawing/2010/main" val="0"/>
+                </a:ext>
+              </a:extLst>
+            </a:blip>
+            <a:stretch>
+              <a:fillRect/>
+            </a:stretch>
+          </p:blipFill>
+          <p:spPr bwMode="black">
+            <a:xfrm>
+              <a:off x="10955225" y="2849400"/>
+              <a:ext cx="166667" cy="219048"/>
+            </a:xfrm>
+            <a:prstGeom prst="rect">
+              <a:avLst/>
+            </a:prstGeom>
+          </p:spPr>
+        </p:pic>
+        <p:pic>
+          <p:nvPicPr>
+            <p:cNvPr id="29" name="그림 28"/>
+            <p:cNvPicPr>
+              <a:picLocks noChangeAspect="1"/>
+            </p:cNvPicPr>
+            <p:nvPr>
+              <p:custDataLst>
+                <p:tags r:id="rId5"/>
+              </p:custDataLst>
+            </p:nvPr>
+          </p:nvPicPr>
+          <p:blipFill>
+            <a:blip r:embed="rId11">
+              <a:extLst>
+                <a:ext uri="{28A0092B-C50C-407E-A947-70E740481C1C}">
+                  <a14:useLocalDpi xmlns:a14="http://schemas.microsoft.com/office/drawing/2010/main" val="0"/>
+                </a:ext>
+              </a:extLst>
+            </a:blip>
+            <a:stretch>
+              <a:fillRect/>
+            </a:stretch>
+          </p:blipFill>
+          <p:spPr bwMode="black">
+            <a:xfrm>
+              <a:off x="7794413" y="2903127"/>
+              <a:ext cx="466667" cy="238095"/>
+            </a:xfrm>
+            <a:prstGeom prst="rect">
+              <a:avLst/>
+            </a:prstGeom>
+          </p:spPr>
+        </p:pic>
+        <p:pic>
+          <p:nvPicPr>
+            <p:cNvPr id="32" name="그림 31"/>
+            <p:cNvPicPr>
+              <a:picLocks noChangeAspect="1"/>
+            </p:cNvPicPr>
+            <p:nvPr>
+              <p:custDataLst>
+                <p:tags r:id="rId6"/>
+              </p:custDataLst>
+            </p:nvPr>
+          </p:nvPicPr>
+          <p:blipFill>
+            <a:blip r:embed="rId12">
+              <a:extLst>
+                <a:ext uri="{28A0092B-C50C-407E-A947-70E740481C1C}">
+                  <a14:useLocalDpi xmlns:a14="http://schemas.microsoft.com/office/drawing/2010/main" val="0"/>
+                </a:ext>
+              </a:extLst>
+            </a:blip>
+            <a:stretch>
+              <a:fillRect/>
+            </a:stretch>
+          </p:blipFill>
+          <p:spPr bwMode="black">
+            <a:xfrm>
+              <a:off x="10888615" y="3247568"/>
+              <a:ext cx="285715" cy="261906"/>
+            </a:xfrm>
+            <a:prstGeom prst="rect">
+              <a:avLst/>
+            </a:prstGeom>
+          </p:spPr>
+        </p:pic>
+        <p:sp>
+          <p:nvSpPr>
+            <p:cNvPr id="34" name="오른쪽 화살표 33"/>
+            <p:cNvSpPr/>
+            <p:nvPr/>
+          </p:nvSpPr>
+          <p:spPr>
+            <a:xfrm>
+              <a:off x="8310336" y="2901979"/>
+              <a:ext cx="304343" cy="238991"/>
+            </a:xfrm>
+            <a:prstGeom prst="rightArrow">
+              <a:avLst/>
+            </a:prstGeom>
+            <a:solidFill>
+              <a:srgbClr val="00B0F0"/>
+            </a:solidFill>
+            <a:ln>
+              <a:noFill/>
+            </a:ln>
+          </p:spPr>
+          <p:style>
+            <a:lnRef idx="2">
+              <a:schemeClr val="accent1">
+                <a:shade val="50000"/>
+              </a:schemeClr>
+            </a:lnRef>
+            <a:fillRef idx="1">
+              <a:schemeClr val="accent1"/>
+            </a:fillRef>
+            <a:effectRef idx="0">
+              <a:schemeClr val="accent1"/>
+            </a:effectRef>
+            <a:fontRef idx="minor">
+              <a:schemeClr val="lt1"/>
+            </a:fontRef>
+          </p:style>
+          <p:txBody>
+            <a:bodyPr rtlCol="0" anchor="ctr"/>
+            <a:lstStyle/>
+            <a:p>
+              <a:pPr algn="ctr"/>
+              <a:endParaRPr lang="ko-KR" altLang="en-US"/>
+            </a:p>
+          </p:txBody>
+        </p:sp>
+        <p:sp>
+          <p:nvSpPr>
+            <p:cNvPr id="35" name="오른쪽 화살표 34"/>
+            <p:cNvSpPr/>
+            <p:nvPr/>
+          </p:nvSpPr>
+          <p:spPr>
+            <a:xfrm>
+              <a:off x="10548853" y="2918618"/>
+              <a:ext cx="304343" cy="152253"/>
+            </a:xfrm>
+            <a:prstGeom prst="rightArrow">
+              <a:avLst/>
+            </a:prstGeom>
+            <a:solidFill>
+              <a:srgbClr val="00B0F0"/>
+            </a:solidFill>
+            <a:ln>
+              <a:noFill/>
+            </a:ln>
+          </p:spPr>
+          <p:style>
+            <a:lnRef idx="2">
+              <a:schemeClr val="accent1">
+                <a:shade val="50000"/>
+              </a:schemeClr>
+            </a:lnRef>
+            <a:fillRef idx="1">
+              <a:schemeClr val="accent1"/>
+            </a:fillRef>
+            <a:effectRef idx="0">
+              <a:schemeClr val="accent1"/>
+            </a:effectRef>
+            <a:fontRef idx="minor">
+              <a:schemeClr val="lt1"/>
+            </a:fontRef>
+          </p:style>
+          <p:txBody>
+            <a:bodyPr rtlCol="0" anchor="ctr"/>
+            <a:lstStyle/>
+            <a:p>
+              <a:pPr algn="ctr"/>
+              <a:endParaRPr lang="ko-KR" altLang="en-US"/>
+            </a:p>
+          </p:txBody>
+        </p:sp>
+        <p:sp>
+          <p:nvSpPr>
+            <p:cNvPr id="36" name="오른쪽 화살표 35"/>
+            <p:cNvSpPr/>
+            <p:nvPr/>
+          </p:nvSpPr>
+          <p:spPr>
+            <a:xfrm>
+              <a:off x="10548853" y="3295676"/>
+              <a:ext cx="304343" cy="160776"/>
+            </a:xfrm>
+            <a:prstGeom prst="rightArrow">
+              <a:avLst/>
+            </a:prstGeom>
+            <a:solidFill>
+              <a:srgbClr val="00B0F0"/>
+            </a:solidFill>
+            <a:ln>
+              <a:noFill/>
+            </a:ln>
+          </p:spPr>
+          <p:style>
+            <a:lnRef idx="2">
+              <a:schemeClr val="accent1">
+                <a:shade val="50000"/>
+              </a:schemeClr>
+            </a:lnRef>
+            <a:fillRef idx="1">
+              <a:schemeClr val="accent1"/>
+            </a:fillRef>
+            <a:effectRef idx="0">
+              <a:schemeClr val="accent1"/>
+            </a:effectRef>
+            <a:fontRef idx="minor">
+              <a:schemeClr val="lt1"/>
+            </a:fontRef>
+          </p:style>
+          <p:txBody>
+            <a:bodyPr rtlCol="0" anchor="ctr"/>
+            <a:lstStyle/>
+            <a:p>
+              <a:pPr algn="ctr"/>
+              <a:endParaRPr lang="ko-KR" altLang="en-US"/>
+            </a:p>
+          </p:txBody>
+        </p:sp>
+      </p:grpSp>
+      <p:grpSp>
+        <p:nvGrpSpPr>
+          <p:cNvPr id="52" name="그룹 51"/>
+          <p:cNvGrpSpPr/>
+          <p:nvPr/>
+        </p:nvGrpSpPr>
+        <p:grpSpPr>
+          <a:xfrm>
+            <a:off x="8058471" y="3938581"/>
+            <a:ext cx="3431384" cy="754119"/>
+            <a:chOff x="8006516" y="3876236"/>
+            <a:chExt cx="3431384" cy="754119"/>
+          </a:xfrm>
+        </p:grpSpPr>
+        <p:grpSp>
+          <p:nvGrpSpPr>
+            <p:cNvPr id="39" name="그룹 38"/>
+            <p:cNvGrpSpPr/>
+            <p:nvPr/>
+          </p:nvGrpSpPr>
+          <p:grpSpPr>
+            <a:xfrm>
+              <a:off x="8725473" y="3876236"/>
+              <a:ext cx="1815357" cy="754119"/>
+              <a:chOff x="8562109" y="2342372"/>
+              <a:chExt cx="1440872" cy="405245"/>
+            </a:xfrm>
+          </p:grpSpPr>
+          <p:sp>
+            <p:nvSpPr>
+              <p:cNvPr id="46" name="직사각형 45"/>
+              <p:cNvSpPr/>
+              <p:nvPr/>
+            </p:nvSpPr>
+            <p:spPr>
+              <a:xfrm>
+                <a:off x="8977745" y="2342372"/>
+                <a:ext cx="609600" cy="405245"/>
+              </a:xfrm>
+              <a:prstGeom prst="rect">
+                <a:avLst/>
+              </a:prstGeom>
+              <a:solidFill>
+                <a:srgbClr val="FF0000"/>
+              </a:solidFill>
+              <a:ln>
+                <a:noFill/>
+              </a:ln>
+            </p:spPr>
+            <p:style>
+              <a:lnRef idx="2">
+                <a:schemeClr val="accent1">
+                  <a:shade val="50000"/>
+                </a:schemeClr>
+              </a:lnRef>
+              <a:fillRef idx="1">
+                <a:schemeClr val="accent1"/>
+              </a:fillRef>
+              <a:effectRef idx="0">
+                <a:schemeClr val="accent1"/>
+              </a:effectRef>
+              <a:fontRef idx="minor">
+                <a:schemeClr val="lt1"/>
+              </a:fontRef>
+            </p:style>
+            <p:txBody>
+              <a:bodyPr rtlCol="0" anchor="ctr"/>
+              <a:lstStyle/>
+              <a:p>
+                <a:pPr algn="ctr"/>
+                <a:endParaRPr lang="ko-KR" altLang="en-US"/>
+              </a:p>
+            </p:txBody>
+          </p:sp>
+          <p:sp>
+            <p:nvSpPr>
+              <p:cNvPr id="47" name="직사각형 46"/>
+              <p:cNvSpPr/>
+              <p:nvPr/>
+            </p:nvSpPr>
+            <p:spPr>
+              <a:xfrm>
+                <a:off x="8562109" y="2423811"/>
+                <a:ext cx="415636" cy="45719"/>
+              </a:xfrm>
+              <a:prstGeom prst="rect">
+                <a:avLst/>
+              </a:prstGeom>
+              <a:solidFill>
+                <a:srgbClr val="FF0000"/>
+              </a:solidFill>
+              <a:ln>
+                <a:noFill/>
+              </a:ln>
+            </p:spPr>
+            <p:style>
+              <a:lnRef idx="2">
+                <a:schemeClr val="accent1">
+                  <a:shade val="50000"/>
+                </a:schemeClr>
+              </a:lnRef>
+              <a:fillRef idx="1">
+                <a:schemeClr val="accent1"/>
+              </a:fillRef>
+              <a:effectRef idx="0">
+                <a:schemeClr val="accent1"/>
+              </a:effectRef>
+              <a:fontRef idx="minor">
+                <a:schemeClr val="lt1"/>
+              </a:fontRef>
+            </p:style>
+            <p:txBody>
+              <a:bodyPr rtlCol="0" anchor="ctr"/>
+              <a:lstStyle/>
+              <a:p>
+                <a:pPr algn="ctr"/>
+                <a:endParaRPr lang="ko-KR" altLang="en-US"/>
+              </a:p>
+            </p:txBody>
+          </p:sp>
+          <p:sp>
+            <p:nvSpPr>
+              <p:cNvPr id="48" name="직사각형 47"/>
+              <p:cNvSpPr/>
+              <p:nvPr/>
+            </p:nvSpPr>
+            <p:spPr>
+              <a:xfrm>
+                <a:off x="8562109" y="2626433"/>
+                <a:ext cx="415636" cy="45719"/>
+              </a:xfrm>
+              <a:prstGeom prst="rect">
+                <a:avLst/>
+              </a:prstGeom>
+              <a:solidFill>
+                <a:srgbClr val="FF0000"/>
+              </a:solidFill>
+              <a:ln>
+                <a:noFill/>
+              </a:ln>
+            </p:spPr>
+            <p:style>
+              <a:lnRef idx="2">
+                <a:schemeClr val="accent1">
+                  <a:shade val="50000"/>
+                </a:schemeClr>
+              </a:lnRef>
+              <a:fillRef idx="1">
+                <a:schemeClr val="accent1"/>
+              </a:fillRef>
+              <a:effectRef idx="0">
+                <a:schemeClr val="accent1"/>
+              </a:effectRef>
+              <a:fontRef idx="minor">
+                <a:schemeClr val="lt1"/>
+              </a:fontRef>
+            </p:style>
+            <p:txBody>
+              <a:bodyPr rtlCol="0" anchor="ctr"/>
+              <a:lstStyle/>
+              <a:p>
+                <a:pPr algn="ctr"/>
+                <a:endParaRPr lang="ko-KR" altLang="en-US"/>
+              </a:p>
+            </p:txBody>
+          </p:sp>
+          <p:sp>
+            <p:nvSpPr>
+              <p:cNvPr id="49" name="직사각형 48"/>
+              <p:cNvSpPr/>
+              <p:nvPr/>
+            </p:nvSpPr>
+            <p:spPr>
+              <a:xfrm>
+                <a:off x="9587345" y="2423811"/>
+                <a:ext cx="415636" cy="45719"/>
+              </a:xfrm>
+              <a:prstGeom prst="rect">
+                <a:avLst/>
+              </a:prstGeom>
+              <a:solidFill>
+                <a:srgbClr val="FF0000"/>
+              </a:solidFill>
+              <a:ln>
+                <a:noFill/>
+              </a:ln>
+            </p:spPr>
+            <p:style>
+              <a:lnRef idx="2">
+                <a:schemeClr val="accent1">
+                  <a:shade val="50000"/>
+                </a:schemeClr>
+              </a:lnRef>
+              <a:fillRef idx="1">
+                <a:schemeClr val="accent1"/>
+              </a:fillRef>
+              <a:effectRef idx="0">
+                <a:schemeClr val="accent1"/>
+              </a:effectRef>
+              <a:fontRef idx="minor">
+                <a:schemeClr val="lt1"/>
+              </a:fontRef>
+            </p:style>
+            <p:txBody>
+              <a:bodyPr rtlCol="0" anchor="ctr"/>
+              <a:lstStyle/>
+              <a:p>
+                <a:pPr algn="ctr"/>
+                <a:endParaRPr lang="ko-KR" altLang="en-US"/>
+              </a:p>
+            </p:txBody>
+          </p:sp>
+          <p:sp>
+            <p:nvSpPr>
+              <p:cNvPr id="50" name="직사각형 49"/>
+              <p:cNvSpPr/>
+              <p:nvPr/>
+            </p:nvSpPr>
+            <p:spPr>
+              <a:xfrm>
+                <a:off x="9587345" y="2626433"/>
+                <a:ext cx="415636" cy="45719"/>
+              </a:xfrm>
+              <a:prstGeom prst="rect">
+                <a:avLst/>
+              </a:prstGeom>
+              <a:solidFill>
+                <a:srgbClr val="FF0000"/>
+              </a:solidFill>
+              <a:ln>
+                <a:noFill/>
+              </a:ln>
+            </p:spPr>
+            <p:style>
+              <a:lnRef idx="2">
+                <a:schemeClr val="accent1">
+                  <a:shade val="50000"/>
+                </a:schemeClr>
+              </a:lnRef>
+              <a:fillRef idx="1">
+                <a:schemeClr val="accent1"/>
+              </a:fillRef>
+              <a:effectRef idx="0">
+                <a:schemeClr val="accent1"/>
+              </a:effectRef>
+              <a:fontRef idx="minor">
+                <a:schemeClr val="lt1"/>
+              </a:fontRef>
+            </p:style>
+            <p:txBody>
+              <a:bodyPr rtlCol="0" anchor="ctr"/>
+              <a:lstStyle/>
+              <a:p>
+                <a:pPr algn="ctr"/>
+                <a:endParaRPr lang="ko-KR" altLang="en-US"/>
+              </a:p>
+            </p:txBody>
+          </p:sp>
+        </p:grpSp>
+        <p:pic>
+          <p:nvPicPr>
+            <p:cNvPr id="40" name="그림 39"/>
+            <p:cNvPicPr>
+              <a:picLocks noChangeAspect="1"/>
+            </p:cNvPicPr>
+            <p:nvPr>
+              <p:custDataLst>
+                <p:tags r:id="rId1"/>
+              </p:custDataLst>
+            </p:nvPr>
+          </p:nvPicPr>
+          <p:blipFill>
+            <a:blip r:embed="rId10">
+              <a:extLst>
+                <a:ext uri="{28A0092B-C50C-407E-A947-70E740481C1C}">
+                  <a14:useLocalDpi xmlns:a14="http://schemas.microsoft.com/office/drawing/2010/main" val="0"/>
+                </a:ext>
+              </a:extLst>
+            </a:blip>
+            <a:stretch>
+              <a:fillRect/>
+            </a:stretch>
+          </p:blipFill>
+          <p:spPr bwMode="black">
+            <a:xfrm>
+              <a:off x="8102743" y="3944171"/>
+              <a:ext cx="166667" cy="219048"/>
+            </a:xfrm>
+            <a:prstGeom prst="rect">
+              <a:avLst/>
+            </a:prstGeom>
+          </p:spPr>
+        </p:pic>
+        <p:pic>
+          <p:nvPicPr>
+            <p:cNvPr id="41" name="그림 40"/>
+            <p:cNvPicPr>
+              <a:picLocks noChangeAspect="1"/>
+            </p:cNvPicPr>
+            <p:nvPr>
+              <p:custDataLst>
+                <p:tags r:id="rId2"/>
+              </p:custDataLst>
+            </p:nvPr>
+          </p:nvPicPr>
+          <p:blipFill>
+            <a:blip r:embed="rId11">
+              <a:extLst>
+                <a:ext uri="{28A0092B-C50C-407E-A947-70E740481C1C}">
+                  <a14:useLocalDpi xmlns:a14="http://schemas.microsoft.com/office/drawing/2010/main" val="0"/>
+                </a:ext>
+              </a:extLst>
+            </a:blip>
+            <a:stretch>
+              <a:fillRect/>
+            </a:stretch>
+          </p:blipFill>
+          <p:spPr bwMode="black">
+            <a:xfrm>
+              <a:off x="10971233" y="4334936"/>
+              <a:ext cx="466667" cy="238095"/>
+            </a:xfrm>
+            <a:prstGeom prst="rect">
+              <a:avLst/>
+            </a:prstGeom>
+          </p:spPr>
+        </p:pic>
+        <p:pic>
+          <p:nvPicPr>
+            <p:cNvPr id="42" name="그림 41"/>
+            <p:cNvPicPr>
+              <a:picLocks noChangeAspect="1"/>
+            </p:cNvPicPr>
+            <p:nvPr>
+              <p:custDataLst>
+                <p:tags r:id="rId3"/>
+              </p:custDataLst>
+            </p:nvPr>
+          </p:nvPicPr>
+          <p:blipFill>
+            <a:blip r:embed="rId12">
+              <a:extLst>
+                <a:ext uri="{28A0092B-C50C-407E-A947-70E740481C1C}">
+                  <a14:useLocalDpi xmlns:a14="http://schemas.microsoft.com/office/drawing/2010/main" val="0"/>
+                </a:ext>
+              </a:extLst>
+            </a:blip>
+            <a:stretch>
+              <a:fillRect/>
+            </a:stretch>
+          </p:blipFill>
+          <p:spPr bwMode="black">
+            <a:xfrm>
+              <a:off x="8006516" y="4323031"/>
+              <a:ext cx="285715" cy="261906"/>
+            </a:xfrm>
+            <a:prstGeom prst="rect">
+              <a:avLst/>
+            </a:prstGeom>
+          </p:spPr>
+        </p:pic>
+        <p:sp>
+          <p:nvSpPr>
+            <p:cNvPr id="43" name="오른쪽 화살표 42"/>
+            <p:cNvSpPr/>
+            <p:nvPr/>
+          </p:nvSpPr>
+          <p:spPr>
+            <a:xfrm>
+              <a:off x="10603860" y="4332373"/>
+              <a:ext cx="304343" cy="238991"/>
+            </a:xfrm>
+            <a:prstGeom prst="rightArrow">
+              <a:avLst/>
+            </a:prstGeom>
+            <a:solidFill>
+              <a:srgbClr val="00B0F0"/>
+            </a:solidFill>
+            <a:ln>
+              <a:noFill/>
+            </a:ln>
+          </p:spPr>
+          <p:style>
+            <a:lnRef idx="2">
+              <a:schemeClr val="accent1">
+                <a:shade val="50000"/>
+              </a:schemeClr>
+            </a:lnRef>
+            <a:fillRef idx="1">
+              <a:schemeClr val="accent1"/>
+            </a:fillRef>
+            <a:effectRef idx="0">
+              <a:schemeClr val="accent1"/>
+            </a:effectRef>
+            <a:fontRef idx="minor">
+              <a:schemeClr val="lt1"/>
+            </a:fontRef>
+          </p:style>
+          <p:txBody>
+            <a:bodyPr rtlCol="0" anchor="ctr"/>
+            <a:lstStyle/>
+            <a:p>
+              <a:pPr algn="ctr"/>
+              <a:endParaRPr lang="ko-KR" altLang="en-US"/>
+            </a:p>
+          </p:txBody>
+        </p:sp>
+        <p:sp>
+          <p:nvSpPr>
+            <p:cNvPr id="44" name="오른쪽 화살표 43"/>
+            <p:cNvSpPr/>
+            <p:nvPr/>
+          </p:nvSpPr>
+          <p:spPr>
+            <a:xfrm>
+              <a:off x="8365190" y="4010966"/>
+              <a:ext cx="304343" cy="152253"/>
+            </a:xfrm>
+            <a:prstGeom prst="rightArrow">
+              <a:avLst/>
+            </a:prstGeom>
+            <a:solidFill>
+              <a:srgbClr val="00B0F0"/>
+            </a:solidFill>
+            <a:ln>
+              <a:noFill/>
+            </a:ln>
+          </p:spPr>
+          <p:style>
+            <a:lnRef idx="2">
+              <a:schemeClr val="accent1">
+                <a:shade val="50000"/>
+              </a:schemeClr>
+            </a:lnRef>
+            <a:fillRef idx="1">
+              <a:schemeClr val="accent1"/>
+            </a:fillRef>
+            <a:effectRef idx="0">
+              <a:schemeClr val="accent1"/>
+            </a:effectRef>
+            <a:fontRef idx="minor">
+              <a:schemeClr val="lt1"/>
+            </a:fontRef>
+          </p:style>
+          <p:txBody>
+            <a:bodyPr rtlCol="0" anchor="ctr"/>
+            <a:lstStyle/>
+            <a:p>
+              <a:pPr algn="ctr"/>
+              <a:endParaRPr lang="ko-KR" altLang="en-US"/>
+            </a:p>
+          </p:txBody>
+        </p:sp>
+        <p:sp>
+          <p:nvSpPr>
+            <p:cNvPr id="45" name="오른쪽 화살표 44"/>
+            <p:cNvSpPr/>
+            <p:nvPr/>
+          </p:nvSpPr>
+          <p:spPr>
+            <a:xfrm>
+              <a:off x="8365190" y="4388024"/>
+              <a:ext cx="304343" cy="160776"/>
+            </a:xfrm>
+            <a:prstGeom prst="rightArrow">
+              <a:avLst/>
+            </a:prstGeom>
+            <a:solidFill>
+              <a:srgbClr val="00B0F0"/>
+            </a:solidFill>
+            <a:ln>
+              <a:noFill/>
+            </a:ln>
+          </p:spPr>
+          <p:style>
+            <a:lnRef idx="2">
+              <a:schemeClr val="accent1">
+                <a:shade val="50000"/>
+              </a:schemeClr>
+            </a:lnRef>
+            <a:fillRef idx="1">
+              <a:schemeClr val="accent1"/>
+            </a:fillRef>
+            <a:effectRef idx="0">
+              <a:schemeClr val="accent1"/>
+            </a:effectRef>
+            <a:fontRef idx="minor">
+              <a:schemeClr val="lt1"/>
+            </a:fontRef>
+          </p:style>
+          <p:txBody>
+            <a:bodyPr rtlCol="0" anchor="ctr"/>
+            <a:lstStyle/>
+            <a:p>
+              <a:pPr algn="ctr"/>
+              <a:endParaRPr lang="ko-KR" altLang="en-US"/>
+            </a:p>
+          </p:txBody>
+        </p:sp>
+      </p:grpSp>
+      <p:sp>
+        <p:nvSpPr>
+          <p:cNvPr id="53" name="TextBox 52"/>
+          <p:cNvSpPr txBox="1"/>
+          <p:nvPr/>
+        </p:nvSpPr>
+        <p:spPr>
+          <a:xfrm>
+            <a:off x="2665978" y="3094284"/>
+            <a:ext cx="897682" cy="646331"/>
+          </a:xfrm>
+          <a:prstGeom prst="rect">
+            <a:avLst/>
+          </a:prstGeom>
+          <a:noFill/>
+        </p:spPr>
+        <p:txBody>
+          <a:bodyPr wrap="none" rtlCol="0">
+            <a:spAutoFit/>
+          </a:bodyPr>
+          <a:lstStyle/>
+          <a:p>
+            <a:pPr algn="ctr"/>
+            <a:r>
+              <a:rPr lang="en-US" altLang="ko-KR" dirty="0" smtClean="0"/>
+              <a:t>3 dB </a:t>
+            </a:r>
+          </a:p>
+          <a:p>
+            <a:pPr algn="ctr"/>
+            <a:r>
+              <a:rPr lang="en-US" altLang="ko-KR" dirty="0" smtClean="0"/>
+              <a:t>splitter</a:t>
+            </a:r>
+            <a:endParaRPr lang="ko-KR" altLang="en-US"/>
+          </a:p>
+        </p:txBody>
+      </p:sp>
+      <p:sp>
+        <p:nvSpPr>
+          <p:cNvPr id="54" name="TextBox 53"/>
+          <p:cNvSpPr txBox="1"/>
+          <p:nvPr/>
+        </p:nvSpPr>
+        <p:spPr>
+          <a:xfrm>
+            <a:off x="4938151" y="1265046"/>
+            <a:ext cx="1308371" cy="369332"/>
+          </a:xfrm>
+          <a:prstGeom prst="rect">
+            <a:avLst/>
+          </a:prstGeom>
+          <a:noFill/>
+        </p:spPr>
+        <p:txBody>
+          <a:bodyPr wrap="none" rtlCol="0">
+            <a:spAutoFit/>
+          </a:bodyPr>
+          <a:lstStyle/>
+          <a:p>
+            <a:pPr algn="ctr"/>
+            <a:r>
+              <a:rPr lang="en-US" altLang="ko-KR" dirty="0" smtClean="0"/>
+              <a:t>2 X 2 MMI</a:t>
+            </a:r>
+            <a:endParaRPr lang="ko-KR" altLang="en-US"/>
+          </a:p>
+        </p:txBody>
+      </p:sp>
+      <p:cxnSp>
+        <p:nvCxnSpPr>
+          <p:cNvPr id="56" name="직선 화살표 연결선 55"/>
+          <p:cNvCxnSpPr>
+            <a:stCxn id="54" idx="2"/>
+          </p:cNvCxnSpPr>
+          <p:nvPr/>
+        </p:nvCxnSpPr>
+        <p:spPr>
+          <a:xfrm flipH="1">
+            <a:off x="5455227" y="1634378"/>
+            <a:ext cx="137110" cy="844176"/>
+          </a:xfrm>
+          <a:prstGeom prst="straightConnector1">
+            <a:avLst/>
+          </a:prstGeom>
+          <a:ln>
+            <a:tailEnd type="triangle"/>
+          </a:ln>
+        </p:spPr>
+        <p:style>
+          <a:lnRef idx="1">
+            <a:schemeClr val="accent1"/>
+          </a:lnRef>
+          <a:fillRef idx="0">
+            <a:schemeClr val="accent1"/>
+          </a:fillRef>
+          <a:effectRef idx="0">
+            <a:schemeClr val="accent1"/>
+          </a:effectRef>
+          <a:fontRef idx="minor">
+            <a:schemeClr val="tx1"/>
+          </a:fontRef>
+        </p:style>
+      </p:cxnSp>
+      <p:sp>
+        <p:nvSpPr>
+          <p:cNvPr id="57" name="모서리가 둥근 직사각형 56"/>
+          <p:cNvSpPr/>
+          <p:nvPr/>
+        </p:nvSpPr>
+        <p:spPr>
+          <a:xfrm>
+            <a:off x="3563660" y="3564082"/>
+            <a:ext cx="2494240" cy="1477667"/>
+          </a:xfrm>
+          <a:prstGeom prst="roundRect">
+            <a:avLst/>
+          </a:prstGeom>
+          <a:noFill/>
+          <a:ln>
+            <a:solidFill>
+              <a:schemeClr val="tx1"/>
+            </a:solidFill>
+            <a:prstDash val="dash"/>
+          </a:ln>
+        </p:spPr>
+        <p:style>
+          <a:lnRef idx="2">
+            <a:schemeClr val="accent1">
+              <a:shade val="50000"/>
+            </a:schemeClr>
+          </a:lnRef>
+          <a:fillRef idx="1">
+            <a:schemeClr val="accent1"/>
+          </a:fillRef>
+          <a:effectRef idx="0">
+            <a:schemeClr val="accent1"/>
+          </a:effectRef>
+          <a:fontRef idx="minor">
+            <a:schemeClr val="lt1"/>
+          </a:fontRef>
+        </p:style>
+        <p:txBody>
+          <a:bodyPr rtlCol="0" anchor="ctr"/>
+          <a:lstStyle/>
+          <a:p>
+            <a:pPr algn="ctr"/>
+            <a:endParaRPr lang="ko-KR" altLang="en-US"/>
+          </a:p>
+        </p:txBody>
+      </p:sp>
+      <p:sp>
+        <p:nvSpPr>
+          <p:cNvPr id="58" name="모서리가 둥근 직사각형 57"/>
+          <p:cNvSpPr/>
+          <p:nvPr/>
+        </p:nvSpPr>
+        <p:spPr>
+          <a:xfrm>
+            <a:off x="3553602" y="1801283"/>
+            <a:ext cx="2494240" cy="1477667"/>
+          </a:xfrm>
+          <a:prstGeom prst="roundRect">
+            <a:avLst/>
+          </a:prstGeom>
+          <a:noFill/>
+          <a:ln>
+            <a:solidFill>
+              <a:schemeClr val="tx1"/>
+            </a:solidFill>
+            <a:prstDash val="dash"/>
+          </a:ln>
+        </p:spPr>
+        <p:style>
+          <a:lnRef idx="2">
+            <a:schemeClr val="accent1">
+              <a:shade val="50000"/>
+            </a:schemeClr>
+          </a:lnRef>
+          <a:fillRef idx="1">
+            <a:schemeClr val="accent1"/>
+          </a:fillRef>
+          <a:effectRef idx="0">
+            <a:schemeClr val="accent1"/>
+          </a:effectRef>
+          <a:fontRef idx="minor">
+            <a:schemeClr val="lt1"/>
+          </a:fontRef>
+        </p:style>
+        <p:txBody>
+          <a:bodyPr rtlCol="0" anchor="ctr"/>
+          <a:lstStyle/>
+          <a:p>
+            <a:pPr algn="ctr"/>
+            <a:endParaRPr lang="ko-KR" altLang="en-US"/>
+          </a:p>
+        </p:txBody>
+      </p:sp>
+      <p:sp>
+        <p:nvSpPr>
+          <p:cNvPr id="59" name="TextBox 58"/>
+          <p:cNvSpPr txBox="1"/>
+          <p:nvPr/>
+        </p:nvSpPr>
+        <p:spPr>
+          <a:xfrm>
+            <a:off x="2290602" y="1974568"/>
+            <a:ext cx="1271502" cy="369332"/>
+          </a:xfrm>
+          <a:prstGeom prst="rect">
+            <a:avLst/>
+          </a:prstGeom>
+          <a:noFill/>
+        </p:spPr>
+        <p:txBody>
+          <a:bodyPr wrap="none" rtlCol="0">
+            <a:spAutoFit/>
+          </a:bodyPr>
+          <a:lstStyle/>
+          <a:p>
+            <a:r>
+              <a:rPr lang="en-US" altLang="ko-KR" dirty="0"/>
+              <a:t>u</a:t>
+            </a:r>
+            <a:r>
+              <a:rPr lang="en-US" altLang="ko-KR" dirty="0" smtClean="0"/>
+              <a:t>pper PBS</a:t>
+            </a:r>
+            <a:endParaRPr lang="ko-KR" altLang="en-US"/>
+          </a:p>
+        </p:txBody>
+      </p:sp>
+      <p:sp>
+        <p:nvSpPr>
+          <p:cNvPr id="60" name="TextBox 59"/>
+          <p:cNvSpPr txBox="1"/>
+          <p:nvPr/>
+        </p:nvSpPr>
+        <p:spPr>
+          <a:xfrm>
+            <a:off x="5455227" y="5041749"/>
+            <a:ext cx="1225400" cy="369332"/>
+          </a:xfrm>
+          <a:prstGeom prst="rect">
+            <a:avLst/>
+          </a:prstGeom>
+          <a:noFill/>
+        </p:spPr>
+        <p:txBody>
+          <a:bodyPr wrap="none" rtlCol="0">
+            <a:spAutoFit/>
+          </a:bodyPr>
+          <a:lstStyle/>
+          <a:p>
+            <a:r>
+              <a:rPr lang="en-US" altLang="ko-KR" dirty="0" smtClean="0"/>
+              <a:t>lower PBS</a:t>
+            </a:r>
+            <a:endParaRPr lang="ko-KR" altLang="en-US"/>
+          </a:p>
+        </p:txBody>
+      </p:sp>
     </p:spTree>
     <p:extLst>
       <p:ext uri="{BB962C8B-B14F-4D97-AF65-F5344CB8AC3E}">
@@ -3465,6 +4792,96 @@
     </p:tnLst>
   </p:timing>
 </p:sld>
+</file>
+
+<file path=ppt/tags/tag1.xml><?xml version="1.0" encoding="utf-8"?>
+<p:tagLst xmlns:a="http://schemas.openxmlformats.org/drawingml/2006/main" xmlns:r="http://schemas.openxmlformats.org/officeDocument/2006/relationships" xmlns:p="http://schemas.openxmlformats.org/presentationml/2006/main">
+  <p:tag name="LATEXCODE" val="\begin{equation*}\r\n \vec{E}\r\n\end{equation*}\r\n"/>
+  <p:tag name="LATEXFONTSIZE" val="18"/>
+  <p:tag name="LATEXTEXTCOLOR" val="0,0,0"/>
+  <p:tag name="LATEXDPI" val="192"/>
+  <p:tag name="LATEXFONT" val="Computer Modern Roman"/>
+  <p:tag name="LATEXFONTSERIES" val="Standard"/>
+  <p:tag name="LATEXFONTSHAPE" val="Standard"/>
+  <p:tag name="LATEXISINLINE" val="False"/>
+  <p:tag name="LATEXTEXTSHAPEID" val="-1"/>
+  <p:tag name="LATEXADDINVERSION" val="1.2.0.1"/>
+</p:tagLst>
+</file>
+
+<file path=ppt/tags/tag2.xml><?xml version="1.0" encoding="utf-8"?>
+<p:tagLst xmlns:a="http://schemas.openxmlformats.org/drawingml/2006/main" xmlns:r="http://schemas.openxmlformats.org/officeDocument/2006/relationships" xmlns:p="http://schemas.openxmlformats.org/presentationml/2006/main">
+  <p:tag name="LATEXCODE" val="\begin{equation*}\r\n{\sqrt{2}}\vec{E}\r\n\end{equation*}\r\n"/>
+  <p:tag name="LATEXFONTSIZE" val="18"/>
+  <p:tag name="LATEXTEXTCOLOR" val="0,0,0"/>
+  <p:tag name="LATEXDPI" val="192"/>
+  <p:tag name="LATEXFONT" val="Computer Modern Roman"/>
+  <p:tag name="LATEXFONTSERIES" val="Standard"/>
+  <p:tag name="LATEXFONTSHAPE" val="Standard"/>
+  <p:tag name="LATEXISINLINE" val="False"/>
+  <p:tag name="LATEXTEXTSHAPEID" val="-1"/>
+  <p:tag name="LATEXADDINVERSION" val="1.2.0.1"/>
+</p:tagLst>
+</file>
+
+<file path=ppt/tags/tag3.xml><?xml version="1.0" encoding="utf-8"?>
+<p:tagLst xmlns:a="http://schemas.openxmlformats.org/drawingml/2006/main" xmlns:r="http://schemas.openxmlformats.org/officeDocument/2006/relationships" xmlns:p="http://schemas.openxmlformats.org/presentationml/2006/main">
+  <p:tag name="LATEXCODE" val="\begin{equation*}\r\n j\vec{E}\r\n\end{equation*}\r\n"/>
+  <p:tag name="LATEXFONTSIZE" val="18"/>
+  <p:tag name="LATEXTEXTCOLOR" val="0,0,0"/>
+  <p:tag name="LATEXDPI" val="192"/>
+  <p:tag name="LATEXFONT" val="Computer Modern Roman"/>
+  <p:tag name="LATEXFONTSERIES" val="Standard"/>
+  <p:tag name="LATEXFONTSHAPE" val="Standard"/>
+  <p:tag name="LATEXISINLINE" val="False"/>
+  <p:tag name="LATEXTEXTSHAPEID" val="-1"/>
+  <p:tag name="LATEXADDINVERSION" val="1.2.0.1"/>
+</p:tagLst>
+</file>
+
+<file path=ppt/tags/tag4.xml><?xml version="1.0" encoding="utf-8"?>
+<p:tagLst xmlns:a="http://schemas.openxmlformats.org/drawingml/2006/main" xmlns:r="http://schemas.openxmlformats.org/officeDocument/2006/relationships" xmlns:p="http://schemas.openxmlformats.org/presentationml/2006/main">
+  <p:tag name="LATEXCODE" val="\begin{equation*}\r\n \vec{E}\r\n\end{equation*}\r\n"/>
+  <p:tag name="LATEXFONTSIZE" val="18"/>
+  <p:tag name="LATEXTEXTCOLOR" val="0,0,0"/>
+  <p:tag name="LATEXDPI" val="192"/>
+  <p:tag name="LATEXFONT" val="Computer Modern Roman"/>
+  <p:tag name="LATEXFONTSERIES" val="Standard"/>
+  <p:tag name="LATEXFONTSHAPE" val="Standard"/>
+  <p:tag name="LATEXISINLINE" val="False"/>
+  <p:tag name="LATEXTEXTSHAPEID" val="-1"/>
+  <p:tag name="LATEXADDINVERSION" val="1.2.0.1"/>
+</p:tagLst>
+</file>
+
+<file path=ppt/tags/tag5.xml><?xml version="1.0" encoding="utf-8"?>
+<p:tagLst xmlns:a="http://schemas.openxmlformats.org/drawingml/2006/main" xmlns:r="http://schemas.openxmlformats.org/officeDocument/2006/relationships" xmlns:p="http://schemas.openxmlformats.org/presentationml/2006/main">
+  <p:tag name="LATEXCODE" val="\begin{equation*}\r\n{\sqrt{2}}\vec{E}\r\n\end{equation*}\r\n"/>
+  <p:tag name="LATEXFONTSIZE" val="18"/>
+  <p:tag name="LATEXTEXTCOLOR" val="0,0,0"/>
+  <p:tag name="LATEXDPI" val="192"/>
+  <p:tag name="LATEXFONT" val="Computer Modern Roman"/>
+  <p:tag name="LATEXFONTSERIES" val="Standard"/>
+  <p:tag name="LATEXFONTSHAPE" val="Standard"/>
+  <p:tag name="LATEXISINLINE" val="False"/>
+  <p:tag name="LATEXTEXTSHAPEID" val="-1"/>
+  <p:tag name="LATEXADDINVERSION" val="1.2.0.1"/>
+</p:tagLst>
+</file>
+
+<file path=ppt/tags/tag6.xml><?xml version="1.0" encoding="utf-8"?>
+<p:tagLst xmlns:a="http://schemas.openxmlformats.org/drawingml/2006/main" xmlns:r="http://schemas.openxmlformats.org/officeDocument/2006/relationships" xmlns:p="http://schemas.openxmlformats.org/presentationml/2006/main">
+  <p:tag name="LATEXCODE" val="\begin{equation*}\r\n j\vec{E}\r\n\end{equation*}\r\n"/>
+  <p:tag name="LATEXFONTSIZE" val="18"/>
+  <p:tag name="LATEXTEXTCOLOR" val="0,0,0"/>
+  <p:tag name="LATEXDPI" val="192"/>
+  <p:tag name="LATEXFONT" val="Computer Modern Roman"/>
+  <p:tag name="LATEXFONTSERIES" val="Standard"/>
+  <p:tag name="LATEXFONTSHAPE" val="Standard"/>
+  <p:tag name="LATEXISINLINE" val="False"/>
+  <p:tag name="LATEXTEXTSHAPEID" val="-1"/>
+  <p:tag name="LATEXADDINVERSION" val="1.2.0.1"/>
+</p:tagLst>
 </file>
 
 <file path=ppt/theme/theme1.xml><?xml version="1.0" encoding="utf-8"?>

--- a/layout.pptx
+++ b/layout.pptx
@@ -2,19 +2,19 @@
 <file path=ppt/presentation.xml><?xml version="1.0" encoding="utf-8"?>
 <p:presentation xmlns:a="http://schemas.openxmlformats.org/drawingml/2006/main" xmlns:r="http://schemas.openxmlformats.org/officeDocument/2006/relationships" xmlns:p="http://schemas.openxmlformats.org/presentationml/2006/main" saveSubsetFonts="1">
   <p:sldMasterIdLst>
-    <p:sldMasterId id="2147483648" r:id="rId2"/>
+    <p:sldMasterId id="2147483672" r:id="rId2"/>
   </p:sldMasterIdLst>
   <p:sldIdLst>
     <p:sldId id="256" r:id="rId3"/>
   </p:sldIdLst>
-  <p:sldSz cx="12192000" cy="6858000"/>
+  <p:sldSz cx="11160125" cy="5759450"/>
   <p:notesSz cx="7104063" cy="10234613"/>
   <p:defaultTextStyle>
     <a:defPPr>
       <a:defRPr lang="ko-KR"/>
     </a:defPPr>
-    <a:lvl1pPr marL="0" algn="l" defTabSz="914400" rtl="0" eaLnBrk="1" latinLnBrk="1" hangingPunct="1">
-      <a:defRPr sz="1800" kern="1200">
+    <a:lvl1pPr marL="0" algn="l" defTabSz="844814" rtl="0" eaLnBrk="1" latinLnBrk="1" hangingPunct="1">
+      <a:defRPr sz="1663" kern="1200">
         <a:solidFill>
           <a:schemeClr val="tx1"/>
         </a:solidFill>
@@ -23,8 +23,8 @@
         <a:cs typeface="+mn-cs"/>
       </a:defRPr>
     </a:lvl1pPr>
-    <a:lvl2pPr marL="457200" algn="l" defTabSz="914400" rtl="0" eaLnBrk="1" latinLnBrk="1" hangingPunct="1">
-      <a:defRPr sz="1800" kern="1200">
+    <a:lvl2pPr marL="422407" algn="l" defTabSz="844814" rtl="0" eaLnBrk="1" latinLnBrk="1" hangingPunct="1">
+      <a:defRPr sz="1663" kern="1200">
         <a:solidFill>
           <a:schemeClr val="tx1"/>
         </a:solidFill>
@@ -33,8 +33,8 @@
         <a:cs typeface="+mn-cs"/>
       </a:defRPr>
     </a:lvl2pPr>
-    <a:lvl3pPr marL="914400" algn="l" defTabSz="914400" rtl="0" eaLnBrk="1" latinLnBrk="1" hangingPunct="1">
-      <a:defRPr sz="1800" kern="1200">
+    <a:lvl3pPr marL="844814" algn="l" defTabSz="844814" rtl="0" eaLnBrk="1" latinLnBrk="1" hangingPunct="1">
+      <a:defRPr sz="1663" kern="1200">
         <a:solidFill>
           <a:schemeClr val="tx1"/>
         </a:solidFill>
@@ -43,8 +43,8 @@
         <a:cs typeface="+mn-cs"/>
       </a:defRPr>
     </a:lvl3pPr>
-    <a:lvl4pPr marL="1371600" algn="l" defTabSz="914400" rtl="0" eaLnBrk="1" latinLnBrk="1" hangingPunct="1">
-      <a:defRPr sz="1800" kern="1200">
+    <a:lvl4pPr marL="1267221" algn="l" defTabSz="844814" rtl="0" eaLnBrk="1" latinLnBrk="1" hangingPunct="1">
+      <a:defRPr sz="1663" kern="1200">
         <a:solidFill>
           <a:schemeClr val="tx1"/>
         </a:solidFill>
@@ -53,8 +53,8 @@
         <a:cs typeface="+mn-cs"/>
       </a:defRPr>
     </a:lvl4pPr>
-    <a:lvl5pPr marL="1828800" algn="l" defTabSz="914400" rtl="0" eaLnBrk="1" latinLnBrk="1" hangingPunct="1">
-      <a:defRPr sz="1800" kern="1200">
+    <a:lvl5pPr marL="1689628" algn="l" defTabSz="844814" rtl="0" eaLnBrk="1" latinLnBrk="1" hangingPunct="1">
+      <a:defRPr sz="1663" kern="1200">
         <a:solidFill>
           <a:schemeClr val="tx1"/>
         </a:solidFill>
@@ -63,8 +63,8 @@
         <a:cs typeface="+mn-cs"/>
       </a:defRPr>
     </a:lvl5pPr>
-    <a:lvl6pPr marL="2286000" algn="l" defTabSz="914400" rtl="0" eaLnBrk="1" latinLnBrk="1" hangingPunct="1">
-      <a:defRPr sz="1800" kern="1200">
+    <a:lvl6pPr marL="2112035" algn="l" defTabSz="844814" rtl="0" eaLnBrk="1" latinLnBrk="1" hangingPunct="1">
+      <a:defRPr sz="1663" kern="1200">
         <a:solidFill>
           <a:schemeClr val="tx1"/>
         </a:solidFill>
@@ -73,8 +73,8 @@
         <a:cs typeface="+mn-cs"/>
       </a:defRPr>
     </a:lvl6pPr>
-    <a:lvl7pPr marL="2743200" algn="l" defTabSz="914400" rtl="0" eaLnBrk="1" latinLnBrk="1" hangingPunct="1">
-      <a:defRPr sz="1800" kern="1200">
+    <a:lvl7pPr marL="2534442" algn="l" defTabSz="844814" rtl="0" eaLnBrk="1" latinLnBrk="1" hangingPunct="1">
+      <a:defRPr sz="1663" kern="1200">
         <a:solidFill>
           <a:schemeClr val="tx1"/>
         </a:solidFill>
@@ -83,8 +83,8 @@
         <a:cs typeface="+mn-cs"/>
       </a:defRPr>
     </a:lvl7pPr>
-    <a:lvl8pPr marL="3200400" algn="l" defTabSz="914400" rtl="0" eaLnBrk="1" latinLnBrk="1" hangingPunct="1">
-      <a:defRPr sz="1800" kern="1200">
+    <a:lvl8pPr marL="2956850" algn="l" defTabSz="844814" rtl="0" eaLnBrk="1" latinLnBrk="1" hangingPunct="1">
+      <a:defRPr sz="1663" kern="1200">
         <a:solidFill>
           <a:schemeClr val="tx1"/>
         </a:solidFill>
@@ -93,8 +93,8 @@
         <a:cs typeface="+mn-cs"/>
       </a:defRPr>
     </a:lvl8pPr>
-    <a:lvl9pPr marL="3657600" algn="l" defTabSz="914400" rtl="0" eaLnBrk="1" latinLnBrk="1" hangingPunct="1">
-      <a:defRPr sz="1800" kern="1200">
+    <a:lvl9pPr marL="3379257" algn="l" defTabSz="844814" rtl="0" eaLnBrk="1" latinLnBrk="1" hangingPunct="1">
+      <a:defRPr sz="1663" kern="1200">
         <a:solidFill>
           <a:schemeClr val="tx1"/>
         </a:solidFill>
@@ -131,7 +131,7 @@
       </p:grpSpPr>
       <p:sp>
         <p:nvSpPr>
-          <p:cNvPr id="2" name="제목 1"/>
+          <p:cNvPr id="2" name="Title 1"/>
           <p:cNvSpPr>
             <a:spLocks noGrp="1"/>
           </p:cNvSpPr>
@@ -141,15 +141,15 @@
         </p:nvSpPr>
         <p:spPr>
           <a:xfrm>
-            <a:off x="1524000" y="1122363"/>
-            <a:ext cx="9144000" cy="2387600"/>
+            <a:off x="1395016" y="942577"/>
+            <a:ext cx="8370094" cy="2005142"/>
           </a:xfrm>
         </p:spPr>
         <p:txBody>
           <a:bodyPr anchor="b"/>
           <a:lstStyle>
             <a:lvl1pPr algn="ctr">
-              <a:defRPr sz="6000"/>
+              <a:defRPr sz="5039"/>
             </a:lvl1pPr>
           </a:lstStyle>
           <a:p>
@@ -157,13 +157,13 @@
               <a:rPr lang="ko-KR" altLang="en-US" smtClean="0"/>
               <a:t>마스터 제목 스타일 편집</a:t>
             </a:r>
-            <a:endParaRPr lang="ko-KR" altLang="en-US"/>
-          </a:p>
-        </p:txBody>
-      </p:sp>
-      <p:sp>
-        <p:nvSpPr>
-          <p:cNvPr id="3" name="부제목 2"/>
+            <a:endParaRPr lang="en-US" dirty="0"/>
+          </a:p>
+        </p:txBody>
+      </p:sp>
+      <p:sp>
+        <p:nvSpPr>
+          <p:cNvPr id="3" name="Subtitle 2"/>
           <p:cNvSpPr>
             <a:spLocks noGrp="1"/>
           </p:cNvSpPr>
@@ -173,8 +173,8 @@
         </p:nvSpPr>
         <p:spPr>
           <a:xfrm>
-            <a:off x="1524000" y="3602038"/>
-            <a:ext cx="9144000" cy="1655762"/>
+            <a:off x="1395016" y="3025045"/>
+            <a:ext cx="8370094" cy="1390533"/>
           </a:xfrm>
         </p:spPr>
         <p:txBody>
@@ -182,39 +182,39 @@
           <a:lstStyle>
             <a:lvl1pPr marL="0" indent="0" algn="ctr">
               <a:buNone/>
-              <a:defRPr sz="2400"/>
+              <a:defRPr sz="2016"/>
             </a:lvl1pPr>
-            <a:lvl2pPr marL="457200" indent="0" algn="ctr">
-              <a:buNone/>
-              <a:defRPr sz="2000"/>
+            <a:lvl2pPr marL="383957" indent="0" algn="ctr">
+              <a:buNone/>
+              <a:defRPr sz="1680"/>
             </a:lvl2pPr>
-            <a:lvl3pPr marL="914400" indent="0" algn="ctr">
-              <a:buNone/>
-              <a:defRPr sz="1800"/>
+            <a:lvl3pPr marL="767913" indent="0" algn="ctr">
+              <a:buNone/>
+              <a:defRPr sz="1512"/>
             </a:lvl3pPr>
-            <a:lvl4pPr marL="1371600" indent="0" algn="ctr">
-              <a:buNone/>
-              <a:defRPr sz="1600"/>
+            <a:lvl4pPr marL="1151870" indent="0" algn="ctr">
+              <a:buNone/>
+              <a:defRPr sz="1344"/>
             </a:lvl4pPr>
-            <a:lvl5pPr marL="1828800" indent="0" algn="ctr">
-              <a:buNone/>
-              <a:defRPr sz="1600"/>
+            <a:lvl5pPr marL="1535826" indent="0" algn="ctr">
+              <a:buNone/>
+              <a:defRPr sz="1344"/>
             </a:lvl5pPr>
-            <a:lvl6pPr marL="2286000" indent="0" algn="ctr">
-              <a:buNone/>
-              <a:defRPr sz="1600"/>
+            <a:lvl6pPr marL="1919783" indent="0" algn="ctr">
+              <a:buNone/>
+              <a:defRPr sz="1344"/>
             </a:lvl6pPr>
-            <a:lvl7pPr marL="2743200" indent="0" algn="ctr">
-              <a:buNone/>
-              <a:defRPr sz="1600"/>
+            <a:lvl7pPr marL="2303739" indent="0" algn="ctr">
+              <a:buNone/>
+              <a:defRPr sz="1344"/>
             </a:lvl7pPr>
-            <a:lvl8pPr marL="3200400" indent="0" algn="ctr">
-              <a:buNone/>
-              <a:defRPr sz="1600"/>
+            <a:lvl8pPr marL="2687696" indent="0" algn="ctr">
+              <a:buNone/>
+              <a:defRPr sz="1344"/>
             </a:lvl8pPr>
-            <a:lvl9pPr marL="3657600" indent="0" algn="ctr">
-              <a:buNone/>
-              <a:defRPr sz="1600"/>
+            <a:lvl9pPr marL="3071652" indent="0" algn="ctr">
+              <a:buNone/>
+              <a:defRPr sz="1344"/>
             </a:lvl9pPr>
           </a:lstStyle>
           <a:p>
@@ -222,13 +222,13 @@
               <a:rPr lang="ko-KR" altLang="en-US" smtClean="0"/>
               <a:t>마스터 부제목 스타일 편집</a:t>
             </a:r>
-            <a:endParaRPr lang="ko-KR" altLang="en-US"/>
-          </a:p>
-        </p:txBody>
-      </p:sp>
-      <p:sp>
-        <p:nvSpPr>
-          <p:cNvPr id="4" name="날짜 개체 틀 3"/>
+            <a:endParaRPr lang="en-US" dirty="0"/>
+          </a:p>
+        </p:txBody>
+      </p:sp>
+      <p:sp>
+        <p:nvSpPr>
+          <p:cNvPr id="4" name="Date Placeholder 3"/>
           <p:cNvSpPr>
             <a:spLocks noGrp="1"/>
           </p:cNvSpPr>
@@ -243,7 +243,7 @@
           <a:p>
             <a:fld id="{E70BBDB4-4F6F-4DEC-A77E-44031484CD92}" type="datetimeFigureOut">
               <a:rPr lang="ko-KR" altLang="en-US" smtClean="0"/>
-              <a:t>2017-09-01</a:t>
+              <a:t>2017-09-04</a:t>
             </a:fld>
             <a:endParaRPr lang="ko-KR" altLang="en-US"/>
           </a:p>
@@ -251,7 +251,7 @@
       </p:sp>
       <p:sp>
         <p:nvSpPr>
-          <p:cNvPr id="5" name="바닥글 개체 틀 4"/>
+          <p:cNvPr id="5" name="Footer Placeholder 4"/>
           <p:cNvSpPr>
             <a:spLocks noGrp="1"/>
           </p:cNvSpPr>
@@ -270,7 +270,7 @@
       </p:sp>
       <p:sp>
         <p:nvSpPr>
-          <p:cNvPr id="6" name="슬라이드 번호 개체 틀 5"/>
+          <p:cNvPr id="6" name="Slide Number Placeholder 5"/>
           <p:cNvSpPr>
             <a:spLocks noGrp="1"/>
           </p:cNvSpPr>
@@ -294,7 +294,7 @@
     </p:spTree>
     <p:extLst>
       <p:ext uri="{BB962C8B-B14F-4D97-AF65-F5344CB8AC3E}">
-        <p14:creationId xmlns:p14="http://schemas.microsoft.com/office/powerpoint/2010/main" val="495101491"/>
+        <p14:creationId xmlns:p14="http://schemas.microsoft.com/office/powerpoint/2010/main" val="1393093189"/>
       </p:ext>
     </p:extLst>
   </p:cSld>
@@ -323,7 +323,7 @@
       </p:grpSpPr>
       <p:sp>
         <p:nvSpPr>
-          <p:cNvPr id="2" name="제목 1"/>
+          <p:cNvPr id="2" name="Title 1"/>
           <p:cNvSpPr>
             <a:spLocks noGrp="1"/>
           </p:cNvSpPr>
@@ -340,13 +340,13 @@
               <a:rPr lang="ko-KR" altLang="en-US" smtClean="0"/>
               <a:t>마스터 제목 스타일 편집</a:t>
             </a:r>
-            <a:endParaRPr lang="ko-KR" altLang="en-US"/>
-          </a:p>
-        </p:txBody>
-      </p:sp>
-      <p:sp>
-        <p:nvSpPr>
-          <p:cNvPr id="3" name="세로 텍스트 개체 틀 2"/>
+            <a:endParaRPr lang="en-US" dirty="0"/>
+          </a:p>
+        </p:txBody>
+      </p:sp>
+      <p:sp>
+        <p:nvSpPr>
+          <p:cNvPr id="3" name="Vertical Text Placeholder 2"/>
           <p:cNvSpPr>
             <a:spLocks noGrp="1"/>
           </p:cNvSpPr>
@@ -392,13 +392,13 @@
               <a:rPr lang="ko-KR" altLang="en-US" smtClean="0"/>
               <a:t>다섯째 수준</a:t>
             </a:r>
-            <a:endParaRPr lang="ko-KR" altLang="en-US"/>
-          </a:p>
-        </p:txBody>
-      </p:sp>
-      <p:sp>
-        <p:nvSpPr>
-          <p:cNvPr id="4" name="날짜 개체 틀 3"/>
+            <a:endParaRPr lang="en-US" dirty="0"/>
+          </a:p>
+        </p:txBody>
+      </p:sp>
+      <p:sp>
+        <p:nvSpPr>
+          <p:cNvPr id="4" name="Date Placeholder 3"/>
           <p:cNvSpPr>
             <a:spLocks noGrp="1"/>
           </p:cNvSpPr>
@@ -413,7 +413,7 @@
           <a:p>
             <a:fld id="{E70BBDB4-4F6F-4DEC-A77E-44031484CD92}" type="datetimeFigureOut">
               <a:rPr lang="ko-KR" altLang="en-US" smtClean="0"/>
-              <a:t>2017-09-01</a:t>
+              <a:t>2017-09-04</a:t>
             </a:fld>
             <a:endParaRPr lang="ko-KR" altLang="en-US"/>
           </a:p>
@@ -421,7 +421,7 @@
       </p:sp>
       <p:sp>
         <p:nvSpPr>
-          <p:cNvPr id="5" name="바닥글 개체 틀 4"/>
+          <p:cNvPr id="5" name="Footer Placeholder 4"/>
           <p:cNvSpPr>
             <a:spLocks noGrp="1"/>
           </p:cNvSpPr>
@@ -440,7 +440,7 @@
       </p:sp>
       <p:sp>
         <p:nvSpPr>
-          <p:cNvPr id="6" name="슬라이드 번호 개체 틀 5"/>
+          <p:cNvPr id="6" name="Slide Number Placeholder 5"/>
           <p:cNvSpPr>
             <a:spLocks noGrp="1"/>
           </p:cNvSpPr>
@@ -464,7 +464,7 @@
     </p:spTree>
     <p:extLst>
       <p:ext uri="{BB962C8B-B14F-4D97-AF65-F5344CB8AC3E}">
-        <p14:creationId xmlns:p14="http://schemas.microsoft.com/office/powerpoint/2010/main" val="939119878"/>
+        <p14:creationId xmlns:p14="http://schemas.microsoft.com/office/powerpoint/2010/main" val="3036991951"/>
       </p:ext>
     </p:extLst>
   </p:cSld>
@@ -493,7 +493,7 @@
       </p:grpSpPr>
       <p:sp>
         <p:nvSpPr>
-          <p:cNvPr id="2" name="세로 제목 1"/>
+          <p:cNvPr id="2" name="Vertical Title 1"/>
           <p:cNvSpPr>
             <a:spLocks noGrp="1"/>
           </p:cNvSpPr>
@@ -503,8 +503,8 @@
         </p:nvSpPr>
         <p:spPr>
           <a:xfrm>
-            <a:off x="8724900" y="365125"/>
-            <a:ext cx="2628900" cy="5811838"/>
+            <a:off x="7986464" y="306637"/>
+            <a:ext cx="2406402" cy="4880868"/>
           </a:xfrm>
         </p:spPr>
         <p:txBody>
@@ -515,13 +515,13 @@
               <a:rPr lang="ko-KR" altLang="en-US" smtClean="0"/>
               <a:t>마스터 제목 스타일 편집</a:t>
             </a:r>
-            <a:endParaRPr lang="ko-KR" altLang="en-US"/>
-          </a:p>
-        </p:txBody>
-      </p:sp>
-      <p:sp>
-        <p:nvSpPr>
-          <p:cNvPr id="3" name="세로 텍스트 개체 틀 2"/>
+            <a:endParaRPr lang="en-US" dirty="0"/>
+          </a:p>
+        </p:txBody>
+      </p:sp>
+      <p:sp>
+        <p:nvSpPr>
+          <p:cNvPr id="3" name="Vertical Text Placeholder 2"/>
           <p:cNvSpPr>
             <a:spLocks noGrp="1"/>
           </p:cNvSpPr>
@@ -531,8 +531,8 @@
         </p:nvSpPr>
         <p:spPr>
           <a:xfrm>
-            <a:off x="838200" y="365125"/>
-            <a:ext cx="7734300" cy="5811838"/>
+            <a:off x="767259" y="306637"/>
+            <a:ext cx="7079704" cy="4880868"/>
           </a:xfrm>
         </p:spPr>
         <p:txBody>
@@ -572,13 +572,13 @@
               <a:rPr lang="ko-KR" altLang="en-US" smtClean="0"/>
               <a:t>다섯째 수준</a:t>
             </a:r>
-            <a:endParaRPr lang="ko-KR" altLang="en-US"/>
-          </a:p>
-        </p:txBody>
-      </p:sp>
-      <p:sp>
-        <p:nvSpPr>
-          <p:cNvPr id="4" name="날짜 개체 틀 3"/>
+            <a:endParaRPr lang="en-US" dirty="0"/>
+          </a:p>
+        </p:txBody>
+      </p:sp>
+      <p:sp>
+        <p:nvSpPr>
+          <p:cNvPr id="4" name="Date Placeholder 3"/>
           <p:cNvSpPr>
             <a:spLocks noGrp="1"/>
           </p:cNvSpPr>
@@ -593,7 +593,7 @@
           <a:p>
             <a:fld id="{E70BBDB4-4F6F-4DEC-A77E-44031484CD92}" type="datetimeFigureOut">
               <a:rPr lang="ko-KR" altLang="en-US" smtClean="0"/>
-              <a:t>2017-09-01</a:t>
+              <a:t>2017-09-04</a:t>
             </a:fld>
             <a:endParaRPr lang="ko-KR" altLang="en-US"/>
           </a:p>
@@ -601,7 +601,7 @@
       </p:sp>
       <p:sp>
         <p:nvSpPr>
-          <p:cNvPr id="5" name="바닥글 개체 틀 4"/>
+          <p:cNvPr id="5" name="Footer Placeholder 4"/>
           <p:cNvSpPr>
             <a:spLocks noGrp="1"/>
           </p:cNvSpPr>
@@ -620,7 +620,7 @@
       </p:sp>
       <p:sp>
         <p:nvSpPr>
-          <p:cNvPr id="6" name="슬라이드 번호 개체 틀 5"/>
+          <p:cNvPr id="6" name="Slide Number Placeholder 5"/>
           <p:cNvSpPr>
             <a:spLocks noGrp="1"/>
           </p:cNvSpPr>
@@ -644,7 +644,7 @@
     </p:spTree>
     <p:extLst>
       <p:ext uri="{BB962C8B-B14F-4D97-AF65-F5344CB8AC3E}">
-        <p14:creationId xmlns:p14="http://schemas.microsoft.com/office/powerpoint/2010/main" val="429011216"/>
+        <p14:creationId xmlns:p14="http://schemas.microsoft.com/office/powerpoint/2010/main" val="2707780485"/>
       </p:ext>
     </p:extLst>
   </p:cSld>
@@ -673,7 +673,7 @@
       </p:grpSpPr>
       <p:sp>
         <p:nvSpPr>
-          <p:cNvPr id="2" name="제목 1"/>
+          <p:cNvPr id="2" name="Title 1"/>
           <p:cNvSpPr>
             <a:spLocks noGrp="1"/>
           </p:cNvSpPr>
@@ -690,13 +690,13 @@
               <a:rPr lang="ko-KR" altLang="en-US" smtClean="0"/>
               <a:t>마스터 제목 스타일 편집</a:t>
             </a:r>
-            <a:endParaRPr lang="ko-KR" altLang="en-US"/>
-          </a:p>
-        </p:txBody>
-      </p:sp>
-      <p:sp>
-        <p:nvSpPr>
-          <p:cNvPr id="3" name="내용 개체 틀 2"/>
+            <a:endParaRPr lang="en-US" dirty="0"/>
+          </a:p>
+        </p:txBody>
+      </p:sp>
+      <p:sp>
+        <p:nvSpPr>
+          <p:cNvPr id="3" name="Content Placeholder 2"/>
           <p:cNvSpPr>
             <a:spLocks noGrp="1"/>
           </p:cNvSpPr>
@@ -742,13 +742,13 @@
               <a:rPr lang="ko-KR" altLang="en-US" smtClean="0"/>
               <a:t>다섯째 수준</a:t>
             </a:r>
-            <a:endParaRPr lang="ko-KR" altLang="en-US"/>
-          </a:p>
-        </p:txBody>
-      </p:sp>
-      <p:sp>
-        <p:nvSpPr>
-          <p:cNvPr id="4" name="날짜 개체 틀 3"/>
+            <a:endParaRPr lang="en-US" dirty="0"/>
+          </a:p>
+        </p:txBody>
+      </p:sp>
+      <p:sp>
+        <p:nvSpPr>
+          <p:cNvPr id="4" name="Date Placeholder 3"/>
           <p:cNvSpPr>
             <a:spLocks noGrp="1"/>
           </p:cNvSpPr>
@@ -763,7 +763,7 @@
           <a:p>
             <a:fld id="{E70BBDB4-4F6F-4DEC-A77E-44031484CD92}" type="datetimeFigureOut">
               <a:rPr lang="ko-KR" altLang="en-US" smtClean="0"/>
-              <a:t>2017-09-01</a:t>
+              <a:t>2017-09-04</a:t>
             </a:fld>
             <a:endParaRPr lang="ko-KR" altLang="en-US"/>
           </a:p>
@@ -771,7 +771,7 @@
       </p:sp>
       <p:sp>
         <p:nvSpPr>
-          <p:cNvPr id="5" name="바닥글 개체 틀 4"/>
+          <p:cNvPr id="5" name="Footer Placeholder 4"/>
           <p:cNvSpPr>
             <a:spLocks noGrp="1"/>
           </p:cNvSpPr>
@@ -790,7 +790,7 @@
       </p:sp>
       <p:sp>
         <p:nvSpPr>
-          <p:cNvPr id="6" name="슬라이드 번호 개체 틀 5"/>
+          <p:cNvPr id="6" name="Slide Number Placeholder 5"/>
           <p:cNvSpPr>
             <a:spLocks noGrp="1"/>
           </p:cNvSpPr>
@@ -814,7 +814,7 @@
     </p:spTree>
     <p:extLst>
       <p:ext uri="{BB962C8B-B14F-4D97-AF65-F5344CB8AC3E}">
-        <p14:creationId xmlns:p14="http://schemas.microsoft.com/office/powerpoint/2010/main" val="3415999617"/>
+        <p14:creationId xmlns:p14="http://schemas.microsoft.com/office/powerpoint/2010/main" val="1214275928"/>
       </p:ext>
     </p:extLst>
   </p:cSld>
@@ -843,7 +843,7 @@
       </p:grpSpPr>
       <p:sp>
         <p:nvSpPr>
-          <p:cNvPr id="2" name="제목 1"/>
+          <p:cNvPr id="2" name="Title 1"/>
           <p:cNvSpPr>
             <a:spLocks noGrp="1"/>
           </p:cNvSpPr>
@@ -853,15 +853,15 @@
         </p:nvSpPr>
         <p:spPr>
           <a:xfrm>
-            <a:off x="831850" y="1709738"/>
-            <a:ext cx="10515600" cy="2852737"/>
+            <a:off x="761446" y="1435864"/>
+            <a:ext cx="9625608" cy="2395771"/>
           </a:xfrm>
         </p:spPr>
         <p:txBody>
           <a:bodyPr anchor="b"/>
           <a:lstStyle>
             <a:lvl1pPr>
-              <a:defRPr sz="6000"/>
+              <a:defRPr sz="5039"/>
             </a:lvl1pPr>
           </a:lstStyle>
           <a:p>
@@ -869,13 +869,13 @@
               <a:rPr lang="ko-KR" altLang="en-US" smtClean="0"/>
               <a:t>마스터 제목 스타일 편집</a:t>
             </a:r>
-            <a:endParaRPr lang="ko-KR" altLang="en-US"/>
-          </a:p>
-        </p:txBody>
-      </p:sp>
-      <p:sp>
-        <p:nvSpPr>
-          <p:cNvPr id="3" name="텍스트 개체 틀 2"/>
+            <a:endParaRPr lang="en-US" dirty="0"/>
+          </a:p>
+        </p:txBody>
+      </p:sp>
+      <p:sp>
+        <p:nvSpPr>
+          <p:cNvPr id="3" name="Text Placeholder 2"/>
           <p:cNvSpPr>
             <a:spLocks noGrp="1"/>
           </p:cNvSpPr>
@@ -885,8 +885,8 @@
         </p:nvSpPr>
         <p:spPr>
           <a:xfrm>
-            <a:off x="831850" y="4589463"/>
-            <a:ext cx="10515600" cy="1500187"/>
+            <a:off x="761446" y="3854300"/>
+            <a:ext cx="9625608" cy="1259879"/>
           </a:xfrm>
         </p:spPr>
         <p:txBody>
@@ -894,7 +894,7 @@
           <a:lstStyle>
             <a:lvl1pPr marL="0" indent="0">
               <a:buNone/>
-              <a:defRPr sz="2400">
+              <a:defRPr sz="2016">
                 <a:solidFill>
                   <a:schemeClr val="tx1">
                     <a:tint val="75000"/>
@@ -902,9 +902,9 @@
                 </a:solidFill>
               </a:defRPr>
             </a:lvl1pPr>
-            <a:lvl2pPr marL="457200" indent="0">
-              <a:buNone/>
-              <a:defRPr sz="2000">
+            <a:lvl2pPr marL="383957" indent="0">
+              <a:buNone/>
+              <a:defRPr sz="1680">
                 <a:solidFill>
                   <a:schemeClr val="tx1">
                     <a:tint val="75000"/>
@@ -912,9 +912,9 @@
                 </a:solidFill>
               </a:defRPr>
             </a:lvl2pPr>
-            <a:lvl3pPr marL="914400" indent="0">
-              <a:buNone/>
-              <a:defRPr sz="1800">
+            <a:lvl3pPr marL="767913" indent="0">
+              <a:buNone/>
+              <a:defRPr sz="1512">
                 <a:solidFill>
                   <a:schemeClr val="tx1">
                     <a:tint val="75000"/>
@@ -922,9 +922,9 @@
                 </a:solidFill>
               </a:defRPr>
             </a:lvl3pPr>
-            <a:lvl4pPr marL="1371600" indent="0">
-              <a:buNone/>
-              <a:defRPr sz="1600">
+            <a:lvl4pPr marL="1151870" indent="0">
+              <a:buNone/>
+              <a:defRPr sz="1344">
                 <a:solidFill>
                   <a:schemeClr val="tx1">
                     <a:tint val="75000"/>
@@ -932,9 +932,9 @@
                 </a:solidFill>
               </a:defRPr>
             </a:lvl4pPr>
-            <a:lvl5pPr marL="1828800" indent="0">
-              <a:buNone/>
-              <a:defRPr sz="1600">
+            <a:lvl5pPr marL="1535826" indent="0">
+              <a:buNone/>
+              <a:defRPr sz="1344">
                 <a:solidFill>
                   <a:schemeClr val="tx1">
                     <a:tint val="75000"/>
@@ -942,9 +942,9 @@
                 </a:solidFill>
               </a:defRPr>
             </a:lvl5pPr>
-            <a:lvl6pPr marL="2286000" indent="0">
-              <a:buNone/>
-              <a:defRPr sz="1600">
+            <a:lvl6pPr marL="1919783" indent="0">
+              <a:buNone/>
+              <a:defRPr sz="1344">
                 <a:solidFill>
                   <a:schemeClr val="tx1">
                     <a:tint val="75000"/>
@@ -952,9 +952,9 @@
                 </a:solidFill>
               </a:defRPr>
             </a:lvl6pPr>
-            <a:lvl7pPr marL="2743200" indent="0">
-              <a:buNone/>
-              <a:defRPr sz="1600">
+            <a:lvl7pPr marL="2303739" indent="0">
+              <a:buNone/>
+              <a:defRPr sz="1344">
                 <a:solidFill>
                   <a:schemeClr val="tx1">
                     <a:tint val="75000"/>
@@ -962,9 +962,9 @@
                 </a:solidFill>
               </a:defRPr>
             </a:lvl7pPr>
-            <a:lvl8pPr marL="3200400" indent="0">
-              <a:buNone/>
-              <a:defRPr sz="1600">
+            <a:lvl8pPr marL="2687696" indent="0">
+              <a:buNone/>
+              <a:defRPr sz="1344">
                 <a:solidFill>
                   <a:schemeClr val="tx1">
                     <a:tint val="75000"/>
@@ -972,9 +972,9 @@
                 </a:solidFill>
               </a:defRPr>
             </a:lvl8pPr>
-            <a:lvl9pPr marL="3657600" indent="0">
-              <a:buNone/>
-              <a:defRPr sz="1600">
+            <a:lvl9pPr marL="3071652" indent="0">
+              <a:buNone/>
+              <a:defRPr sz="1344">
                 <a:solidFill>
                   <a:schemeClr val="tx1">
                     <a:tint val="75000"/>
@@ -994,7 +994,7 @@
       </p:sp>
       <p:sp>
         <p:nvSpPr>
-          <p:cNvPr id="4" name="날짜 개체 틀 3"/>
+          <p:cNvPr id="4" name="Date Placeholder 3"/>
           <p:cNvSpPr>
             <a:spLocks noGrp="1"/>
           </p:cNvSpPr>
@@ -1009,7 +1009,7 @@
           <a:p>
             <a:fld id="{E70BBDB4-4F6F-4DEC-A77E-44031484CD92}" type="datetimeFigureOut">
               <a:rPr lang="ko-KR" altLang="en-US" smtClean="0"/>
-              <a:t>2017-09-01</a:t>
+              <a:t>2017-09-04</a:t>
             </a:fld>
             <a:endParaRPr lang="ko-KR" altLang="en-US"/>
           </a:p>
@@ -1017,7 +1017,7 @@
       </p:sp>
       <p:sp>
         <p:nvSpPr>
-          <p:cNvPr id="5" name="바닥글 개체 틀 4"/>
+          <p:cNvPr id="5" name="Footer Placeholder 4"/>
           <p:cNvSpPr>
             <a:spLocks noGrp="1"/>
           </p:cNvSpPr>
@@ -1036,7 +1036,7 @@
       </p:sp>
       <p:sp>
         <p:nvSpPr>
-          <p:cNvPr id="6" name="슬라이드 번호 개체 틀 5"/>
+          <p:cNvPr id="6" name="Slide Number Placeholder 5"/>
           <p:cNvSpPr>
             <a:spLocks noGrp="1"/>
           </p:cNvSpPr>
@@ -1060,7 +1060,7 @@
     </p:spTree>
     <p:extLst>
       <p:ext uri="{BB962C8B-B14F-4D97-AF65-F5344CB8AC3E}">
-        <p14:creationId xmlns:p14="http://schemas.microsoft.com/office/powerpoint/2010/main" val="256297460"/>
+        <p14:creationId xmlns:p14="http://schemas.microsoft.com/office/powerpoint/2010/main" val="353891074"/>
       </p:ext>
     </p:extLst>
   </p:cSld>
@@ -1089,7 +1089,7 @@
       </p:grpSpPr>
       <p:sp>
         <p:nvSpPr>
-          <p:cNvPr id="2" name="제목 1"/>
+          <p:cNvPr id="2" name="Title 1"/>
           <p:cNvSpPr>
             <a:spLocks noGrp="1"/>
           </p:cNvSpPr>
@@ -1106,13 +1106,13 @@
               <a:rPr lang="ko-KR" altLang="en-US" smtClean="0"/>
               <a:t>마스터 제목 스타일 편집</a:t>
             </a:r>
-            <a:endParaRPr lang="ko-KR" altLang="en-US"/>
-          </a:p>
-        </p:txBody>
-      </p:sp>
-      <p:sp>
-        <p:nvSpPr>
-          <p:cNvPr id="3" name="내용 개체 틀 2"/>
+            <a:endParaRPr lang="en-US" dirty="0"/>
+          </a:p>
+        </p:txBody>
+      </p:sp>
+      <p:sp>
+        <p:nvSpPr>
+          <p:cNvPr id="3" name="Content Placeholder 2"/>
           <p:cNvSpPr>
             <a:spLocks noGrp="1"/>
           </p:cNvSpPr>
@@ -1122,8 +1122,8 @@
         </p:nvSpPr>
         <p:spPr>
           <a:xfrm>
-            <a:off x="838200" y="1825625"/>
-            <a:ext cx="5181600" cy="4351338"/>
+            <a:off x="767259" y="1533187"/>
+            <a:ext cx="4743053" cy="3654318"/>
           </a:xfrm>
         </p:spPr>
         <p:txBody>
@@ -1163,13 +1163,13 @@
               <a:rPr lang="ko-KR" altLang="en-US" smtClean="0"/>
               <a:t>다섯째 수준</a:t>
             </a:r>
-            <a:endParaRPr lang="ko-KR" altLang="en-US"/>
-          </a:p>
-        </p:txBody>
-      </p:sp>
-      <p:sp>
-        <p:nvSpPr>
-          <p:cNvPr id="4" name="내용 개체 틀 3"/>
+            <a:endParaRPr lang="en-US" dirty="0"/>
+          </a:p>
+        </p:txBody>
+      </p:sp>
+      <p:sp>
+        <p:nvSpPr>
+          <p:cNvPr id="4" name="Content Placeholder 3"/>
           <p:cNvSpPr>
             <a:spLocks noGrp="1"/>
           </p:cNvSpPr>
@@ -1179,8 +1179,8 @@
         </p:nvSpPr>
         <p:spPr>
           <a:xfrm>
-            <a:off x="6172200" y="1825625"/>
-            <a:ext cx="5181600" cy="4351338"/>
+            <a:off x="5649813" y="1533187"/>
+            <a:ext cx="4743053" cy="3654318"/>
           </a:xfrm>
         </p:spPr>
         <p:txBody>
@@ -1220,13 +1220,13 @@
               <a:rPr lang="ko-KR" altLang="en-US" smtClean="0"/>
               <a:t>다섯째 수준</a:t>
             </a:r>
-            <a:endParaRPr lang="ko-KR" altLang="en-US"/>
-          </a:p>
-        </p:txBody>
-      </p:sp>
-      <p:sp>
-        <p:nvSpPr>
-          <p:cNvPr id="5" name="날짜 개체 틀 4"/>
+            <a:endParaRPr lang="en-US" dirty="0"/>
+          </a:p>
+        </p:txBody>
+      </p:sp>
+      <p:sp>
+        <p:nvSpPr>
+          <p:cNvPr id="5" name="Date Placeholder 4"/>
           <p:cNvSpPr>
             <a:spLocks noGrp="1"/>
           </p:cNvSpPr>
@@ -1241,7 +1241,7 @@
           <a:p>
             <a:fld id="{E70BBDB4-4F6F-4DEC-A77E-44031484CD92}" type="datetimeFigureOut">
               <a:rPr lang="ko-KR" altLang="en-US" smtClean="0"/>
-              <a:t>2017-09-01</a:t>
+              <a:t>2017-09-04</a:t>
             </a:fld>
             <a:endParaRPr lang="ko-KR" altLang="en-US"/>
           </a:p>
@@ -1249,7 +1249,7 @@
       </p:sp>
       <p:sp>
         <p:nvSpPr>
-          <p:cNvPr id="6" name="바닥글 개체 틀 5"/>
+          <p:cNvPr id="6" name="Footer Placeholder 5"/>
           <p:cNvSpPr>
             <a:spLocks noGrp="1"/>
           </p:cNvSpPr>
@@ -1268,7 +1268,7 @@
       </p:sp>
       <p:sp>
         <p:nvSpPr>
-          <p:cNvPr id="7" name="슬라이드 번호 개체 틀 6"/>
+          <p:cNvPr id="7" name="Slide Number Placeholder 6"/>
           <p:cNvSpPr>
             <a:spLocks noGrp="1"/>
           </p:cNvSpPr>
@@ -1292,7 +1292,7 @@
     </p:spTree>
     <p:extLst>
       <p:ext uri="{BB962C8B-B14F-4D97-AF65-F5344CB8AC3E}">
-        <p14:creationId xmlns:p14="http://schemas.microsoft.com/office/powerpoint/2010/main" val="1020749670"/>
+        <p14:creationId xmlns:p14="http://schemas.microsoft.com/office/powerpoint/2010/main" val="2851074740"/>
       </p:ext>
     </p:extLst>
   </p:cSld>
@@ -1321,7 +1321,7 @@
       </p:grpSpPr>
       <p:sp>
         <p:nvSpPr>
-          <p:cNvPr id="2" name="제목 1"/>
+          <p:cNvPr id="2" name="Title 1"/>
           <p:cNvSpPr>
             <a:spLocks noGrp="1"/>
           </p:cNvSpPr>
@@ -1331,8 +1331,8 @@
         </p:nvSpPr>
         <p:spPr>
           <a:xfrm>
-            <a:off x="839788" y="365125"/>
-            <a:ext cx="10515600" cy="1325563"/>
+            <a:off x="768712" y="306638"/>
+            <a:ext cx="9625608" cy="1113227"/>
           </a:xfrm>
         </p:spPr>
         <p:txBody>
@@ -1343,13 +1343,13 @@
               <a:rPr lang="ko-KR" altLang="en-US" smtClean="0"/>
               <a:t>마스터 제목 스타일 편집</a:t>
             </a:r>
-            <a:endParaRPr lang="ko-KR" altLang="en-US"/>
-          </a:p>
-        </p:txBody>
-      </p:sp>
-      <p:sp>
-        <p:nvSpPr>
-          <p:cNvPr id="3" name="텍스트 개체 틀 2"/>
+            <a:endParaRPr lang="en-US" dirty="0"/>
+          </a:p>
+        </p:txBody>
+      </p:sp>
+      <p:sp>
+        <p:nvSpPr>
+          <p:cNvPr id="3" name="Text Placeholder 2"/>
           <p:cNvSpPr>
             <a:spLocks noGrp="1"/>
           </p:cNvSpPr>
@@ -1359,8 +1359,8 @@
         </p:nvSpPr>
         <p:spPr>
           <a:xfrm>
-            <a:off x="839788" y="1681163"/>
-            <a:ext cx="5157787" cy="823912"/>
+            <a:off x="768712" y="1411865"/>
+            <a:ext cx="4721256" cy="691934"/>
           </a:xfrm>
         </p:spPr>
         <p:txBody>
@@ -1368,39 +1368,39 @@
           <a:lstStyle>
             <a:lvl1pPr marL="0" indent="0">
               <a:buNone/>
-              <a:defRPr sz="2400" b="1"/>
+              <a:defRPr sz="2016" b="1"/>
             </a:lvl1pPr>
-            <a:lvl2pPr marL="457200" indent="0">
-              <a:buNone/>
-              <a:defRPr sz="2000" b="1"/>
+            <a:lvl2pPr marL="383957" indent="0">
+              <a:buNone/>
+              <a:defRPr sz="1680" b="1"/>
             </a:lvl2pPr>
-            <a:lvl3pPr marL="914400" indent="0">
-              <a:buNone/>
-              <a:defRPr sz="1800" b="1"/>
+            <a:lvl3pPr marL="767913" indent="0">
+              <a:buNone/>
+              <a:defRPr sz="1512" b="1"/>
             </a:lvl3pPr>
-            <a:lvl4pPr marL="1371600" indent="0">
-              <a:buNone/>
-              <a:defRPr sz="1600" b="1"/>
+            <a:lvl4pPr marL="1151870" indent="0">
+              <a:buNone/>
+              <a:defRPr sz="1344" b="1"/>
             </a:lvl4pPr>
-            <a:lvl5pPr marL="1828800" indent="0">
-              <a:buNone/>
-              <a:defRPr sz="1600" b="1"/>
+            <a:lvl5pPr marL="1535826" indent="0">
+              <a:buNone/>
+              <a:defRPr sz="1344" b="1"/>
             </a:lvl5pPr>
-            <a:lvl6pPr marL="2286000" indent="0">
-              <a:buNone/>
-              <a:defRPr sz="1600" b="1"/>
+            <a:lvl6pPr marL="1919783" indent="0">
+              <a:buNone/>
+              <a:defRPr sz="1344" b="1"/>
             </a:lvl6pPr>
-            <a:lvl7pPr marL="2743200" indent="0">
-              <a:buNone/>
-              <a:defRPr sz="1600" b="1"/>
+            <a:lvl7pPr marL="2303739" indent="0">
+              <a:buNone/>
+              <a:defRPr sz="1344" b="1"/>
             </a:lvl7pPr>
-            <a:lvl8pPr marL="3200400" indent="0">
-              <a:buNone/>
-              <a:defRPr sz="1600" b="1"/>
+            <a:lvl8pPr marL="2687696" indent="0">
+              <a:buNone/>
+              <a:defRPr sz="1344" b="1"/>
             </a:lvl8pPr>
-            <a:lvl9pPr marL="3657600" indent="0">
-              <a:buNone/>
-              <a:defRPr sz="1600" b="1"/>
+            <a:lvl9pPr marL="3071652" indent="0">
+              <a:buNone/>
+              <a:defRPr sz="1344" b="1"/>
             </a:lvl9pPr>
           </a:lstStyle>
           <a:p>
@@ -1414,7 +1414,7 @@
       </p:sp>
       <p:sp>
         <p:nvSpPr>
-          <p:cNvPr id="4" name="내용 개체 틀 3"/>
+          <p:cNvPr id="4" name="Content Placeholder 3"/>
           <p:cNvSpPr>
             <a:spLocks noGrp="1"/>
           </p:cNvSpPr>
@@ -1424,8 +1424,8 @@
         </p:nvSpPr>
         <p:spPr>
           <a:xfrm>
-            <a:off x="839788" y="2505075"/>
-            <a:ext cx="5157787" cy="3684588"/>
+            <a:off x="768712" y="2103799"/>
+            <a:ext cx="4721256" cy="3094372"/>
           </a:xfrm>
         </p:spPr>
         <p:txBody>
@@ -1465,13 +1465,13 @@
               <a:rPr lang="ko-KR" altLang="en-US" smtClean="0"/>
               <a:t>다섯째 수준</a:t>
             </a:r>
-            <a:endParaRPr lang="ko-KR" altLang="en-US"/>
-          </a:p>
-        </p:txBody>
-      </p:sp>
-      <p:sp>
-        <p:nvSpPr>
-          <p:cNvPr id="5" name="텍스트 개체 틀 4"/>
+            <a:endParaRPr lang="en-US" dirty="0"/>
+          </a:p>
+        </p:txBody>
+      </p:sp>
+      <p:sp>
+        <p:nvSpPr>
+          <p:cNvPr id="5" name="Text Placeholder 4"/>
           <p:cNvSpPr>
             <a:spLocks noGrp="1"/>
           </p:cNvSpPr>
@@ -1481,8 +1481,8 @@
         </p:nvSpPr>
         <p:spPr>
           <a:xfrm>
-            <a:off x="6172200" y="1681163"/>
-            <a:ext cx="5183188" cy="823912"/>
+            <a:off x="5649813" y="1411865"/>
+            <a:ext cx="4744507" cy="691934"/>
           </a:xfrm>
         </p:spPr>
         <p:txBody>
@@ -1490,39 +1490,39 @@
           <a:lstStyle>
             <a:lvl1pPr marL="0" indent="0">
               <a:buNone/>
-              <a:defRPr sz="2400" b="1"/>
+              <a:defRPr sz="2016" b="1"/>
             </a:lvl1pPr>
-            <a:lvl2pPr marL="457200" indent="0">
-              <a:buNone/>
-              <a:defRPr sz="2000" b="1"/>
+            <a:lvl2pPr marL="383957" indent="0">
+              <a:buNone/>
+              <a:defRPr sz="1680" b="1"/>
             </a:lvl2pPr>
-            <a:lvl3pPr marL="914400" indent="0">
-              <a:buNone/>
-              <a:defRPr sz="1800" b="1"/>
+            <a:lvl3pPr marL="767913" indent="0">
+              <a:buNone/>
+              <a:defRPr sz="1512" b="1"/>
             </a:lvl3pPr>
-            <a:lvl4pPr marL="1371600" indent="0">
-              <a:buNone/>
-              <a:defRPr sz="1600" b="1"/>
+            <a:lvl4pPr marL="1151870" indent="0">
+              <a:buNone/>
+              <a:defRPr sz="1344" b="1"/>
             </a:lvl4pPr>
-            <a:lvl5pPr marL="1828800" indent="0">
-              <a:buNone/>
-              <a:defRPr sz="1600" b="1"/>
+            <a:lvl5pPr marL="1535826" indent="0">
+              <a:buNone/>
+              <a:defRPr sz="1344" b="1"/>
             </a:lvl5pPr>
-            <a:lvl6pPr marL="2286000" indent="0">
-              <a:buNone/>
-              <a:defRPr sz="1600" b="1"/>
+            <a:lvl6pPr marL="1919783" indent="0">
+              <a:buNone/>
+              <a:defRPr sz="1344" b="1"/>
             </a:lvl6pPr>
-            <a:lvl7pPr marL="2743200" indent="0">
-              <a:buNone/>
-              <a:defRPr sz="1600" b="1"/>
+            <a:lvl7pPr marL="2303739" indent="0">
+              <a:buNone/>
+              <a:defRPr sz="1344" b="1"/>
             </a:lvl7pPr>
-            <a:lvl8pPr marL="3200400" indent="0">
-              <a:buNone/>
-              <a:defRPr sz="1600" b="1"/>
+            <a:lvl8pPr marL="2687696" indent="0">
+              <a:buNone/>
+              <a:defRPr sz="1344" b="1"/>
             </a:lvl8pPr>
-            <a:lvl9pPr marL="3657600" indent="0">
-              <a:buNone/>
-              <a:defRPr sz="1600" b="1"/>
+            <a:lvl9pPr marL="3071652" indent="0">
+              <a:buNone/>
+              <a:defRPr sz="1344" b="1"/>
             </a:lvl9pPr>
           </a:lstStyle>
           <a:p>
@@ -1536,7 +1536,7 @@
       </p:sp>
       <p:sp>
         <p:nvSpPr>
-          <p:cNvPr id="6" name="내용 개체 틀 5"/>
+          <p:cNvPr id="6" name="Content Placeholder 5"/>
           <p:cNvSpPr>
             <a:spLocks noGrp="1"/>
           </p:cNvSpPr>
@@ -1546,8 +1546,8 @@
         </p:nvSpPr>
         <p:spPr>
           <a:xfrm>
-            <a:off x="6172200" y="2505075"/>
-            <a:ext cx="5183188" cy="3684588"/>
+            <a:off x="5649813" y="2103799"/>
+            <a:ext cx="4744507" cy="3094372"/>
           </a:xfrm>
         </p:spPr>
         <p:txBody>
@@ -1587,13 +1587,13 @@
               <a:rPr lang="ko-KR" altLang="en-US" smtClean="0"/>
               <a:t>다섯째 수준</a:t>
             </a:r>
-            <a:endParaRPr lang="ko-KR" altLang="en-US"/>
-          </a:p>
-        </p:txBody>
-      </p:sp>
-      <p:sp>
-        <p:nvSpPr>
-          <p:cNvPr id="7" name="날짜 개체 틀 6"/>
+            <a:endParaRPr lang="en-US" dirty="0"/>
+          </a:p>
+        </p:txBody>
+      </p:sp>
+      <p:sp>
+        <p:nvSpPr>
+          <p:cNvPr id="7" name="Date Placeholder 6"/>
           <p:cNvSpPr>
             <a:spLocks noGrp="1"/>
           </p:cNvSpPr>
@@ -1608,7 +1608,7 @@
           <a:p>
             <a:fld id="{E70BBDB4-4F6F-4DEC-A77E-44031484CD92}" type="datetimeFigureOut">
               <a:rPr lang="ko-KR" altLang="en-US" smtClean="0"/>
-              <a:t>2017-09-01</a:t>
+              <a:t>2017-09-04</a:t>
             </a:fld>
             <a:endParaRPr lang="ko-KR" altLang="en-US"/>
           </a:p>
@@ -1616,7 +1616,7 @@
       </p:sp>
       <p:sp>
         <p:nvSpPr>
-          <p:cNvPr id="8" name="바닥글 개체 틀 7"/>
+          <p:cNvPr id="8" name="Footer Placeholder 7"/>
           <p:cNvSpPr>
             <a:spLocks noGrp="1"/>
           </p:cNvSpPr>
@@ -1635,7 +1635,7 @@
       </p:sp>
       <p:sp>
         <p:nvSpPr>
-          <p:cNvPr id="9" name="슬라이드 번호 개체 틀 8"/>
+          <p:cNvPr id="9" name="Slide Number Placeholder 8"/>
           <p:cNvSpPr>
             <a:spLocks noGrp="1"/>
           </p:cNvSpPr>
@@ -1659,7 +1659,7 @@
     </p:spTree>
     <p:extLst>
       <p:ext uri="{BB962C8B-B14F-4D97-AF65-F5344CB8AC3E}">
-        <p14:creationId xmlns:p14="http://schemas.microsoft.com/office/powerpoint/2010/main" val="307703516"/>
+        <p14:creationId xmlns:p14="http://schemas.microsoft.com/office/powerpoint/2010/main" val="3846286554"/>
       </p:ext>
     </p:extLst>
   </p:cSld>
@@ -1688,7 +1688,7 @@
       </p:grpSpPr>
       <p:sp>
         <p:nvSpPr>
-          <p:cNvPr id="2" name="제목 1"/>
+          <p:cNvPr id="2" name="Title 1"/>
           <p:cNvSpPr>
             <a:spLocks noGrp="1"/>
           </p:cNvSpPr>
@@ -1705,13 +1705,13 @@
               <a:rPr lang="ko-KR" altLang="en-US" smtClean="0"/>
               <a:t>마스터 제목 스타일 편집</a:t>
             </a:r>
-            <a:endParaRPr lang="ko-KR" altLang="en-US"/>
-          </a:p>
-        </p:txBody>
-      </p:sp>
-      <p:sp>
-        <p:nvSpPr>
-          <p:cNvPr id="3" name="날짜 개체 틀 2"/>
+            <a:endParaRPr lang="en-US" dirty="0"/>
+          </a:p>
+        </p:txBody>
+      </p:sp>
+      <p:sp>
+        <p:nvSpPr>
+          <p:cNvPr id="3" name="Date Placeholder 2"/>
           <p:cNvSpPr>
             <a:spLocks noGrp="1"/>
           </p:cNvSpPr>
@@ -1726,7 +1726,7 @@
           <a:p>
             <a:fld id="{E70BBDB4-4F6F-4DEC-A77E-44031484CD92}" type="datetimeFigureOut">
               <a:rPr lang="ko-KR" altLang="en-US" smtClean="0"/>
-              <a:t>2017-09-01</a:t>
+              <a:t>2017-09-04</a:t>
             </a:fld>
             <a:endParaRPr lang="ko-KR" altLang="en-US"/>
           </a:p>
@@ -1734,7 +1734,7 @@
       </p:sp>
       <p:sp>
         <p:nvSpPr>
-          <p:cNvPr id="4" name="바닥글 개체 틀 3"/>
+          <p:cNvPr id="4" name="Footer Placeholder 3"/>
           <p:cNvSpPr>
             <a:spLocks noGrp="1"/>
           </p:cNvSpPr>
@@ -1753,7 +1753,7 @@
       </p:sp>
       <p:sp>
         <p:nvSpPr>
-          <p:cNvPr id="5" name="슬라이드 번호 개체 틀 4"/>
+          <p:cNvPr id="5" name="Slide Number Placeholder 4"/>
           <p:cNvSpPr>
             <a:spLocks noGrp="1"/>
           </p:cNvSpPr>
@@ -1777,7 +1777,7 @@
     </p:spTree>
     <p:extLst>
       <p:ext uri="{BB962C8B-B14F-4D97-AF65-F5344CB8AC3E}">
-        <p14:creationId xmlns:p14="http://schemas.microsoft.com/office/powerpoint/2010/main" val="1104681029"/>
+        <p14:creationId xmlns:p14="http://schemas.microsoft.com/office/powerpoint/2010/main" val="356923406"/>
       </p:ext>
     </p:extLst>
   </p:cSld>
@@ -1806,7 +1806,7 @@
       </p:grpSpPr>
       <p:sp>
         <p:nvSpPr>
-          <p:cNvPr id="2" name="날짜 개체 틀 1"/>
+          <p:cNvPr id="2" name="Date Placeholder 1"/>
           <p:cNvSpPr>
             <a:spLocks noGrp="1"/>
           </p:cNvSpPr>
@@ -1821,7 +1821,7 @@
           <a:p>
             <a:fld id="{E70BBDB4-4F6F-4DEC-A77E-44031484CD92}" type="datetimeFigureOut">
               <a:rPr lang="ko-KR" altLang="en-US" smtClean="0"/>
-              <a:t>2017-09-01</a:t>
+              <a:t>2017-09-04</a:t>
             </a:fld>
             <a:endParaRPr lang="ko-KR" altLang="en-US"/>
           </a:p>
@@ -1829,7 +1829,7 @@
       </p:sp>
       <p:sp>
         <p:nvSpPr>
-          <p:cNvPr id="3" name="바닥글 개체 틀 2"/>
+          <p:cNvPr id="3" name="Footer Placeholder 2"/>
           <p:cNvSpPr>
             <a:spLocks noGrp="1"/>
           </p:cNvSpPr>
@@ -1848,7 +1848,7 @@
       </p:sp>
       <p:sp>
         <p:nvSpPr>
-          <p:cNvPr id="4" name="슬라이드 번호 개체 틀 3"/>
+          <p:cNvPr id="4" name="Slide Number Placeholder 3"/>
           <p:cNvSpPr>
             <a:spLocks noGrp="1"/>
           </p:cNvSpPr>
@@ -1872,7 +1872,7 @@
     </p:spTree>
     <p:extLst>
       <p:ext uri="{BB962C8B-B14F-4D97-AF65-F5344CB8AC3E}">
-        <p14:creationId xmlns:p14="http://schemas.microsoft.com/office/powerpoint/2010/main" val="1303506748"/>
+        <p14:creationId xmlns:p14="http://schemas.microsoft.com/office/powerpoint/2010/main" val="3544123960"/>
       </p:ext>
     </p:extLst>
   </p:cSld>
@@ -1901,7 +1901,7 @@
       </p:grpSpPr>
       <p:sp>
         <p:nvSpPr>
-          <p:cNvPr id="2" name="제목 1"/>
+          <p:cNvPr id="2" name="Title 1"/>
           <p:cNvSpPr>
             <a:spLocks noGrp="1"/>
           </p:cNvSpPr>
@@ -1911,15 +1911,15 @@
         </p:nvSpPr>
         <p:spPr>
           <a:xfrm>
-            <a:off x="839788" y="457200"/>
-            <a:ext cx="3932237" cy="1600200"/>
+            <a:off x="768713" y="383963"/>
+            <a:ext cx="3599430" cy="1343872"/>
           </a:xfrm>
         </p:spPr>
         <p:txBody>
           <a:bodyPr anchor="b"/>
           <a:lstStyle>
             <a:lvl1pPr>
-              <a:defRPr sz="3200"/>
+              <a:defRPr sz="2687"/>
             </a:lvl1pPr>
           </a:lstStyle>
           <a:p>
@@ -1927,13 +1927,13 @@
               <a:rPr lang="ko-KR" altLang="en-US" smtClean="0"/>
               <a:t>마스터 제목 스타일 편집</a:t>
             </a:r>
-            <a:endParaRPr lang="ko-KR" altLang="en-US"/>
-          </a:p>
-        </p:txBody>
-      </p:sp>
-      <p:sp>
-        <p:nvSpPr>
-          <p:cNvPr id="3" name="내용 개체 틀 2"/>
+            <a:endParaRPr lang="en-US" dirty="0"/>
+          </a:p>
+        </p:txBody>
+      </p:sp>
+      <p:sp>
+        <p:nvSpPr>
+          <p:cNvPr id="3" name="Content Placeholder 2"/>
           <p:cNvSpPr>
             <a:spLocks noGrp="1"/>
           </p:cNvSpPr>
@@ -1943,39 +1943,39 @@
         </p:nvSpPr>
         <p:spPr>
           <a:xfrm>
-            <a:off x="5183188" y="987425"/>
-            <a:ext cx="6172200" cy="4873625"/>
+            <a:off x="4744507" y="829255"/>
+            <a:ext cx="5649813" cy="4092942"/>
           </a:xfrm>
         </p:spPr>
         <p:txBody>
           <a:bodyPr/>
           <a:lstStyle>
             <a:lvl1pPr>
-              <a:defRPr sz="3200"/>
+              <a:defRPr sz="2687"/>
             </a:lvl1pPr>
             <a:lvl2pPr>
-              <a:defRPr sz="2800"/>
+              <a:defRPr sz="2351"/>
             </a:lvl2pPr>
             <a:lvl3pPr>
-              <a:defRPr sz="2400"/>
+              <a:defRPr sz="2016"/>
             </a:lvl3pPr>
             <a:lvl4pPr>
-              <a:defRPr sz="2000"/>
+              <a:defRPr sz="1680"/>
             </a:lvl4pPr>
             <a:lvl5pPr>
-              <a:defRPr sz="2000"/>
+              <a:defRPr sz="1680"/>
             </a:lvl5pPr>
             <a:lvl6pPr>
-              <a:defRPr sz="2000"/>
+              <a:defRPr sz="1680"/>
             </a:lvl6pPr>
             <a:lvl7pPr>
-              <a:defRPr sz="2000"/>
+              <a:defRPr sz="1680"/>
             </a:lvl7pPr>
             <a:lvl8pPr>
-              <a:defRPr sz="2000"/>
+              <a:defRPr sz="1680"/>
             </a:lvl8pPr>
             <a:lvl9pPr>
-              <a:defRPr sz="2000"/>
+              <a:defRPr sz="1680"/>
             </a:lvl9pPr>
           </a:lstStyle>
           <a:p>
@@ -2012,13 +2012,13 @@
               <a:rPr lang="ko-KR" altLang="en-US" smtClean="0"/>
               <a:t>다섯째 수준</a:t>
             </a:r>
-            <a:endParaRPr lang="ko-KR" altLang="en-US"/>
-          </a:p>
-        </p:txBody>
-      </p:sp>
-      <p:sp>
-        <p:nvSpPr>
-          <p:cNvPr id="4" name="텍스트 개체 틀 3"/>
+            <a:endParaRPr lang="en-US" dirty="0"/>
+          </a:p>
+        </p:txBody>
+      </p:sp>
+      <p:sp>
+        <p:nvSpPr>
+          <p:cNvPr id="4" name="Text Placeholder 3"/>
           <p:cNvSpPr>
             <a:spLocks noGrp="1"/>
           </p:cNvSpPr>
@@ -2028,8 +2028,8 @@
         </p:nvSpPr>
         <p:spPr>
           <a:xfrm>
-            <a:off x="839788" y="2057400"/>
-            <a:ext cx="3932237" cy="3811588"/>
+            <a:off x="768713" y="1727835"/>
+            <a:ext cx="3599430" cy="3201028"/>
           </a:xfrm>
         </p:spPr>
         <p:txBody>
@@ -2037,39 +2037,39 @@
           <a:lstStyle>
             <a:lvl1pPr marL="0" indent="0">
               <a:buNone/>
-              <a:defRPr sz="1600"/>
+              <a:defRPr sz="1344"/>
             </a:lvl1pPr>
-            <a:lvl2pPr marL="457200" indent="0">
-              <a:buNone/>
-              <a:defRPr sz="1400"/>
+            <a:lvl2pPr marL="383957" indent="0">
+              <a:buNone/>
+              <a:defRPr sz="1176"/>
             </a:lvl2pPr>
-            <a:lvl3pPr marL="914400" indent="0">
-              <a:buNone/>
-              <a:defRPr sz="1200"/>
+            <a:lvl3pPr marL="767913" indent="0">
+              <a:buNone/>
+              <a:defRPr sz="1008"/>
             </a:lvl3pPr>
-            <a:lvl4pPr marL="1371600" indent="0">
-              <a:buNone/>
-              <a:defRPr sz="1000"/>
+            <a:lvl4pPr marL="1151870" indent="0">
+              <a:buNone/>
+              <a:defRPr sz="840"/>
             </a:lvl4pPr>
-            <a:lvl5pPr marL="1828800" indent="0">
-              <a:buNone/>
-              <a:defRPr sz="1000"/>
+            <a:lvl5pPr marL="1535826" indent="0">
+              <a:buNone/>
+              <a:defRPr sz="840"/>
             </a:lvl5pPr>
-            <a:lvl6pPr marL="2286000" indent="0">
-              <a:buNone/>
-              <a:defRPr sz="1000"/>
+            <a:lvl6pPr marL="1919783" indent="0">
+              <a:buNone/>
+              <a:defRPr sz="840"/>
             </a:lvl6pPr>
-            <a:lvl7pPr marL="2743200" indent="0">
-              <a:buNone/>
-              <a:defRPr sz="1000"/>
+            <a:lvl7pPr marL="2303739" indent="0">
+              <a:buNone/>
+              <a:defRPr sz="840"/>
             </a:lvl7pPr>
-            <a:lvl8pPr marL="3200400" indent="0">
-              <a:buNone/>
-              <a:defRPr sz="1000"/>
+            <a:lvl8pPr marL="2687696" indent="0">
+              <a:buNone/>
+              <a:defRPr sz="840"/>
             </a:lvl8pPr>
-            <a:lvl9pPr marL="3657600" indent="0">
-              <a:buNone/>
-              <a:defRPr sz="1000"/>
+            <a:lvl9pPr marL="3071652" indent="0">
+              <a:buNone/>
+              <a:defRPr sz="840"/>
             </a:lvl9pPr>
           </a:lstStyle>
           <a:p>
@@ -2083,7 +2083,7 @@
       </p:sp>
       <p:sp>
         <p:nvSpPr>
-          <p:cNvPr id="5" name="날짜 개체 틀 4"/>
+          <p:cNvPr id="5" name="Date Placeholder 4"/>
           <p:cNvSpPr>
             <a:spLocks noGrp="1"/>
           </p:cNvSpPr>
@@ -2098,7 +2098,7 @@
           <a:p>
             <a:fld id="{E70BBDB4-4F6F-4DEC-A77E-44031484CD92}" type="datetimeFigureOut">
               <a:rPr lang="ko-KR" altLang="en-US" smtClean="0"/>
-              <a:t>2017-09-01</a:t>
+              <a:t>2017-09-04</a:t>
             </a:fld>
             <a:endParaRPr lang="ko-KR" altLang="en-US"/>
           </a:p>
@@ -2106,7 +2106,7 @@
       </p:sp>
       <p:sp>
         <p:nvSpPr>
-          <p:cNvPr id="6" name="바닥글 개체 틀 5"/>
+          <p:cNvPr id="6" name="Footer Placeholder 5"/>
           <p:cNvSpPr>
             <a:spLocks noGrp="1"/>
           </p:cNvSpPr>
@@ -2125,7 +2125,7 @@
       </p:sp>
       <p:sp>
         <p:nvSpPr>
-          <p:cNvPr id="7" name="슬라이드 번호 개체 틀 6"/>
+          <p:cNvPr id="7" name="Slide Number Placeholder 6"/>
           <p:cNvSpPr>
             <a:spLocks noGrp="1"/>
           </p:cNvSpPr>
@@ -2149,7 +2149,7 @@
     </p:spTree>
     <p:extLst>
       <p:ext uri="{BB962C8B-B14F-4D97-AF65-F5344CB8AC3E}">
-        <p14:creationId xmlns:p14="http://schemas.microsoft.com/office/powerpoint/2010/main" val="3490892433"/>
+        <p14:creationId xmlns:p14="http://schemas.microsoft.com/office/powerpoint/2010/main" val="3046832903"/>
       </p:ext>
     </p:extLst>
   </p:cSld>
@@ -2178,7 +2178,7 @@
       </p:grpSpPr>
       <p:sp>
         <p:nvSpPr>
-          <p:cNvPr id="2" name="제목 1"/>
+          <p:cNvPr id="2" name="Title 1"/>
           <p:cNvSpPr>
             <a:spLocks noGrp="1"/>
           </p:cNvSpPr>
@@ -2188,15 +2188,15 @@
         </p:nvSpPr>
         <p:spPr>
           <a:xfrm>
-            <a:off x="839788" y="457200"/>
-            <a:ext cx="3932237" cy="1600200"/>
+            <a:off x="768713" y="383963"/>
+            <a:ext cx="3599430" cy="1343872"/>
           </a:xfrm>
         </p:spPr>
         <p:txBody>
           <a:bodyPr anchor="b"/>
           <a:lstStyle>
             <a:lvl1pPr>
-              <a:defRPr sz="3200"/>
+              <a:defRPr sz="2687"/>
             </a:lvl1pPr>
           </a:lstStyle>
           <a:p>
@@ -2204,15 +2204,15 @@
               <a:rPr lang="ko-KR" altLang="en-US" smtClean="0"/>
               <a:t>마스터 제목 스타일 편집</a:t>
             </a:r>
-            <a:endParaRPr lang="ko-KR" altLang="en-US"/>
-          </a:p>
-        </p:txBody>
-      </p:sp>
-      <p:sp>
-        <p:nvSpPr>
-          <p:cNvPr id="3" name="그림 개체 틀 2"/>
-          <p:cNvSpPr>
-            <a:spLocks noGrp="1"/>
+            <a:endParaRPr lang="en-US" dirty="0"/>
+          </a:p>
+        </p:txBody>
+      </p:sp>
+      <p:sp>
+        <p:nvSpPr>
+          <p:cNvPr id="3" name="Picture Placeholder 2"/>
+          <p:cNvSpPr>
+            <a:spLocks noGrp="1" noChangeAspect="1"/>
           </p:cNvSpPr>
           <p:nvPr>
             <p:ph type="pic" idx="1"/>
@@ -2220,8 +2220,73 @@
         </p:nvSpPr>
         <p:spPr>
           <a:xfrm>
-            <a:off x="5183188" y="987425"/>
-            <a:ext cx="6172200" cy="4873625"/>
+            <a:off x="4744507" y="829255"/>
+            <a:ext cx="5649813" cy="4092942"/>
+          </a:xfrm>
+        </p:spPr>
+        <p:txBody>
+          <a:bodyPr anchor="t"/>
+          <a:lstStyle>
+            <a:lvl1pPr marL="0" indent="0">
+              <a:buNone/>
+              <a:defRPr sz="2687"/>
+            </a:lvl1pPr>
+            <a:lvl2pPr marL="383957" indent="0">
+              <a:buNone/>
+              <a:defRPr sz="2351"/>
+            </a:lvl2pPr>
+            <a:lvl3pPr marL="767913" indent="0">
+              <a:buNone/>
+              <a:defRPr sz="2016"/>
+            </a:lvl3pPr>
+            <a:lvl4pPr marL="1151870" indent="0">
+              <a:buNone/>
+              <a:defRPr sz="1680"/>
+            </a:lvl4pPr>
+            <a:lvl5pPr marL="1535826" indent="0">
+              <a:buNone/>
+              <a:defRPr sz="1680"/>
+            </a:lvl5pPr>
+            <a:lvl6pPr marL="1919783" indent="0">
+              <a:buNone/>
+              <a:defRPr sz="1680"/>
+            </a:lvl6pPr>
+            <a:lvl7pPr marL="2303739" indent="0">
+              <a:buNone/>
+              <a:defRPr sz="1680"/>
+            </a:lvl7pPr>
+            <a:lvl8pPr marL="2687696" indent="0">
+              <a:buNone/>
+              <a:defRPr sz="1680"/>
+            </a:lvl8pPr>
+            <a:lvl9pPr marL="3071652" indent="0">
+              <a:buNone/>
+              <a:defRPr sz="1680"/>
+            </a:lvl9pPr>
+          </a:lstStyle>
+          <a:p>
+            <a:r>
+              <a:rPr lang="ko-KR" altLang="en-US" smtClean="0"/>
+              <a:t>그림을 추가하려면 아이콘을 클릭하십시오</a:t>
+            </a:r>
+            <a:endParaRPr lang="en-US" dirty="0"/>
+          </a:p>
+        </p:txBody>
+      </p:sp>
+      <p:sp>
+        <p:nvSpPr>
+          <p:cNvPr id="4" name="Text Placeholder 3"/>
+          <p:cNvSpPr>
+            <a:spLocks noGrp="1"/>
+          </p:cNvSpPr>
+          <p:nvPr>
+            <p:ph type="body" sz="half" idx="2"/>
+          </p:nvPr>
+        </p:nvSpPr>
+        <p:spPr>
+          <a:xfrm>
+            <a:off x="768713" y="1727835"/>
+            <a:ext cx="3599430" cy="3201028"/>
           </a:xfrm>
         </p:spPr>
         <p:txBody>
@@ -2229,129 +2294,68 @@
           <a:lstStyle>
             <a:lvl1pPr marL="0" indent="0">
               <a:buNone/>
-              <a:defRPr sz="3200"/>
+              <a:defRPr sz="1344"/>
             </a:lvl1pPr>
-            <a:lvl2pPr marL="457200" indent="0">
-              <a:buNone/>
-              <a:defRPr sz="2800"/>
+            <a:lvl2pPr marL="383957" indent="0">
+              <a:buNone/>
+              <a:defRPr sz="1176"/>
             </a:lvl2pPr>
-            <a:lvl3pPr marL="914400" indent="0">
-              <a:buNone/>
-              <a:defRPr sz="2400"/>
+            <a:lvl3pPr marL="767913" indent="0">
+              <a:buNone/>
+              <a:defRPr sz="1008"/>
             </a:lvl3pPr>
-            <a:lvl4pPr marL="1371600" indent="0">
-              <a:buNone/>
-              <a:defRPr sz="2000"/>
+            <a:lvl4pPr marL="1151870" indent="0">
+              <a:buNone/>
+              <a:defRPr sz="840"/>
             </a:lvl4pPr>
-            <a:lvl5pPr marL="1828800" indent="0">
-              <a:buNone/>
-              <a:defRPr sz="2000"/>
+            <a:lvl5pPr marL="1535826" indent="0">
+              <a:buNone/>
+              <a:defRPr sz="840"/>
             </a:lvl5pPr>
-            <a:lvl6pPr marL="2286000" indent="0">
-              <a:buNone/>
-              <a:defRPr sz="2000"/>
+            <a:lvl6pPr marL="1919783" indent="0">
+              <a:buNone/>
+              <a:defRPr sz="840"/>
             </a:lvl6pPr>
-            <a:lvl7pPr marL="2743200" indent="0">
-              <a:buNone/>
-              <a:defRPr sz="2000"/>
+            <a:lvl7pPr marL="2303739" indent="0">
+              <a:buNone/>
+              <a:defRPr sz="840"/>
             </a:lvl7pPr>
-            <a:lvl8pPr marL="3200400" indent="0">
-              <a:buNone/>
-              <a:defRPr sz="2000"/>
+            <a:lvl8pPr marL="2687696" indent="0">
+              <a:buNone/>
+              <a:defRPr sz="840"/>
             </a:lvl8pPr>
-            <a:lvl9pPr marL="3657600" indent="0">
-              <a:buNone/>
-              <a:defRPr sz="2000"/>
+            <a:lvl9pPr marL="3071652" indent="0">
+              <a:buNone/>
+              <a:defRPr sz="840"/>
             </a:lvl9pPr>
           </a:lstStyle>
           <a:p>
-            <a:endParaRPr lang="ko-KR" altLang="en-US"/>
-          </a:p>
-        </p:txBody>
-      </p:sp>
-      <p:sp>
-        <p:nvSpPr>
-          <p:cNvPr id="4" name="텍스트 개체 틀 3"/>
-          <p:cNvSpPr>
-            <a:spLocks noGrp="1"/>
-          </p:cNvSpPr>
-          <p:nvPr>
-            <p:ph type="body" sz="half" idx="2"/>
-          </p:nvPr>
-        </p:nvSpPr>
-        <p:spPr>
-          <a:xfrm>
-            <a:off x="839788" y="2057400"/>
-            <a:ext cx="3932237" cy="3811588"/>
-          </a:xfrm>
-        </p:spPr>
+            <a:pPr lvl="0"/>
+            <a:r>
+              <a:rPr lang="ko-KR" altLang="en-US" smtClean="0"/>
+              <a:t>마스터 텍스트 스타일을 편집합니다</a:t>
+            </a:r>
+          </a:p>
+        </p:txBody>
+      </p:sp>
+      <p:sp>
+        <p:nvSpPr>
+          <p:cNvPr id="5" name="Date Placeholder 4"/>
+          <p:cNvSpPr>
+            <a:spLocks noGrp="1"/>
+          </p:cNvSpPr>
+          <p:nvPr>
+            <p:ph type="dt" sz="half" idx="10"/>
+          </p:nvPr>
+        </p:nvSpPr>
+        <p:spPr/>
         <p:txBody>
           <a:bodyPr/>
-          <a:lstStyle>
-            <a:lvl1pPr marL="0" indent="0">
-              <a:buNone/>
-              <a:defRPr sz="1600"/>
-            </a:lvl1pPr>
-            <a:lvl2pPr marL="457200" indent="0">
-              <a:buNone/>
-              <a:defRPr sz="1400"/>
-            </a:lvl2pPr>
-            <a:lvl3pPr marL="914400" indent="0">
-              <a:buNone/>
-              <a:defRPr sz="1200"/>
-            </a:lvl3pPr>
-            <a:lvl4pPr marL="1371600" indent="0">
-              <a:buNone/>
-              <a:defRPr sz="1000"/>
-            </a:lvl4pPr>
-            <a:lvl5pPr marL="1828800" indent="0">
-              <a:buNone/>
-              <a:defRPr sz="1000"/>
-            </a:lvl5pPr>
-            <a:lvl6pPr marL="2286000" indent="0">
-              <a:buNone/>
-              <a:defRPr sz="1000"/>
-            </a:lvl6pPr>
-            <a:lvl7pPr marL="2743200" indent="0">
-              <a:buNone/>
-              <a:defRPr sz="1000"/>
-            </a:lvl7pPr>
-            <a:lvl8pPr marL="3200400" indent="0">
-              <a:buNone/>
-              <a:defRPr sz="1000"/>
-            </a:lvl8pPr>
-            <a:lvl9pPr marL="3657600" indent="0">
-              <a:buNone/>
-              <a:defRPr sz="1000"/>
-            </a:lvl9pPr>
-          </a:lstStyle>
-          <a:p>
-            <a:pPr lvl="0"/>
-            <a:r>
-              <a:rPr lang="ko-KR" altLang="en-US" smtClean="0"/>
-              <a:t>마스터 텍스트 스타일을 편집합니다</a:t>
-            </a:r>
-          </a:p>
-        </p:txBody>
-      </p:sp>
-      <p:sp>
-        <p:nvSpPr>
-          <p:cNvPr id="5" name="날짜 개체 틀 4"/>
-          <p:cNvSpPr>
-            <a:spLocks noGrp="1"/>
-          </p:cNvSpPr>
-          <p:nvPr>
-            <p:ph type="dt" sz="half" idx="10"/>
-          </p:nvPr>
-        </p:nvSpPr>
-        <p:spPr/>
-        <p:txBody>
-          <a:bodyPr/>
           <a:lstStyle/>
           <a:p>
             <a:fld id="{E70BBDB4-4F6F-4DEC-A77E-44031484CD92}" type="datetimeFigureOut">
               <a:rPr lang="ko-KR" altLang="en-US" smtClean="0"/>
-              <a:t>2017-09-01</a:t>
+              <a:t>2017-09-04</a:t>
             </a:fld>
             <a:endParaRPr lang="ko-KR" altLang="en-US"/>
           </a:p>
@@ -2359,7 +2363,7 @@
       </p:sp>
       <p:sp>
         <p:nvSpPr>
-          <p:cNvPr id="6" name="바닥글 개체 틀 5"/>
+          <p:cNvPr id="6" name="Footer Placeholder 5"/>
           <p:cNvSpPr>
             <a:spLocks noGrp="1"/>
           </p:cNvSpPr>
@@ -2378,7 +2382,7 @@
       </p:sp>
       <p:sp>
         <p:nvSpPr>
-          <p:cNvPr id="7" name="슬라이드 번호 개체 틀 6"/>
+          <p:cNvPr id="7" name="Slide Number Placeholder 6"/>
           <p:cNvSpPr>
             <a:spLocks noGrp="1"/>
           </p:cNvSpPr>
@@ -2402,7 +2406,7 @@
     </p:spTree>
     <p:extLst>
       <p:ext uri="{BB962C8B-B14F-4D97-AF65-F5344CB8AC3E}">
-        <p14:creationId xmlns:p14="http://schemas.microsoft.com/office/powerpoint/2010/main" val="2772540671"/>
+        <p14:creationId xmlns:p14="http://schemas.microsoft.com/office/powerpoint/2010/main" val="755671838"/>
       </p:ext>
     </p:extLst>
   </p:cSld>
@@ -2436,7 +2440,7 @@
       </p:grpSpPr>
       <p:sp>
         <p:nvSpPr>
-          <p:cNvPr id="2" name="제목 개체 틀 1"/>
+          <p:cNvPr id="2" name="Title Placeholder 1"/>
           <p:cNvSpPr>
             <a:spLocks noGrp="1"/>
           </p:cNvSpPr>
@@ -2446,8 +2450,8 @@
         </p:nvSpPr>
         <p:spPr>
           <a:xfrm>
-            <a:off x="838200" y="365125"/>
-            <a:ext cx="10515600" cy="1325563"/>
+            <a:off x="767259" y="306638"/>
+            <a:ext cx="9625608" cy="1113227"/>
           </a:xfrm>
           <a:prstGeom prst="rect">
             <a:avLst/>
@@ -2463,13 +2467,13 @@
               <a:rPr lang="ko-KR" altLang="en-US" smtClean="0"/>
               <a:t>마스터 제목 스타일 편집</a:t>
             </a:r>
-            <a:endParaRPr lang="ko-KR" altLang="en-US"/>
-          </a:p>
-        </p:txBody>
-      </p:sp>
-      <p:sp>
-        <p:nvSpPr>
-          <p:cNvPr id="3" name="텍스트 개체 틀 2"/>
+            <a:endParaRPr lang="en-US" dirty="0"/>
+          </a:p>
+        </p:txBody>
+      </p:sp>
+      <p:sp>
+        <p:nvSpPr>
+          <p:cNvPr id="3" name="Text Placeholder 2"/>
           <p:cNvSpPr>
             <a:spLocks noGrp="1"/>
           </p:cNvSpPr>
@@ -2479,8 +2483,8 @@
         </p:nvSpPr>
         <p:spPr>
           <a:xfrm>
-            <a:off x="838200" y="1825625"/>
-            <a:ext cx="10515600" cy="4351338"/>
+            <a:off x="767259" y="1533187"/>
+            <a:ext cx="9625608" cy="3654318"/>
           </a:xfrm>
           <a:prstGeom prst="rect">
             <a:avLst/>
@@ -2525,13 +2529,13 @@
               <a:rPr lang="ko-KR" altLang="en-US" smtClean="0"/>
               <a:t>다섯째 수준</a:t>
             </a:r>
-            <a:endParaRPr lang="ko-KR" altLang="en-US"/>
-          </a:p>
-        </p:txBody>
-      </p:sp>
-      <p:sp>
-        <p:nvSpPr>
-          <p:cNvPr id="4" name="날짜 개체 틀 3"/>
+            <a:endParaRPr lang="en-US" dirty="0"/>
+          </a:p>
+        </p:txBody>
+      </p:sp>
+      <p:sp>
+        <p:nvSpPr>
+          <p:cNvPr id="4" name="Date Placeholder 3"/>
           <p:cNvSpPr>
             <a:spLocks noGrp="1"/>
           </p:cNvSpPr>
@@ -2541,8 +2545,8 @@
         </p:nvSpPr>
         <p:spPr>
           <a:xfrm>
-            <a:off x="838200" y="6356350"/>
-            <a:ext cx="2743200" cy="365125"/>
+            <a:off x="767259" y="5338158"/>
+            <a:ext cx="2511028" cy="306637"/>
           </a:xfrm>
           <a:prstGeom prst="rect">
             <a:avLst/>
@@ -2552,7 +2556,7 @@
           <a:bodyPr vert="horz" lIns="91440" tIns="45720" rIns="91440" bIns="45720" rtlCol="0" anchor="ctr"/>
           <a:lstStyle>
             <a:lvl1pPr algn="l">
-              <a:defRPr sz="1200">
+              <a:defRPr sz="1008">
                 <a:solidFill>
                   <a:schemeClr val="tx1">
                     <a:tint val="75000"/>
@@ -2564,7 +2568,7 @@
           <a:p>
             <a:fld id="{E70BBDB4-4F6F-4DEC-A77E-44031484CD92}" type="datetimeFigureOut">
               <a:rPr lang="ko-KR" altLang="en-US" smtClean="0"/>
-              <a:t>2017-09-01</a:t>
+              <a:t>2017-09-04</a:t>
             </a:fld>
             <a:endParaRPr lang="ko-KR" altLang="en-US"/>
           </a:p>
@@ -2572,7 +2576,7 @@
       </p:sp>
       <p:sp>
         <p:nvSpPr>
-          <p:cNvPr id="5" name="바닥글 개체 틀 4"/>
+          <p:cNvPr id="5" name="Footer Placeholder 4"/>
           <p:cNvSpPr>
             <a:spLocks noGrp="1"/>
           </p:cNvSpPr>
@@ -2582,8 +2586,8 @@
         </p:nvSpPr>
         <p:spPr>
           <a:xfrm>
-            <a:off x="4038600" y="6356350"/>
-            <a:ext cx="4114800" cy="365125"/>
+            <a:off x="3696792" y="5338158"/>
+            <a:ext cx="3766542" cy="306637"/>
           </a:xfrm>
           <a:prstGeom prst="rect">
             <a:avLst/>
@@ -2593,7 +2597,7 @@
           <a:bodyPr vert="horz" lIns="91440" tIns="45720" rIns="91440" bIns="45720" rtlCol="0" anchor="ctr"/>
           <a:lstStyle>
             <a:lvl1pPr algn="ctr">
-              <a:defRPr sz="1200">
+              <a:defRPr sz="1008">
                 <a:solidFill>
                   <a:schemeClr val="tx1">
                     <a:tint val="75000"/>
@@ -2609,7 +2613,7 @@
       </p:sp>
       <p:sp>
         <p:nvSpPr>
-          <p:cNvPr id="6" name="슬라이드 번호 개체 틀 5"/>
+          <p:cNvPr id="6" name="Slide Number Placeholder 5"/>
           <p:cNvSpPr>
             <a:spLocks noGrp="1"/>
           </p:cNvSpPr>
@@ -2619,8 +2623,8 @@
         </p:nvSpPr>
         <p:spPr>
           <a:xfrm>
-            <a:off x="8610600" y="6356350"/>
-            <a:ext cx="2743200" cy="365125"/>
+            <a:off x="7881838" y="5338158"/>
+            <a:ext cx="2511028" cy="306637"/>
           </a:xfrm>
           <a:prstGeom prst="rect">
             <a:avLst/>
@@ -2630,7 +2634,7 @@
           <a:bodyPr vert="horz" lIns="91440" tIns="45720" rIns="91440" bIns="45720" rtlCol="0" anchor="ctr"/>
           <a:lstStyle>
             <a:lvl1pPr algn="r">
-              <a:defRPr sz="1200">
+              <a:defRPr sz="1008">
                 <a:solidFill>
                   <a:schemeClr val="tx1">
                     <a:tint val="75000"/>
@@ -2651,27 +2655,27 @@
     </p:spTree>
     <p:extLst>
       <p:ext uri="{BB962C8B-B14F-4D97-AF65-F5344CB8AC3E}">
-        <p14:creationId xmlns:p14="http://schemas.microsoft.com/office/powerpoint/2010/main" val="2080931042"/>
+        <p14:creationId xmlns:p14="http://schemas.microsoft.com/office/powerpoint/2010/main" val="137641552"/>
       </p:ext>
     </p:extLst>
   </p:cSld>
   <p:clrMap bg1="lt1" tx1="dk1" bg2="lt2" tx2="dk2" accent1="accent1" accent2="accent2" accent3="accent3" accent4="accent4" accent5="accent5" accent6="accent6" hlink="hlink" folHlink="folHlink"/>
   <p:sldLayoutIdLst>
-    <p:sldLayoutId id="2147483649" r:id="rId1"/>
-    <p:sldLayoutId id="2147483650" r:id="rId2"/>
-    <p:sldLayoutId id="2147483651" r:id="rId3"/>
-    <p:sldLayoutId id="2147483652" r:id="rId4"/>
-    <p:sldLayoutId id="2147483653" r:id="rId5"/>
-    <p:sldLayoutId id="2147483654" r:id="rId6"/>
-    <p:sldLayoutId id="2147483655" r:id="rId7"/>
-    <p:sldLayoutId id="2147483656" r:id="rId8"/>
-    <p:sldLayoutId id="2147483657" r:id="rId9"/>
-    <p:sldLayoutId id="2147483658" r:id="rId10"/>
-    <p:sldLayoutId id="2147483659" r:id="rId11"/>
+    <p:sldLayoutId id="2147483673" r:id="rId1"/>
+    <p:sldLayoutId id="2147483674" r:id="rId2"/>
+    <p:sldLayoutId id="2147483675" r:id="rId3"/>
+    <p:sldLayoutId id="2147483676" r:id="rId4"/>
+    <p:sldLayoutId id="2147483677" r:id="rId5"/>
+    <p:sldLayoutId id="2147483678" r:id="rId6"/>
+    <p:sldLayoutId id="2147483679" r:id="rId7"/>
+    <p:sldLayoutId id="2147483680" r:id="rId8"/>
+    <p:sldLayoutId id="2147483681" r:id="rId9"/>
+    <p:sldLayoutId id="2147483682" r:id="rId10"/>
+    <p:sldLayoutId id="2147483683" r:id="rId11"/>
   </p:sldLayoutIdLst>
   <p:txStyles>
     <p:titleStyle>
-      <a:lvl1pPr algn="l" defTabSz="914400" rtl="0" eaLnBrk="1" latinLnBrk="1" hangingPunct="1">
+      <a:lvl1pPr algn="l" defTabSz="767913" rtl="0" eaLnBrk="1" latinLnBrk="1" hangingPunct="1">
         <a:lnSpc>
           <a:spcPct val="90000"/>
         </a:lnSpc>
@@ -2679,7 +2683,7 @@
           <a:spcPct val="0"/>
         </a:spcBef>
         <a:buNone/>
-        <a:defRPr sz="4400" kern="1200">
+        <a:defRPr sz="3695" kern="1200">
           <a:solidFill>
             <a:schemeClr val="tx1"/>
           </a:solidFill>
@@ -2690,16 +2694,16 @@
       </a:lvl1pPr>
     </p:titleStyle>
     <p:bodyStyle>
-      <a:lvl1pPr marL="228600" indent="-228600" algn="l" defTabSz="914400" rtl="0" eaLnBrk="1" latinLnBrk="1" hangingPunct="1">
+      <a:lvl1pPr marL="191978" indent="-191978" algn="l" defTabSz="767913" rtl="0" eaLnBrk="1" latinLnBrk="1" hangingPunct="1">
         <a:lnSpc>
           <a:spcPct val="90000"/>
         </a:lnSpc>
         <a:spcBef>
-          <a:spcPts val="1000"/>
+          <a:spcPts val="840"/>
         </a:spcBef>
         <a:buFont typeface="Arial" panose="020B0604020202020204" pitchFamily="34" charset="0"/>
         <a:buChar char="•"/>
-        <a:defRPr sz="2800" kern="1200">
+        <a:defRPr sz="2351" kern="1200">
           <a:solidFill>
             <a:schemeClr val="tx1"/>
           </a:solidFill>
@@ -2708,16 +2712,16 @@
           <a:cs typeface="+mn-cs"/>
         </a:defRPr>
       </a:lvl1pPr>
-      <a:lvl2pPr marL="685800" indent="-228600" algn="l" defTabSz="914400" rtl="0" eaLnBrk="1" latinLnBrk="1" hangingPunct="1">
+      <a:lvl2pPr marL="575935" indent="-191978" algn="l" defTabSz="767913" rtl="0" eaLnBrk="1" latinLnBrk="1" hangingPunct="1">
         <a:lnSpc>
           <a:spcPct val="90000"/>
         </a:lnSpc>
         <a:spcBef>
-          <a:spcPts val="500"/>
+          <a:spcPts val="420"/>
         </a:spcBef>
         <a:buFont typeface="Arial" panose="020B0604020202020204" pitchFamily="34" charset="0"/>
         <a:buChar char="•"/>
-        <a:defRPr sz="2400" kern="1200">
+        <a:defRPr sz="2016" kern="1200">
           <a:solidFill>
             <a:schemeClr val="tx1"/>
           </a:solidFill>
@@ -2726,16 +2730,16 @@
           <a:cs typeface="+mn-cs"/>
         </a:defRPr>
       </a:lvl2pPr>
-      <a:lvl3pPr marL="1143000" indent="-228600" algn="l" defTabSz="914400" rtl="0" eaLnBrk="1" latinLnBrk="1" hangingPunct="1">
+      <a:lvl3pPr marL="959891" indent="-191978" algn="l" defTabSz="767913" rtl="0" eaLnBrk="1" latinLnBrk="1" hangingPunct="1">
         <a:lnSpc>
           <a:spcPct val="90000"/>
         </a:lnSpc>
         <a:spcBef>
-          <a:spcPts val="500"/>
+          <a:spcPts val="420"/>
         </a:spcBef>
         <a:buFont typeface="Arial" panose="020B0604020202020204" pitchFamily="34" charset="0"/>
         <a:buChar char="•"/>
-        <a:defRPr sz="2000" kern="1200">
+        <a:defRPr sz="1680" kern="1200">
           <a:solidFill>
             <a:schemeClr val="tx1"/>
           </a:solidFill>
@@ -2744,16 +2748,16 @@
           <a:cs typeface="+mn-cs"/>
         </a:defRPr>
       </a:lvl3pPr>
-      <a:lvl4pPr marL="1600200" indent="-228600" algn="l" defTabSz="914400" rtl="0" eaLnBrk="1" latinLnBrk="1" hangingPunct="1">
+      <a:lvl4pPr marL="1343848" indent="-191978" algn="l" defTabSz="767913" rtl="0" eaLnBrk="1" latinLnBrk="1" hangingPunct="1">
         <a:lnSpc>
           <a:spcPct val="90000"/>
         </a:lnSpc>
         <a:spcBef>
-          <a:spcPts val="500"/>
+          <a:spcPts val="420"/>
         </a:spcBef>
         <a:buFont typeface="Arial" panose="020B0604020202020204" pitchFamily="34" charset="0"/>
         <a:buChar char="•"/>
-        <a:defRPr sz="1800" kern="1200">
+        <a:defRPr sz="1512" kern="1200">
           <a:solidFill>
             <a:schemeClr val="tx1"/>
           </a:solidFill>
@@ -2762,16 +2766,16 @@
           <a:cs typeface="+mn-cs"/>
         </a:defRPr>
       </a:lvl4pPr>
-      <a:lvl5pPr marL="2057400" indent="-228600" algn="l" defTabSz="914400" rtl="0" eaLnBrk="1" latinLnBrk="1" hangingPunct="1">
+      <a:lvl5pPr marL="1727805" indent="-191978" algn="l" defTabSz="767913" rtl="0" eaLnBrk="1" latinLnBrk="1" hangingPunct="1">
         <a:lnSpc>
           <a:spcPct val="90000"/>
         </a:lnSpc>
         <a:spcBef>
-          <a:spcPts val="500"/>
+          <a:spcPts val="420"/>
         </a:spcBef>
         <a:buFont typeface="Arial" panose="020B0604020202020204" pitchFamily="34" charset="0"/>
         <a:buChar char="•"/>
-        <a:defRPr sz="1800" kern="1200">
+        <a:defRPr sz="1512" kern="1200">
           <a:solidFill>
             <a:schemeClr val="tx1"/>
           </a:solidFill>
@@ -2780,16 +2784,16 @@
           <a:cs typeface="+mn-cs"/>
         </a:defRPr>
       </a:lvl5pPr>
-      <a:lvl6pPr marL="2514600" indent="-228600" algn="l" defTabSz="914400" rtl="0" eaLnBrk="1" latinLnBrk="1" hangingPunct="1">
+      <a:lvl6pPr marL="2111761" indent="-191978" algn="l" defTabSz="767913" rtl="0" eaLnBrk="1" latinLnBrk="1" hangingPunct="1">
         <a:lnSpc>
           <a:spcPct val="90000"/>
         </a:lnSpc>
         <a:spcBef>
-          <a:spcPts val="500"/>
+          <a:spcPts val="420"/>
         </a:spcBef>
         <a:buFont typeface="Arial" panose="020B0604020202020204" pitchFamily="34" charset="0"/>
         <a:buChar char="•"/>
-        <a:defRPr sz="1800" kern="1200">
+        <a:defRPr sz="1512" kern="1200">
           <a:solidFill>
             <a:schemeClr val="tx1"/>
           </a:solidFill>
@@ -2798,16 +2802,16 @@
           <a:cs typeface="+mn-cs"/>
         </a:defRPr>
       </a:lvl6pPr>
-      <a:lvl7pPr marL="2971800" indent="-228600" algn="l" defTabSz="914400" rtl="0" eaLnBrk="1" latinLnBrk="1" hangingPunct="1">
+      <a:lvl7pPr marL="2495718" indent="-191978" algn="l" defTabSz="767913" rtl="0" eaLnBrk="1" latinLnBrk="1" hangingPunct="1">
         <a:lnSpc>
           <a:spcPct val="90000"/>
         </a:lnSpc>
         <a:spcBef>
-          <a:spcPts val="500"/>
+          <a:spcPts val="420"/>
         </a:spcBef>
         <a:buFont typeface="Arial" panose="020B0604020202020204" pitchFamily="34" charset="0"/>
         <a:buChar char="•"/>
-        <a:defRPr sz="1800" kern="1200">
+        <a:defRPr sz="1512" kern="1200">
           <a:solidFill>
             <a:schemeClr val="tx1"/>
           </a:solidFill>
@@ -2816,16 +2820,16 @@
           <a:cs typeface="+mn-cs"/>
         </a:defRPr>
       </a:lvl7pPr>
-      <a:lvl8pPr marL="3429000" indent="-228600" algn="l" defTabSz="914400" rtl="0" eaLnBrk="1" latinLnBrk="1" hangingPunct="1">
+      <a:lvl8pPr marL="2879674" indent="-191978" algn="l" defTabSz="767913" rtl="0" eaLnBrk="1" latinLnBrk="1" hangingPunct="1">
         <a:lnSpc>
           <a:spcPct val="90000"/>
         </a:lnSpc>
         <a:spcBef>
-          <a:spcPts val="500"/>
+          <a:spcPts val="420"/>
         </a:spcBef>
         <a:buFont typeface="Arial" panose="020B0604020202020204" pitchFamily="34" charset="0"/>
         <a:buChar char="•"/>
-        <a:defRPr sz="1800" kern="1200">
+        <a:defRPr sz="1512" kern="1200">
           <a:solidFill>
             <a:schemeClr val="tx1"/>
           </a:solidFill>
@@ -2834,16 +2838,16 @@
           <a:cs typeface="+mn-cs"/>
         </a:defRPr>
       </a:lvl8pPr>
-      <a:lvl9pPr marL="3886200" indent="-228600" algn="l" defTabSz="914400" rtl="0" eaLnBrk="1" latinLnBrk="1" hangingPunct="1">
+      <a:lvl9pPr marL="3263631" indent="-191978" algn="l" defTabSz="767913" rtl="0" eaLnBrk="1" latinLnBrk="1" hangingPunct="1">
         <a:lnSpc>
           <a:spcPct val="90000"/>
         </a:lnSpc>
         <a:spcBef>
-          <a:spcPts val="500"/>
+          <a:spcPts val="420"/>
         </a:spcBef>
         <a:buFont typeface="Arial" panose="020B0604020202020204" pitchFamily="34" charset="0"/>
         <a:buChar char="•"/>
-        <a:defRPr sz="1800" kern="1200">
+        <a:defRPr sz="1512" kern="1200">
           <a:solidFill>
             <a:schemeClr val="tx1"/>
           </a:solidFill>
@@ -2855,10 +2859,10 @@
     </p:bodyStyle>
     <p:otherStyle>
       <a:defPPr>
-        <a:defRPr lang="ko-KR"/>
+        <a:defRPr lang="en-US"/>
       </a:defPPr>
-      <a:lvl1pPr marL="0" algn="l" defTabSz="914400" rtl="0" eaLnBrk="1" latinLnBrk="1" hangingPunct="1">
-        <a:defRPr sz="1800" kern="1200">
+      <a:lvl1pPr marL="0" algn="l" defTabSz="767913" rtl="0" eaLnBrk="1" latinLnBrk="1" hangingPunct="1">
+        <a:defRPr sz="1512" kern="1200">
           <a:solidFill>
             <a:schemeClr val="tx1"/>
           </a:solidFill>
@@ -2867,8 +2871,8 @@
           <a:cs typeface="+mn-cs"/>
         </a:defRPr>
       </a:lvl1pPr>
-      <a:lvl2pPr marL="457200" algn="l" defTabSz="914400" rtl="0" eaLnBrk="1" latinLnBrk="1" hangingPunct="1">
-        <a:defRPr sz="1800" kern="1200">
+      <a:lvl2pPr marL="383957" algn="l" defTabSz="767913" rtl="0" eaLnBrk="1" latinLnBrk="1" hangingPunct="1">
+        <a:defRPr sz="1512" kern="1200">
           <a:solidFill>
             <a:schemeClr val="tx1"/>
           </a:solidFill>
@@ -2877,8 +2881,8 @@
           <a:cs typeface="+mn-cs"/>
         </a:defRPr>
       </a:lvl2pPr>
-      <a:lvl3pPr marL="914400" algn="l" defTabSz="914400" rtl="0" eaLnBrk="1" latinLnBrk="1" hangingPunct="1">
-        <a:defRPr sz="1800" kern="1200">
+      <a:lvl3pPr marL="767913" algn="l" defTabSz="767913" rtl="0" eaLnBrk="1" latinLnBrk="1" hangingPunct="1">
+        <a:defRPr sz="1512" kern="1200">
           <a:solidFill>
             <a:schemeClr val="tx1"/>
           </a:solidFill>
@@ -2887,8 +2891,8 @@
           <a:cs typeface="+mn-cs"/>
         </a:defRPr>
       </a:lvl3pPr>
-      <a:lvl4pPr marL="1371600" algn="l" defTabSz="914400" rtl="0" eaLnBrk="1" latinLnBrk="1" hangingPunct="1">
-        <a:defRPr sz="1800" kern="1200">
+      <a:lvl4pPr marL="1151870" algn="l" defTabSz="767913" rtl="0" eaLnBrk="1" latinLnBrk="1" hangingPunct="1">
+        <a:defRPr sz="1512" kern="1200">
           <a:solidFill>
             <a:schemeClr val="tx1"/>
           </a:solidFill>
@@ -2897,8 +2901,8 @@
           <a:cs typeface="+mn-cs"/>
         </a:defRPr>
       </a:lvl4pPr>
-      <a:lvl5pPr marL="1828800" algn="l" defTabSz="914400" rtl="0" eaLnBrk="1" latinLnBrk="1" hangingPunct="1">
-        <a:defRPr sz="1800" kern="1200">
+      <a:lvl5pPr marL="1535826" algn="l" defTabSz="767913" rtl="0" eaLnBrk="1" latinLnBrk="1" hangingPunct="1">
+        <a:defRPr sz="1512" kern="1200">
           <a:solidFill>
             <a:schemeClr val="tx1"/>
           </a:solidFill>
@@ -2907,8 +2911,8 @@
           <a:cs typeface="+mn-cs"/>
         </a:defRPr>
       </a:lvl5pPr>
-      <a:lvl6pPr marL="2286000" algn="l" defTabSz="914400" rtl="0" eaLnBrk="1" latinLnBrk="1" hangingPunct="1">
-        <a:defRPr sz="1800" kern="1200">
+      <a:lvl6pPr marL="1919783" algn="l" defTabSz="767913" rtl="0" eaLnBrk="1" latinLnBrk="1" hangingPunct="1">
+        <a:defRPr sz="1512" kern="1200">
           <a:solidFill>
             <a:schemeClr val="tx1"/>
           </a:solidFill>
@@ -2917,8 +2921,8 @@
           <a:cs typeface="+mn-cs"/>
         </a:defRPr>
       </a:lvl6pPr>
-      <a:lvl7pPr marL="2743200" algn="l" defTabSz="914400" rtl="0" eaLnBrk="1" latinLnBrk="1" hangingPunct="1">
-        <a:defRPr sz="1800" kern="1200">
+      <a:lvl7pPr marL="2303739" algn="l" defTabSz="767913" rtl="0" eaLnBrk="1" latinLnBrk="1" hangingPunct="1">
+        <a:defRPr sz="1512" kern="1200">
           <a:solidFill>
             <a:schemeClr val="tx1"/>
           </a:solidFill>
@@ -2927,8 +2931,8 @@
           <a:cs typeface="+mn-cs"/>
         </a:defRPr>
       </a:lvl7pPr>
-      <a:lvl8pPr marL="3200400" algn="l" defTabSz="914400" rtl="0" eaLnBrk="1" latinLnBrk="1" hangingPunct="1">
-        <a:defRPr sz="1800" kern="1200">
+      <a:lvl8pPr marL="2687696" algn="l" defTabSz="767913" rtl="0" eaLnBrk="1" latinLnBrk="1" hangingPunct="1">
+        <a:defRPr sz="1512" kern="1200">
           <a:solidFill>
             <a:schemeClr val="tx1"/>
           </a:solidFill>
@@ -2937,8 +2941,8 @@
           <a:cs typeface="+mn-cs"/>
         </a:defRPr>
       </a:lvl8pPr>
-      <a:lvl9pPr marL="3657600" algn="l" defTabSz="914400" rtl="0" eaLnBrk="1" latinLnBrk="1" hangingPunct="1">
-        <a:defRPr sz="1800" kern="1200">
+      <a:lvl9pPr marL="3071652" algn="l" defTabSz="767913" rtl="0" eaLnBrk="1" latinLnBrk="1" hangingPunct="1">
+        <a:defRPr sz="1512" kern="1200">
           <a:solidFill>
             <a:schemeClr val="tx1"/>
           </a:solidFill>
@@ -2977,10 +2981,10 @@
         </p:nvGrpSpPr>
         <p:grpSpPr>
           <a:xfrm>
-            <a:off x="689721" y="1027661"/>
-            <a:ext cx="6680732" cy="4392405"/>
+            <a:off x="135684" y="478389"/>
+            <a:ext cx="6647070" cy="4392405"/>
             <a:chOff x="3159873" y="861406"/>
-            <a:chExt cx="6680732" cy="4392405"/>
+            <a:chExt cx="6647070" cy="4392405"/>
           </a:xfrm>
         </p:grpSpPr>
         <p:grpSp>
@@ -2996,9 +3000,9 @@
           <p:grpSpPr>
             <a:xfrm>
               <a:off x="3159873" y="1257972"/>
-              <a:ext cx="6680732" cy="3995839"/>
+              <a:ext cx="6647070" cy="3995839"/>
               <a:chOff x="3159873" y="1257972"/>
-              <a:chExt cx="6680732" cy="3995839"/>
+              <a:chExt cx="6647070" cy="3995839"/>
             </a:xfrm>
           </p:grpSpPr>
           <p:pic>
@@ -3049,7 +3053,7 @@
               </a:prstGeom>
               <a:ln w="57150">
                 <a:solidFill>
-                  <a:schemeClr val="tx1"/>
+                  <a:srgbClr val="00B0F0"/>
                 </a:solidFill>
                 <a:tailEnd type="triangle"/>
               </a:ln>
@@ -3085,7 +3089,7 @@
               </a:prstGeom>
               <a:ln w="38100">
                 <a:solidFill>
-                  <a:schemeClr val="tx1"/>
+                  <a:srgbClr val="00B0F0"/>
                 </a:solidFill>
                 <a:tailEnd type="triangle"/>
               </a:ln>
@@ -3121,7 +3125,7 @@
               </a:prstGeom>
               <a:ln w="38100">
                 <a:solidFill>
-                  <a:schemeClr val="tx1"/>
+                  <a:srgbClr val="00B0F0"/>
                 </a:solidFill>
                 <a:tailEnd type="triangle"/>
               </a:ln>
@@ -3157,7 +3161,7 @@
               </a:prstGeom>
               <a:ln w="38100">
                 <a:solidFill>
-                  <a:schemeClr val="tx1"/>
+                  <a:srgbClr val="00B0F0"/>
                 </a:solidFill>
                 <a:tailEnd type="triangle"/>
               </a:ln>
@@ -3193,7 +3197,7 @@
               </a:prstGeom>
               <a:ln w="38100">
                 <a:solidFill>
-                  <a:schemeClr val="tx1"/>
+                  <a:srgbClr val="00B0F0"/>
                 </a:solidFill>
                 <a:tailEnd type="triangle"/>
               </a:ln>
@@ -3222,7 +3226,7 @@
             <p:spPr>
               <a:xfrm>
                 <a:off x="9489227" y="1868736"/>
-                <a:ext cx="351378" cy="2862322"/>
+                <a:ext cx="317716" cy="2651367"/>
               </a:xfrm>
               <a:prstGeom prst="rect">
                 <a:avLst/>
@@ -3236,7 +3240,7 @@
               <a:lstStyle/>
               <a:p>
                 <a:r>
-                  <a:rPr lang="en-US" altLang="ko-KR" dirty="0" smtClean="0"/>
+                  <a:rPr lang="en-US" altLang="ko-KR" dirty="0"/>
                   <a:t>H</a:t>
                 </a:r>
               </a:p>
@@ -3244,11 +3248,11 @@
                 <a:endParaRPr lang="en-US" altLang="ko-KR" dirty="0"/>
               </a:p>
               <a:p>
-                <a:endParaRPr lang="en-US" altLang="ko-KR" dirty="0" smtClean="0"/>
+                <a:endParaRPr lang="en-US" altLang="ko-KR" dirty="0"/>
               </a:p>
               <a:p>
                 <a:r>
-                  <a:rPr lang="en-US" altLang="ko-KR" dirty="0" smtClean="0"/>
+                  <a:rPr lang="en-US" altLang="ko-KR" dirty="0"/>
                   <a:t>V</a:t>
                 </a:r>
               </a:p>
@@ -3256,11 +3260,11 @@
                 <a:endParaRPr lang="en-US" altLang="ko-KR" dirty="0"/>
               </a:p>
               <a:p>
-                <a:endParaRPr lang="en-US" altLang="ko-KR" dirty="0" smtClean="0"/>
+                <a:endParaRPr lang="en-US" altLang="ko-KR" dirty="0"/>
               </a:p>
               <a:p>
                 <a:r>
-                  <a:rPr lang="en-US" altLang="ko-KR" dirty="0" smtClean="0"/>
+                  <a:rPr lang="en-US" altLang="ko-KR" dirty="0"/>
                   <a:t>D</a:t>
                 </a:r>
               </a:p>
@@ -3268,11 +3272,11 @@
                 <a:endParaRPr lang="en-US" altLang="ko-KR" dirty="0"/>
               </a:p>
               <a:p>
-                <a:endParaRPr lang="en-US" altLang="ko-KR" dirty="0" smtClean="0"/>
+                <a:endParaRPr lang="en-US" altLang="ko-KR" dirty="0"/>
               </a:p>
               <a:p>
                 <a:r>
-                  <a:rPr lang="en-US" altLang="ko-KR" dirty="0" smtClean="0"/>
+                  <a:rPr lang="en-US" altLang="ko-KR" dirty="0"/>
                   <a:t>A</a:t>
                 </a:r>
                 <a:endParaRPr lang="ko-KR" altLang="en-US"/>
@@ -3288,7 +3292,7 @@
             <p:spPr>
               <a:xfrm>
                 <a:off x="3159873" y="2642019"/>
-                <a:ext cx="1088760" cy="369332"/>
+                <a:ext cx="919675" cy="348237"/>
               </a:xfrm>
               <a:prstGeom prst="rect">
                 <a:avLst/>
@@ -3302,7 +3306,7 @@
               <a:lstStyle/>
               <a:p>
                 <a:r>
-                  <a:rPr lang="en-US" altLang="ko-KR" dirty="0" smtClean="0"/>
+                  <a:rPr lang="en-US" altLang="ko-KR" dirty="0"/>
                   <a:t>H/V/D/A</a:t>
                 </a:r>
                 <a:endParaRPr lang="ko-KR" altLang="en-US"/>
@@ -3354,7 +3358,7 @@
             <p:spPr>
               <a:xfrm>
                 <a:off x="4461270" y="4506162"/>
-                <a:ext cx="1588576" cy="369332"/>
+                <a:ext cx="1342547" cy="348237"/>
               </a:xfrm>
               <a:prstGeom prst="rect">
                 <a:avLst/>
@@ -3368,11 +3372,11 @@
               <a:lstStyle/>
               <a:p>
                 <a:r>
-                  <a:rPr lang="el-GR" altLang="ko-KR" dirty="0" smtClean="0"/>
+                  <a:rPr lang="el-GR" altLang="ko-KR" dirty="0"/>
                   <a:t>λ</a:t>
                 </a:r>
                 <a:r>
-                  <a:rPr lang="en-US" altLang="ko-KR" dirty="0" smtClean="0"/>
+                  <a:rPr lang="en-US" altLang="ko-KR" dirty="0"/>
                   <a:t>/2 plate film</a:t>
                 </a:r>
                 <a:endParaRPr lang="ko-KR" altLang="en-US"/>
@@ -3388,8 +3392,8 @@
           </p:nvSpPr>
           <p:spPr>
             <a:xfrm>
-              <a:off x="5758721" y="861406"/>
-              <a:ext cx="1483035" cy="646331"/>
+              <a:off x="5871124" y="861406"/>
+              <a:ext cx="1258229" cy="604140"/>
             </a:xfrm>
             <a:prstGeom prst="rect">
               <a:avLst/>
@@ -3404,14 +3408,14 @@
             <a:p>
               <a:pPr algn="ctr"/>
               <a:r>
-                <a:rPr lang="en-US" altLang="ko-KR" dirty="0" smtClean="0"/>
+                <a:rPr lang="en-US" altLang="ko-KR" dirty="0"/>
                 <a:t>birefringent </a:t>
               </a:r>
             </a:p>
             <a:p>
               <a:pPr algn="ctr"/>
               <a:r>
-                <a:rPr lang="en-US" altLang="ko-KR" dirty="0" smtClean="0"/>
+                <a:rPr lang="en-US" altLang="ko-KR" dirty="0"/>
                 <a:t>waveguide</a:t>
               </a:r>
               <a:endParaRPr lang="ko-KR" altLang="en-US"/>
@@ -3460,7 +3464,7 @@
         </p:nvSpPr>
         <p:spPr>
           <a:xfrm>
-            <a:off x="3792682" y="5642264"/>
+            <a:off x="3238644" y="5092989"/>
             <a:ext cx="474810" cy="400110"/>
           </a:xfrm>
           <a:prstGeom prst="rect">
@@ -3475,7 +3479,7 @@
           <a:lstStyle/>
           <a:p>
             <a:r>
-              <a:rPr lang="en-US" altLang="ko-KR" sz="2000" dirty="0" smtClean="0"/>
+              <a:rPr lang="en-US" altLang="ko-KR" sz="2000" dirty="0"/>
               <a:t>(a)</a:t>
             </a:r>
             <a:endParaRPr lang="ko-KR" altLang="en-US" sz="2000"/>
@@ -3490,8 +3494,8 @@
         </p:nvSpPr>
         <p:spPr>
           <a:xfrm>
-            <a:off x="9337156" y="5642264"/>
-            <a:ext cx="495649" cy="400110"/>
+            <a:off x="8783120" y="5092989"/>
+            <a:ext cx="476412" cy="400110"/>
           </a:xfrm>
           <a:prstGeom prst="rect">
             <a:avLst/>
@@ -3505,57 +3509,666 @@
           <a:lstStyle/>
           <a:p>
             <a:r>
-              <a:rPr lang="en-US" altLang="ko-KR" sz="2000" dirty="0" smtClean="0"/>
+              <a:rPr lang="en-US" altLang="ko-KR" sz="2000" dirty="0"/>
               <a:t>(b)</a:t>
             </a:r>
             <a:endParaRPr lang="ko-KR" altLang="en-US" sz="2000"/>
+          </a:p>
+        </p:txBody>
+      </p:sp>
+      <p:sp>
+        <p:nvSpPr>
+          <p:cNvPr id="53" name="TextBox 52"/>
+          <p:cNvSpPr txBox="1"/>
+          <p:nvPr/>
+        </p:nvSpPr>
+        <p:spPr>
+          <a:xfrm>
+            <a:off x="2199831" y="2545011"/>
+            <a:ext cx="798103" cy="604140"/>
+          </a:xfrm>
+          <a:prstGeom prst="rect">
+            <a:avLst/>
+          </a:prstGeom>
+          <a:noFill/>
+        </p:spPr>
+        <p:txBody>
+          <a:bodyPr wrap="none" rtlCol="0">
+            <a:spAutoFit/>
+          </a:bodyPr>
+          <a:lstStyle/>
+          <a:p>
+            <a:pPr algn="ctr"/>
+            <a:r>
+              <a:rPr lang="en-US" altLang="ko-KR" dirty="0"/>
+              <a:t>3 dB </a:t>
+            </a:r>
+          </a:p>
+          <a:p>
+            <a:pPr algn="ctr"/>
+            <a:r>
+              <a:rPr lang="en-US" altLang="ko-KR" dirty="0"/>
+              <a:t>splitter</a:t>
+            </a:r>
+            <a:endParaRPr lang="ko-KR" altLang="en-US"/>
+          </a:p>
+        </p:txBody>
+      </p:sp>
+      <p:sp>
+        <p:nvSpPr>
+          <p:cNvPr id="54" name="TextBox 53"/>
+          <p:cNvSpPr txBox="1"/>
+          <p:nvPr/>
+        </p:nvSpPr>
+        <p:spPr>
+          <a:xfrm>
+            <a:off x="4539233" y="715771"/>
+            <a:ext cx="1074333" cy="348237"/>
+          </a:xfrm>
+          <a:prstGeom prst="rect">
+            <a:avLst/>
+          </a:prstGeom>
+          <a:noFill/>
+        </p:spPr>
+        <p:txBody>
+          <a:bodyPr wrap="none" rtlCol="0">
+            <a:spAutoFit/>
+          </a:bodyPr>
+          <a:lstStyle/>
+          <a:p>
+            <a:pPr algn="ctr"/>
+            <a:r>
+              <a:rPr lang="en-US" altLang="ko-KR" dirty="0"/>
+              <a:t>2 X 2 MMI</a:t>
+            </a:r>
+            <a:endParaRPr lang="ko-KR" altLang="en-US"/>
+          </a:p>
+        </p:txBody>
+      </p:sp>
+      <p:cxnSp>
+        <p:nvCxnSpPr>
+          <p:cNvPr id="56" name="직선 화살표 연결선 55"/>
+          <p:cNvCxnSpPr>
+            <a:stCxn id="54" idx="2"/>
+          </p:cNvCxnSpPr>
+          <p:nvPr/>
+        </p:nvCxnSpPr>
+        <p:spPr>
+          <a:xfrm flipH="1">
+            <a:off x="4939291" y="1064008"/>
+            <a:ext cx="137108" cy="865273"/>
+          </a:xfrm>
+          <a:prstGeom prst="straightConnector1">
+            <a:avLst/>
+          </a:prstGeom>
+          <a:ln>
+            <a:tailEnd type="triangle"/>
+          </a:ln>
+        </p:spPr>
+        <p:style>
+          <a:lnRef idx="1">
+            <a:schemeClr val="accent1"/>
+          </a:lnRef>
+          <a:fillRef idx="0">
+            <a:schemeClr val="accent1"/>
+          </a:fillRef>
+          <a:effectRef idx="0">
+            <a:schemeClr val="accent1"/>
+          </a:effectRef>
+          <a:fontRef idx="minor">
+            <a:schemeClr val="tx1"/>
+          </a:fontRef>
+        </p:style>
+      </p:cxnSp>
+      <p:sp>
+        <p:nvSpPr>
+          <p:cNvPr id="57" name="모서리가 둥근 직사각형 56"/>
+          <p:cNvSpPr/>
+          <p:nvPr/>
+        </p:nvSpPr>
+        <p:spPr>
+          <a:xfrm>
+            <a:off x="3047722" y="3014810"/>
+            <a:ext cx="2494240" cy="1477667"/>
+          </a:xfrm>
+          <a:prstGeom prst="roundRect">
+            <a:avLst/>
+          </a:prstGeom>
+          <a:noFill/>
+          <a:ln>
+            <a:solidFill>
+              <a:schemeClr val="tx1"/>
+            </a:solidFill>
+            <a:prstDash val="dash"/>
+          </a:ln>
+        </p:spPr>
+        <p:style>
+          <a:lnRef idx="2">
+            <a:schemeClr val="accent1">
+              <a:shade val="50000"/>
+            </a:schemeClr>
+          </a:lnRef>
+          <a:fillRef idx="1">
+            <a:schemeClr val="accent1"/>
+          </a:fillRef>
+          <a:effectRef idx="0">
+            <a:schemeClr val="accent1"/>
+          </a:effectRef>
+          <a:fontRef idx="minor">
+            <a:schemeClr val="lt1"/>
+          </a:fontRef>
+        </p:style>
+        <p:txBody>
+          <a:bodyPr rtlCol="0" anchor="ctr"/>
+          <a:lstStyle/>
+          <a:p>
+            <a:pPr algn="ctr"/>
+            <a:endParaRPr lang="ko-KR" altLang="en-US"/>
+          </a:p>
+        </p:txBody>
+      </p:sp>
+      <p:sp>
+        <p:nvSpPr>
+          <p:cNvPr id="58" name="모서리가 둥근 직사각형 57"/>
+          <p:cNvSpPr/>
+          <p:nvPr/>
+        </p:nvSpPr>
+        <p:spPr>
+          <a:xfrm>
+            <a:off x="3037665" y="1252011"/>
+            <a:ext cx="2494240" cy="1477667"/>
+          </a:xfrm>
+          <a:prstGeom prst="roundRect">
+            <a:avLst/>
+          </a:prstGeom>
+          <a:noFill/>
+          <a:ln>
+            <a:solidFill>
+              <a:schemeClr val="tx1"/>
+            </a:solidFill>
+            <a:prstDash val="dash"/>
+          </a:ln>
+        </p:spPr>
+        <p:style>
+          <a:lnRef idx="2">
+            <a:schemeClr val="accent1">
+              <a:shade val="50000"/>
+            </a:schemeClr>
+          </a:lnRef>
+          <a:fillRef idx="1">
+            <a:schemeClr val="accent1"/>
+          </a:fillRef>
+          <a:effectRef idx="0">
+            <a:schemeClr val="accent1"/>
+          </a:effectRef>
+          <a:fontRef idx="minor">
+            <a:schemeClr val="lt1"/>
+          </a:fontRef>
+        </p:style>
+        <p:txBody>
+          <a:bodyPr rtlCol="0" anchor="ctr"/>
+          <a:lstStyle/>
+          <a:p>
+            <a:pPr algn="ctr"/>
+            <a:endParaRPr lang="ko-KR" altLang="en-US"/>
+          </a:p>
+        </p:txBody>
+      </p:sp>
+      <p:sp>
+        <p:nvSpPr>
+          <p:cNvPr id="59" name="TextBox 58"/>
+          <p:cNvSpPr txBox="1"/>
+          <p:nvPr/>
+        </p:nvSpPr>
+        <p:spPr>
+          <a:xfrm>
+            <a:off x="1774664" y="1425293"/>
+            <a:ext cx="1072730" cy="348237"/>
+          </a:xfrm>
+          <a:prstGeom prst="rect">
+            <a:avLst/>
+          </a:prstGeom>
+          <a:noFill/>
+        </p:spPr>
+        <p:txBody>
+          <a:bodyPr wrap="none" rtlCol="0">
+            <a:spAutoFit/>
+          </a:bodyPr>
+          <a:lstStyle/>
+          <a:p>
+            <a:r>
+              <a:rPr lang="en-US" altLang="ko-KR" dirty="0"/>
+              <a:t>u</a:t>
+            </a:r>
+            <a:r>
+              <a:rPr lang="en-US" altLang="ko-KR" dirty="0"/>
+              <a:t>pper PBS</a:t>
+            </a:r>
+            <a:endParaRPr lang="ko-KR" altLang="en-US"/>
+          </a:p>
+        </p:txBody>
+      </p:sp>
+      <p:sp>
+        <p:nvSpPr>
+          <p:cNvPr id="60" name="TextBox 59"/>
+          <p:cNvSpPr txBox="1"/>
+          <p:nvPr/>
+        </p:nvSpPr>
+        <p:spPr>
+          <a:xfrm>
+            <a:off x="4939290" y="4492474"/>
+            <a:ext cx="1047594" cy="348237"/>
+          </a:xfrm>
+          <a:prstGeom prst="rect">
+            <a:avLst/>
+          </a:prstGeom>
+          <a:noFill/>
+        </p:spPr>
+        <p:txBody>
+          <a:bodyPr wrap="none" rtlCol="0">
+            <a:spAutoFit/>
+          </a:bodyPr>
+          <a:lstStyle/>
+          <a:p>
+            <a:r>
+              <a:rPr lang="en-US" altLang="ko-KR" dirty="0"/>
+              <a:t>lower PBS</a:t>
+            </a:r>
+            <a:endParaRPr lang="ko-KR" altLang="en-US"/>
           </a:p>
         </p:txBody>
       </p:sp>
       <p:grpSp>
         <p:nvGrpSpPr>
-          <p:cNvPr id="37" name="그룹 36"/>
+          <p:cNvPr id="25" name="그룹 24"/>
           <p:cNvGrpSpPr/>
           <p:nvPr/>
         </p:nvGrpSpPr>
         <p:grpSpPr>
           <a:xfrm>
-            <a:off x="7895021" y="2368568"/>
-            <a:ext cx="3379917" cy="754119"/>
-            <a:chOff x="7794413" y="2808632"/>
-            <a:chExt cx="3379917" cy="754119"/>
+            <a:off x="7340983" y="1819294"/>
+            <a:ext cx="3699596" cy="2324132"/>
+            <a:chOff x="7895021" y="2368568"/>
+            <a:chExt cx="3699596" cy="2324132"/>
           </a:xfrm>
         </p:grpSpPr>
         <p:grpSp>
           <p:nvGrpSpPr>
-            <p:cNvPr id="30" name="그룹 29"/>
+            <p:cNvPr id="37" name="그룹 36"/>
             <p:cNvGrpSpPr/>
             <p:nvPr/>
           </p:nvGrpSpPr>
           <p:grpSpPr>
             <a:xfrm>
-              <a:off x="8677303" y="2808632"/>
-              <a:ext cx="1815357" cy="754119"/>
-              <a:chOff x="8562109" y="2342372"/>
-              <a:chExt cx="1440872" cy="405245"/>
+              <a:off x="7895021" y="2368568"/>
+              <a:ext cx="3379917" cy="754119"/>
+              <a:chOff x="7794413" y="2808632"/>
+              <a:chExt cx="3379917" cy="754119"/>
             </a:xfrm>
           </p:grpSpPr>
+          <p:grpSp>
+            <p:nvGrpSpPr>
+              <p:cNvPr id="30" name="그룹 29"/>
+              <p:cNvGrpSpPr/>
+              <p:nvPr/>
+            </p:nvGrpSpPr>
+            <p:grpSpPr>
+              <a:xfrm>
+                <a:off x="8677303" y="2808632"/>
+                <a:ext cx="1815357" cy="754119"/>
+                <a:chOff x="8562109" y="2342372"/>
+                <a:chExt cx="1440872" cy="405245"/>
+              </a:xfrm>
+            </p:grpSpPr>
+            <p:sp>
+              <p:nvSpPr>
+                <p:cNvPr id="3" name="직사각형 2"/>
+                <p:cNvSpPr/>
+                <p:nvPr/>
+              </p:nvSpPr>
+              <p:spPr>
+                <a:xfrm>
+                  <a:off x="8977745" y="2342372"/>
+                  <a:ext cx="609600" cy="405245"/>
+                </a:xfrm>
+                <a:prstGeom prst="rect">
+                  <a:avLst/>
+                </a:prstGeom>
+                <a:solidFill>
+                  <a:srgbClr val="FF0000"/>
+                </a:solidFill>
+                <a:ln>
+                  <a:noFill/>
+                </a:ln>
+              </p:spPr>
+              <p:style>
+                <a:lnRef idx="2">
+                  <a:schemeClr val="accent1">
+                    <a:shade val="50000"/>
+                  </a:schemeClr>
+                </a:lnRef>
+                <a:fillRef idx="1">
+                  <a:schemeClr val="accent1"/>
+                </a:fillRef>
+                <a:effectRef idx="0">
+                  <a:schemeClr val="accent1"/>
+                </a:effectRef>
+                <a:fontRef idx="minor">
+                  <a:schemeClr val="lt1"/>
+                </a:fontRef>
+              </p:style>
+              <p:txBody>
+                <a:bodyPr rtlCol="0" anchor="ctr"/>
+                <a:lstStyle/>
+                <a:p>
+                  <a:pPr algn="ctr"/>
+                  <a:endParaRPr lang="ko-KR" altLang="en-US"/>
+                </a:p>
+              </p:txBody>
+            </p:sp>
+            <p:sp>
+              <p:nvSpPr>
+                <p:cNvPr id="21" name="직사각형 20"/>
+                <p:cNvSpPr/>
+                <p:nvPr/>
+              </p:nvSpPr>
+              <p:spPr>
+                <a:xfrm>
+                  <a:off x="8562109" y="2423811"/>
+                  <a:ext cx="415636" cy="45719"/>
+                </a:xfrm>
+                <a:prstGeom prst="rect">
+                  <a:avLst/>
+                </a:prstGeom>
+                <a:solidFill>
+                  <a:srgbClr val="FF0000"/>
+                </a:solidFill>
+                <a:ln>
+                  <a:noFill/>
+                </a:ln>
+              </p:spPr>
+              <p:style>
+                <a:lnRef idx="2">
+                  <a:schemeClr val="accent1">
+                    <a:shade val="50000"/>
+                  </a:schemeClr>
+                </a:lnRef>
+                <a:fillRef idx="1">
+                  <a:schemeClr val="accent1"/>
+                </a:fillRef>
+                <a:effectRef idx="0">
+                  <a:schemeClr val="accent1"/>
+                </a:effectRef>
+                <a:fontRef idx="minor">
+                  <a:schemeClr val="lt1"/>
+                </a:fontRef>
+              </p:style>
+              <p:txBody>
+                <a:bodyPr rtlCol="0" anchor="ctr"/>
+                <a:lstStyle/>
+                <a:p>
+                  <a:pPr algn="ctr"/>
+                  <a:endParaRPr lang="ko-KR" altLang="en-US"/>
+                </a:p>
+              </p:txBody>
+            </p:sp>
+            <p:sp>
+              <p:nvSpPr>
+                <p:cNvPr id="22" name="직사각형 21"/>
+                <p:cNvSpPr/>
+                <p:nvPr/>
+              </p:nvSpPr>
+              <p:spPr>
+                <a:xfrm>
+                  <a:off x="8562109" y="2626433"/>
+                  <a:ext cx="415636" cy="45719"/>
+                </a:xfrm>
+                <a:prstGeom prst="rect">
+                  <a:avLst/>
+                </a:prstGeom>
+                <a:solidFill>
+                  <a:srgbClr val="FF0000"/>
+                </a:solidFill>
+                <a:ln>
+                  <a:noFill/>
+                </a:ln>
+              </p:spPr>
+              <p:style>
+                <a:lnRef idx="2">
+                  <a:schemeClr val="accent1">
+                    <a:shade val="50000"/>
+                  </a:schemeClr>
+                </a:lnRef>
+                <a:fillRef idx="1">
+                  <a:schemeClr val="accent1"/>
+                </a:fillRef>
+                <a:effectRef idx="0">
+                  <a:schemeClr val="accent1"/>
+                </a:effectRef>
+                <a:fontRef idx="minor">
+                  <a:schemeClr val="lt1"/>
+                </a:fontRef>
+              </p:style>
+              <p:txBody>
+                <a:bodyPr rtlCol="0" anchor="ctr"/>
+                <a:lstStyle/>
+                <a:p>
+                  <a:pPr algn="ctr"/>
+                  <a:endParaRPr lang="ko-KR" altLang="en-US"/>
+                </a:p>
+              </p:txBody>
+            </p:sp>
+            <p:sp>
+              <p:nvSpPr>
+                <p:cNvPr id="23" name="직사각형 22"/>
+                <p:cNvSpPr/>
+                <p:nvPr/>
+              </p:nvSpPr>
+              <p:spPr>
+                <a:xfrm>
+                  <a:off x="9587345" y="2423811"/>
+                  <a:ext cx="415636" cy="45719"/>
+                </a:xfrm>
+                <a:prstGeom prst="rect">
+                  <a:avLst/>
+                </a:prstGeom>
+                <a:solidFill>
+                  <a:srgbClr val="FF0000"/>
+                </a:solidFill>
+                <a:ln>
+                  <a:noFill/>
+                </a:ln>
+              </p:spPr>
+              <p:style>
+                <a:lnRef idx="2">
+                  <a:schemeClr val="accent1">
+                    <a:shade val="50000"/>
+                  </a:schemeClr>
+                </a:lnRef>
+                <a:fillRef idx="1">
+                  <a:schemeClr val="accent1"/>
+                </a:fillRef>
+                <a:effectRef idx="0">
+                  <a:schemeClr val="accent1"/>
+                </a:effectRef>
+                <a:fontRef idx="minor">
+                  <a:schemeClr val="lt1"/>
+                </a:fontRef>
+              </p:style>
+              <p:txBody>
+                <a:bodyPr rtlCol="0" anchor="ctr"/>
+                <a:lstStyle/>
+                <a:p>
+                  <a:pPr algn="ctr"/>
+                  <a:endParaRPr lang="ko-KR" altLang="en-US"/>
+                </a:p>
+              </p:txBody>
+            </p:sp>
+            <p:sp>
+              <p:nvSpPr>
+                <p:cNvPr id="24" name="직사각형 23"/>
+                <p:cNvSpPr/>
+                <p:nvPr/>
+              </p:nvSpPr>
+              <p:spPr>
+                <a:xfrm>
+                  <a:off x="9587345" y="2626433"/>
+                  <a:ext cx="415636" cy="45719"/>
+                </a:xfrm>
+                <a:prstGeom prst="rect">
+                  <a:avLst/>
+                </a:prstGeom>
+                <a:solidFill>
+                  <a:srgbClr val="FF0000"/>
+                </a:solidFill>
+                <a:ln>
+                  <a:noFill/>
+                </a:ln>
+              </p:spPr>
+              <p:style>
+                <a:lnRef idx="2">
+                  <a:schemeClr val="accent1">
+                    <a:shade val="50000"/>
+                  </a:schemeClr>
+                </a:lnRef>
+                <a:fillRef idx="1">
+                  <a:schemeClr val="accent1"/>
+                </a:fillRef>
+                <a:effectRef idx="0">
+                  <a:schemeClr val="accent1"/>
+                </a:effectRef>
+                <a:fontRef idx="minor">
+                  <a:schemeClr val="lt1"/>
+                </a:fontRef>
+              </p:style>
+              <p:txBody>
+                <a:bodyPr rtlCol="0" anchor="ctr"/>
+                <a:lstStyle/>
+                <a:p>
+                  <a:pPr algn="ctr"/>
+                  <a:endParaRPr lang="ko-KR" altLang="en-US"/>
+                </a:p>
+              </p:txBody>
+            </p:sp>
+          </p:grpSp>
+          <p:pic>
+            <p:nvPicPr>
+              <p:cNvPr id="27" name="그림 26"/>
+              <p:cNvPicPr>
+                <a:picLocks noChangeAspect="1"/>
+              </p:cNvPicPr>
+              <p:nvPr>
+                <p:custDataLst>
+                  <p:tags r:id="rId4"/>
+                </p:custDataLst>
+              </p:nvPr>
+            </p:nvPicPr>
+            <p:blipFill>
+              <a:blip r:embed="rId10">
+                <a:extLst>
+                  <a:ext uri="{28A0092B-C50C-407E-A947-70E740481C1C}">
+                    <a14:useLocalDpi xmlns:a14="http://schemas.microsoft.com/office/drawing/2010/main" val="0"/>
+                  </a:ext>
+                </a:extLst>
+              </a:blip>
+              <a:stretch>
+                <a:fillRect/>
+              </a:stretch>
+            </p:blipFill>
+            <p:spPr bwMode="black">
+              <a:xfrm>
+                <a:off x="10955225" y="2849400"/>
+                <a:ext cx="166667" cy="219048"/>
+              </a:xfrm>
+              <a:prstGeom prst="rect">
+                <a:avLst/>
+              </a:prstGeom>
+            </p:spPr>
+          </p:pic>
+          <p:pic>
+            <p:nvPicPr>
+              <p:cNvPr id="29" name="그림 28"/>
+              <p:cNvPicPr>
+                <a:picLocks noChangeAspect="1"/>
+              </p:cNvPicPr>
+              <p:nvPr>
+                <p:custDataLst>
+                  <p:tags r:id="rId5"/>
+                </p:custDataLst>
+              </p:nvPr>
+            </p:nvPicPr>
+            <p:blipFill>
+              <a:blip r:embed="rId11">
+                <a:extLst>
+                  <a:ext uri="{28A0092B-C50C-407E-A947-70E740481C1C}">
+                    <a14:useLocalDpi xmlns:a14="http://schemas.microsoft.com/office/drawing/2010/main" val="0"/>
+                  </a:ext>
+                </a:extLst>
+              </a:blip>
+              <a:stretch>
+                <a:fillRect/>
+              </a:stretch>
+            </p:blipFill>
+            <p:spPr bwMode="black">
+              <a:xfrm>
+                <a:off x="7794413" y="2903127"/>
+                <a:ext cx="466667" cy="238095"/>
+              </a:xfrm>
+              <a:prstGeom prst="rect">
+                <a:avLst/>
+              </a:prstGeom>
+            </p:spPr>
+          </p:pic>
+          <p:pic>
+            <p:nvPicPr>
+              <p:cNvPr id="32" name="그림 31"/>
+              <p:cNvPicPr>
+                <a:picLocks noChangeAspect="1"/>
+              </p:cNvPicPr>
+              <p:nvPr>
+                <p:custDataLst>
+                  <p:tags r:id="rId6"/>
+                </p:custDataLst>
+              </p:nvPr>
+            </p:nvPicPr>
+            <p:blipFill>
+              <a:blip r:embed="rId12">
+                <a:extLst>
+                  <a:ext uri="{28A0092B-C50C-407E-A947-70E740481C1C}">
+                    <a14:useLocalDpi xmlns:a14="http://schemas.microsoft.com/office/drawing/2010/main" val="0"/>
+                  </a:ext>
+                </a:extLst>
+              </a:blip>
+              <a:stretch>
+                <a:fillRect/>
+              </a:stretch>
+            </p:blipFill>
+            <p:spPr bwMode="black">
+              <a:xfrm>
+                <a:off x="10888615" y="3247568"/>
+                <a:ext cx="285715" cy="261906"/>
+              </a:xfrm>
+              <a:prstGeom prst="rect">
+                <a:avLst/>
+              </a:prstGeom>
+            </p:spPr>
+          </p:pic>
           <p:sp>
             <p:nvSpPr>
-              <p:cNvPr id="3" name="직사각형 2"/>
+              <p:cNvPr id="34" name="오른쪽 화살표 33"/>
               <p:cNvSpPr/>
               <p:nvPr/>
             </p:nvSpPr>
             <p:spPr>
               <a:xfrm>
-                <a:off x="8977745" y="2342372"/>
-                <a:ext cx="609600" cy="405245"/>
+                <a:off x="8310336" y="2914011"/>
+                <a:ext cx="304343" cy="180000"/>
               </a:xfrm>
-              <a:prstGeom prst="rect">
+              <a:prstGeom prst="rightArrow">
                 <a:avLst/>
               </a:prstGeom>
               <a:solidFill>
-                <a:srgbClr val="FF0000"/>
+                <a:srgbClr val="00B0F0"/>
               </a:solidFill>
               <a:ln>
                 <a:noFill/>
@@ -3588,20 +4201,20 @@
           </p:sp>
           <p:sp>
             <p:nvSpPr>
-              <p:cNvPr id="21" name="직사각형 20"/>
+              <p:cNvPr id="35" name="오른쪽 화살표 34"/>
               <p:cNvSpPr/>
               <p:nvPr/>
             </p:nvSpPr>
             <p:spPr>
               <a:xfrm>
-                <a:off x="8562109" y="2423811"/>
-                <a:ext cx="415636" cy="45719"/>
+                <a:off x="10548853" y="2942682"/>
+                <a:ext cx="304343" cy="108000"/>
               </a:xfrm>
-              <a:prstGeom prst="rect">
+              <a:prstGeom prst="rightArrow">
                 <a:avLst/>
               </a:prstGeom>
               <a:solidFill>
-                <a:srgbClr val="FF0000"/>
+                <a:srgbClr val="00B0F0"/>
               </a:solidFill>
               <a:ln>
                 <a:noFill/>
@@ -3634,20 +4247,394 @@
           </p:sp>
           <p:sp>
             <p:nvSpPr>
-              <p:cNvPr id="22" name="직사각형 21"/>
+              <p:cNvPr id="36" name="오른쪽 화살표 35"/>
               <p:cNvSpPr/>
               <p:nvPr/>
             </p:nvSpPr>
             <p:spPr>
               <a:xfrm>
-                <a:off x="8562109" y="2626433"/>
-                <a:ext cx="415636" cy="45719"/>
+                <a:off x="10548853" y="3319740"/>
+                <a:ext cx="304343" cy="108000"/>
+              </a:xfrm>
+              <a:prstGeom prst="rightArrow">
+                <a:avLst/>
+              </a:prstGeom>
+              <a:solidFill>
+                <a:srgbClr val="00B0F0"/>
+              </a:solidFill>
+              <a:ln>
+                <a:noFill/>
+              </a:ln>
+            </p:spPr>
+            <p:style>
+              <a:lnRef idx="2">
+                <a:schemeClr val="accent1">
+                  <a:shade val="50000"/>
+                </a:schemeClr>
+              </a:lnRef>
+              <a:fillRef idx="1">
+                <a:schemeClr val="accent1"/>
+              </a:fillRef>
+              <a:effectRef idx="0">
+                <a:schemeClr val="accent1"/>
+              </a:effectRef>
+              <a:fontRef idx="minor">
+                <a:schemeClr val="lt1"/>
+              </a:fontRef>
+            </p:style>
+            <p:txBody>
+              <a:bodyPr rtlCol="0" anchor="ctr"/>
+              <a:lstStyle/>
+              <a:p>
+                <a:pPr algn="ctr"/>
+                <a:endParaRPr lang="ko-KR" altLang="en-US"/>
+              </a:p>
+            </p:txBody>
+          </p:sp>
+        </p:grpSp>
+        <p:grpSp>
+          <p:nvGrpSpPr>
+            <p:cNvPr id="13" name="그룹 12"/>
+            <p:cNvGrpSpPr/>
+            <p:nvPr/>
+          </p:nvGrpSpPr>
+          <p:grpSpPr>
+            <a:xfrm>
+              <a:off x="8058471" y="3938581"/>
+              <a:ext cx="3536146" cy="754119"/>
+              <a:chOff x="8058471" y="3938581"/>
+              <a:chExt cx="3536146" cy="754119"/>
+            </a:xfrm>
+          </p:grpSpPr>
+          <p:grpSp>
+            <p:nvGrpSpPr>
+              <p:cNvPr id="39" name="그룹 38"/>
+              <p:cNvGrpSpPr/>
+              <p:nvPr/>
+            </p:nvGrpSpPr>
+            <p:grpSpPr>
+              <a:xfrm>
+                <a:off x="8777428" y="3938581"/>
+                <a:ext cx="1815357" cy="754119"/>
+                <a:chOff x="8562109" y="2342372"/>
+                <a:chExt cx="1440872" cy="405245"/>
+              </a:xfrm>
+            </p:grpSpPr>
+            <p:sp>
+              <p:nvSpPr>
+                <p:cNvPr id="46" name="직사각형 45"/>
+                <p:cNvSpPr/>
+                <p:nvPr/>
+              </p:nvSpPr>
+              <p:spPr>
+                <a:xfrm>
+                  <a:off x="8977745" y="2342372"/>
+                  <a:ext cx="609600" cy="405245"/>
+                </a:xfrm>
+                <a:prstGeom prst="rect">
+                  <a:avLst/>
+                </a:prstGeom>
+                <a:solidFill>
+                  <a:srgbClr val="FF0000"/>
+                </a:solidFill>
+                <a:ln>
+                  <a:noFill/>
+                </a:ln>
+              </p:spPr>
+              <p:style>
+                <a:lnRef idx="2">
+                  <a:schemeClr val="accent1">
+                    <a:shade val="50000"/>
+                  </a:schemeClr>
+                </a:lnRef>
+                <a:fillRef idx="1">
+                  <a:schemeClr val="accent1"/>
+                </a:fillRef>
+                <a:effectRef idx="0">
+                  <a:schemeClr val="accent1"/>
+                </a:effectRef>
+                <a:fontRef idx="minor">
+                  <a:schemeClr val="lt1"/>
+                </a:fontRef>
+              </p:style>
+              <p:txBody>
+                <a:bodyPr rtlCol="0" anchor="ctr"/>
+                <a:lstStyle/>
+                <a:p>
+                  <a:pPr algn="ctr"/>
+                  <a:endParaRPr lang="ko-KR" altLang="en-US"/>
+                </a:p>
+              </p:txBody>
+            </p:sp>
+            <p:sp>
+              <p:nvSpPr>
+                <p:cNvPr id="47" name="직사각형 46"/>
+                <p:cNvSpPr/>
+                <p:nvPr/>
+              </p:nvSpPr>
+              <p:spPr>
+                <a:xfrm>
+                  <a:off x="8562109" y="2423811"/>
+                  <a:ext cx="415636" cy="45719"/>
+                </a:xfrm>
+                <a:prstGeom prst="rect">
+                  <a:avLst/>
+                </a:prstGeom>
+                <a:solidFill>
+                  <a:srgbClr val="FF0000"/>
+                </a:solidFill>
+                <a:ln>
+                  <a:noFill/>
+                </a:ln>
+              </p:spPr>
+              <p:style>
+                <a:lnRef idx="2">
+                  <a:schemeClr val="accent1">
+                    <a:shade val="50000"/>
+                  </a:schemeClr>
+                </a:lnRef>
+                <a:fillRef idx="1">
+                  <a:schemeClr val="accent1"/>
+                </a:fillRef>
+                <a:effectRef idx="0">
+                  <a:schemeClr val="accent1"/>
+                </a:effectRef>
+                <a:fontRef idx="minor">
+                  <a:schemeClr val="lt1"/>
+                </a:fontRef>
+              </p:style>
+              <p:txBody>
+                <a:bodyPr rtlCol="0" anchor="ctr"/>
+                <a:lstStyle/>
+                <a:p>
+                  <a:pPr algn="ctr"/>
+                  <a:endParaRPr lang="ko-KR" altLang="en-US"/>
+                </a:p>
+              </p:txBody>
+            </p:sp>
+            <p:sp>
+              <p:nvSpPr>
+                <p:cNvPr id="48" name="직사각형 47"/>
+                <p:cNvSpPr/>
+                <p:nvPr/>
+              </p:nvSpPr>
+              <p:spPr>
+                <a:xfrm>
+                  <a:off x="8562109" y="2626433"/>
+                  <a:ext cx="415636" cy="45719"/>
+                </a:xfrm>
+                <a:prstGeom prst="rect">
+                  <a:avLst/>
+                </a:prstGeom>
+                <a:solidFill>
+                  <a:srgbClr val="FF0000"/>
+                </a:solidFill>
+                <a:ln>
+                  <a:noFill/>
+                </a:ln>
+              </p:spPr>
+              <p:style>
+                <a:lnRef idx="2">
+                  <a:schemeClr val="accent1">
+                    <a:shade val="50000"/>
+                  </a:schemeClr>
+                </a:lnRef>
+                <a:fillRef idx="1">
+                  <a:schemeClr val="accent1"/>
+                </a:fillRef>
+                <a:effectRef idx="0">
+                  <a:schemeClr val="accent1"/>
+                </a:effectRef>
+                <a:fontRef idx="minor">
+                  <a:schemeClr val="lt1"/>
+                </a:fontRef>
+              </p:style>
+              <p:txBody>
+                <a:bodyPr rtlCol="0" anchor="ctr"/>
+                <a:lstStyle/>
+                <a:p>
+                  <a:pPr algn="ctr"/>
+                  <a:endParaRPr lang="ko-KR" altLang="en-US"/>
+                </a:p>
+              </p:txBody>
+            </p:sp>
+            <p:sp>
+              <p:nvSpPr>
+                <p:cNvPr id="49" name="직사각형 48"/>
+                <p:cNvSpPr/>
+                <p:nvPr/>
+              </p:nvSpPr>
+              <p:spPr>
+                <a:xfrm>
+                  <a:off x="9587345" y="2423811"/>
+                  <a:ext cx="415636" cy="45719"/>
+                </a:xfrm>
+                <a:prstGeom prst="rect">
+                  <a:avLst/>
+                </a:prstGeom>
+                <a:solidFill>
+                  <a:srgbClr val="FF0000"/>
+                </a:solidFill>
+                <a:ln>
+                  <a:noFill/>
+                </a:ln>
+              </p:spPr>
+              <p:style>
+                <a:lnRef idx="2">
+                  <a:schemeClr val="accent1">
+                    <a:shade val="50000"/>
+                  </a:schemeClr>
+                </a:lnRef>
+                <a:fillRef idx="1">
+                  <a:schemeClr val="accent1"/>
+                </a:fillRef>
+                <a:effectRef idx="0">
+                  <a:schemeClr val="accent1"/>
+                </a:effectRef>
+                <a:fontRef idx="minor">
+                  <a:schemeClr val="lt1"/>
+                </a:fontRef>
+              </p:style>
+              <p:txBody>
+                <a:bodyPr rtlCol="0" anchor="ctr"/>
+                <a:lstStyle/>
+                <a:p>
+                  <a:pPr algn="ctr"/>
+                  <a:endParaRPr lang="ko-KR" altLang="en-US"/>
+                </a:p>
+              </p:txBody>
+            </p:sp>
+            <p:sp>
+              <p:nvSpPr>
+                <p:cNvPr id="50" name="직사각형 49"/>
+                <p:cNvSpPr/>
+                <p:nvPr/>
+              </p:nvSpPr>
+              <p:spPr>
+                <a:xfrm>
+                  <a:off x="9587345" y="2626433"/>
+                  <a:ext cx="415636" cy="45719"/>
+                </a:xfrm>
+                <a:prstGeom prst="rect">
+                  <a:avLst/>
+                </a:prstGeom>
+                <a:solidFill>
+                  <a:srgbClr val="FF0000"/>
+                </a:solidFill>
+                <a:ln>
+                  <a:noFill/>
+                </a:ln>
+              </p:spPr>
+              <p:style>
+                <a:lnRef idx="2">
+                  <a:schemeClr val="accent1">
+                    <a:shade val="50000"/>
+                  </a:schemeClr>
+                </a:lnRef>
+                <a:fillRef idx="1">
+                  <a:schemeClr val="accent1"/>
+                </a:fillRef>
+                <a:effectRef idx="0">
+                  <a:schemeClr val="accent1"/>
+                </a:effectRef>
+                <a:fontRef idx="minor">
+                  <a:schemeClr val="lt1"/>
+                </a:fontRef>
+              </p:style>
+              <p:txBody>
+                <a:bodyPr rtlCol="0" anchor="ctr"/>
+                <a:lstStyle/>
+                <a:p>
+                  <a:pPr algn="ctr"/>
+                  <a:endParaRPr lang="ko-KR" altLang="en-US"/>
+                </a:p>
+              </p:txBody>
+            </p:sp>
+          </p:grpSp>
+          <p:pic>
+            <p:nvPicPr>
+              <p:cNvPr id="40" name="그림 39"/>
+              <p:cNvPicPr>
+                <a:picLocks noChangeAspect="1"/>
+              </p:cNvPicPr>
+              <p:nvPr>
+                <p:custDataLst>
+                  <p:tags r:id="rId1"/>
+                </p:custDataLst>
+              </p:nvPr>
+            </p:nvPicPr>
+            <p:blipFill>
+              <a:blip r:embed="rId10">
+                <a:extLst>
+                  <a:ext uri="{28A0092B-C50C-407E-A947-70E740481C1C}">
+                    <a14:useLocalDpi xmlns:a14="http://schemas.microsoft.com/office/drawing/2010/main" val="0"/>
+                  </a:ext>
+                </a:extLst>
+              </a:blip>
+              <a:stretch>
+                <a:fillRect/>
+              </a:stretch>
+            </p:blipFill>
+            <p:spPr bwMode="black">
+              <a:xfrm>
+                <a:off x="8154698" y="4006516"/>
+                <a:ext cx="166667" cy="219048"/>
               </a:xfrm>
               <a:prstGeom prst="rect">
                 <a:avLst/>
               </a:prstGeom>
+            </p:spPr>
+          </p:pic>
+          <p:pic>
+            <p:nvPicPr>
+              <p:cNvPr id="42" name="그림 41"/>
+              <p:cNvPicPr>
+                <a:picLocks noChangeAspect="1"/>
+              </p:cNvPicPr>
+              <p:nvPr>
+                <p:custDataLst>
+                  <p:tags r:id="rId2"/>
+                </p:custDataLst>
+              </p:nvPr>
+            </p:nvPicPr>
+            <p:blipFill>
+              <a:blip r:embed="rId12">
+                <a:extLst>
+                  <a:ext uri="{28A0092B-C50C-407E-A947-70E740481C1C}">
+                    <a14:useLocalDpi xmlns:a14="http://schemas.microsoft.com/office/drawing/2010/main" val="0"/>
+                  </a:ext>
+                </a:extLst>
+              </a:blip>
+              <a:stretch>
+                <a:fillRect/>
+              </a:stretch>
+            </p:blipFill>
+            <p:spPr bwMode="black">
+              <a:xfrm>
+                <a:off x="8058471" y="4385376"/>
+                <a:ext cx="285715" cy="261906"/>
+              </a:xfrm>
+              <a:prstGeom prst="rect">
+                <a:avLst/>
+              </a:prstGeom>
+            </p:spPr>
+          </p:pic>
+          <p:sp>
+            <p:nvSpPr>
+              <p:cNvPr id="43" name="오른쪽 화살표 42"/>
+              <p:cNvSpPr/>
+              <p:nvPr/>
+            </p:nvSpPr>
+            <p:spPr>
+              <a:xfrm>
+                <a:off x="10655815" y="4418782"/>
+                <a:ext cx="304343" cy="180000"/>
+              </a:xfrm>
+              <a:prstGeom prst="rightArrow">
+                <a:avLst/>
+              </a:prstGeom>
               <a:solidFill>
-                <a:srgbClr val="FF0000"/>
+                <a:srgbClr val="00B0F0"/>
               </a:solidFill>
               <a:ln>
                 <a:noFill/>
@@ -3680,20 +4667,20 @@
           </p:sp>
           <p:sp>
             <p:nvSpPr>
-              <p:cNvPr id="23" name="직사각형 22"/>
+              <p:cNvPr id="44" name="오른쪽 화살표 43"/>
               <p:cNvSpPr/>
               <p:nvPr/>
             </p:nvSpPr>
             <p:spPr>
               <a:xfrm>
-                <a:off x="9587345" y="2423811"/>
-                <a:ext cx="415636" cy="45719"/>
+                <a:off x="8417145" y="4073311"/>
+                <a:ext cx="304343" cy="108000"/>
               </a:xfrm>
-              <a:prstGeom prst="rect">
+              <a:prstGeom prst="rightArrow">
                 <a:avLst/>
               </a:prstGeom>
               <a:solidFill>
-                <a:srgbClr val="FF0000"/>
+                <a:srgbClr val="00B0F0"/>
               </a:solidFill>
               <a:ln>
                 <a:noFill/>
@@ -3726,20 +4713,20 @@
           </p:sp>
           <p:sp>
             <p:nvSpPr>
-              <p:cNvPr id="24" name="직사각형 23"/>
+              <p:cNvPr id="45" name="오른쪽 화살표 44"/>
               <p:cNvSpPr/>
               <p:nvPr/>
             </p:nvSpPr>
             <p:spPr>
               <a:xfrm>
-                <a:off x="9587345" y="2626433"/>
-                <a:ext cx="415636" cy="45719"/>
+                <a:off x="8417145" y="4450369"/>
+                <a:ext cx="304343" cy="108000"/>
               </a:xfrm>
-              <a:prstGeom prst="rect">
+              <a:prstGeom prst="rightArrow">
                 <a:avLst/>
               </a:prstGeom>
               <a:solidFill>
-                <a:srgbClr val="FF0000"/>
+                <a:srgbClr val="00B0F0"/>
               </a:solidFill>
               <a:ln>
                 <a:noFill/>
@@ -3770,1010 +4757,42 @@
               </a:p>
             </p:txBody>
           </p:sp>
-        </p:grpSp>
-        <p:pic>
-          <p:nvPicPr>
-            <p:cNvPr id="27" name="그림 26"/>
-            <p:cNvPicPr>
-              <a:picLocks noChangeAspect="1"/>
-            </p:cNvPicPr>
-            <p:nvPr>
-              <p:custDataLst>
-                <p:tags r:id="rId4"/>
-              </p:custDataLst>
-            </p:nvPr>
-          </p:nvPicPr>
-          <p:blipFill>
-            <a:blip r:embed="rId10">
-              <a:extLst>
-                <a:ext uri="{28A0092B-C50C-407E-A947-70E740481C1C}">
-                  <a14:useLocalDpi xmlns:a14="http://schemas.microsoft.com/office/drawing/2010/main" val="0"/>
-                </a:ext>
-              </a:extLst>
-            </a:blip>
-            <a:stretch>
-              <a:fillRect/>
-            </a:stretch>
-          </p:blipFill>
-          <p:spPr bwMode="black">
-            <a:xfrm>
-              <a:off x="10955225" y="2849400"/>
-              <a:ext cx="166667" cy="219048"/>
-            </a:xfrm>
-            <a:prstGeom prst="rect">
-              <a:avLst/>
-            </a:prstGeom>
-          </p:spPr>
-        </p:pic>
-        <p:pic>
-          <p:nvPicPr>
-            <p:cNvPr id="29" name="그림 28"/>
-            <p:cNvPicPr>
-              <a:picLocks noChangeAspect="1"/>
-            </p:cNvPicPr>
-            <p:nvPr>
-              <p:custDataLst>
-                <p:tags r:id="rId5"/>
-              </p:custDataLst>
-            </p:nvPr>
-          </p:nvPicPr>
-          <p:blipFill>
-            <a:blip r:embed="rId11">
-              <a:extLst>
-                <a:ext uri="{28A0092B-C50C-407E-A947-70E740481C1C}">
-                  <a14:useLocalDpi xmlns:a14="http://schemas.microsoft.com/office/drawing/2010/main" val="0"/>
-                </a:ext>
-              </a:extLst>
-            </a:blip>
-            <a:stretch>
-              <a:fillRect/>
-            </a:stretch>
-          </p:blipFill>
-          <p:spPr bwMode="black">
-            <a:xfrm>
-              <a:off x="7794413" y="2903127"/>
-              <a:ext cx="466667" cy="238095"/>
-            </a:xfrm>
-            <a:prstGeom prst="rect">
-              <a:avLst/>
-            </a:prstGeom>
-          </p:spPr>
-        </p:pic>
-        <p:pic>
-          <p:nvPicPr>
-            <p:cNvPr id="32" name="그림 31"/>
-            <p:cNvPicPr>
-              <a:picLocks noChangeAspect="1"/>
-            </p:cNvPicPr>
-            <p:nvPr>
-              <p:custDataLst>
-                <p:tags r:id="rId6"/>
-              </p:custDataLst>
-            </p:nvPr>
-          </p:nvPicPr>
-          <p:blipFill>
-            <a:blip r:embed="rId12">
-              <a:extLst>
-                <a:ext uri="{28A0092B-C50C-407E-A947-70E740481C1C}">
-                  <a14:useLocalDpi xmlns:a14="http://schemas.microsoft.com/office/drawing/2010/main" val="0"/>
-                </a:ext>
-              </a:extLst>
-            </a:blip>
-            <a:stretch>
-              <a:fillRect/>
-            </a:stretch>
-          </p:blipFill>
-          <p:spPr bwMode="black">
-            <a:xfrm>
-              <a:off x="10888615" y="3247568"/>
-              <a:ext cx="285715" cy="261906"/>
-            </a:xfrm>
-            <a:prstGeom prst="rect">
-              <a:avLst/>
-            </a:prstGeom>
-          </p:spPr>
-        </p:pic>
-        <p:sp>
-          <p:nvSpPr>
-            <p:cNvPr id="34" name="오른쪽 화살표 33"/>
-            <p:cNvSpPr/>
-            <p:nvPr/>
-          </p:nvSpPr>
-          <p:spPr>
-            <a:xfrm>
-              <a:off x="8310336" y="2901979"/>
-              <a:ext cx="304343" cy="238991"/>
-            </a:xfrm>
-            <a:prstGeom prst="rightArrow">
-              <a:avLst/>
-            </a:prstGeom>
-            <a:solidFill>
-              <a:srgbClr val="00B0F0"/>
-            </a:solidFill>
-            <a:ln>
-              <a:noFill/>
-            </a:ln>
-          </p:spPr>
-          <p:style>
-            <a:lnRef idx="2">
-              <a:schemeClr val="accent1">
-                <a:shade val="50000"/>
-              </a:schemeClr>
-            </a:lnRef>
-            <a:fillRef idx="1">
-              <a:schemeClr val="accent1"/>
-            </a:fillRef>
-            <a:effectRef idx="0">
-              <a:schemeClr val="accent1"/>
-            </a:effectRef>
-            <a:fontRef idx="minor">
-              <a:schemeClr val="lt1"/>
-            </a:fontRef>
-          </p:style>
-          <p:txBody>
-            <a:bodyPr rtlCol="0" anchor="ctr"/>
-            <a:lstStyle/>
-            <a:p>
-              <a:pPr algn="ctr"/>
-              <a:endParaRPr lang="ko-KR" altLang="en-US"/>
-            </a:p>
-          </p:txBody>
-        </p:sp>
-        <p:sp>
-          <p:nvSpPr>
-            <p:cNvPr id="35" name="오른쪽 화살표 34"/>
-            <p:cNvSpPr/>
-            <p:nvPr/>
-          </p:nvSpPr>
-          <p:spPr>
-            <a:xfrm>
-              <a:off x="10548853" y="2918618"/>
-              <a:ext cx="304343" cy="152253"/>
-            </a:xfrm>
-            <a:prstGeom prst="rightArrow">
-              <a:avLst/>
-            </a:prstGeom>
-            <a:solidFill>
-              <a:srgbClr val="00B0F0"/>
-            </a:solidFill>
-            <a:ln>
-              <a:noFill/>
-            </a:ln>
-          </p:spPr>
-          <p:style>
-            <a:lnRef idx="2">
-              <a:schemeClr val="accent1">
-                <a:shade val="50000"/>
-              </a:schemeClr>
-            </a:lnRef>
-            <a:fillRef idx="1">
-              <a:schemeClr val="accent1"/>
-            </a:fillRef>
-            <a:effectRef idx="0">
-              <a:schemeClr val="accent1"/>
-            </a:effectRef>
-            <a:fontRef idx="minor">
-              <a:schemeClr val="lt1"/>
-            </a:fontRef>
-          </p:style>
-          <p:txBody>
-            <a:bodyPr rtlCol="0" anchor="ctr"/>
-            <a:lstStyle/>
-            <a:p>
-              <a:pPr algn="ctr"/>
-              <a:endParaRPr lang="ko-KR" altLang="en-US"/>
-            </a:p>
-          </p:txBody>
-        </p:sp>
-        <p:sp>
-          <p:nvSpPr>
-            <p:cNvPr id="36" name="오른쪽 화살표 35"/>
-            <p:cNvSpPr/>
-            <p:nvPr/>
-          </p:nvSpPr>
-          <p:spPr>
-            <a:xfrm>
-              <a:off x="10548853" y="3295676"/>
-              <a:ext cx="304343" cy="160776"/>
-            </a:xfrm>
-            <a:prstGeom prst="rightArrow">
-              <a:avLst/>
-            </a:prstGeom>
-            <a:solidFill>
-              <a:srgbClr val="00B0F0"/>
-            </a:solidFill>
-            <a:ln>
-              <a:noFill/>
-            </a:ln>
-          </p:spPr>
-          <p:style>
-            <a:lnRef idx="2">
-              <a:schemeClr val="accent1">
-                <a:shade val="50000"/>
-              </a:schemeClr>
-            </a:lnRef>
-            <a:fillRef idx="1">
-              <a:schemeClr val="accent1"/>
-            </a:fillRef>
-            <a:effectRef idx="0">
-              <a:schemeClr val="accent1"/>
-            </a:effectRef>
-            <a:fontRef idx="minor">
-              <a:schemeClr val="lt1"/>
-            </a:fontRef>
-          </p:style>
-          <p:txBody>
-            <a:bodyPr rtlCol="0" anchor="ctr"/>
-            <a:lstStyle/>
-            <a:p>
-              <a:pPr algn="ctr"/>
-              <a:endParaRPr lang="ko-KR" altLang="en-US"/>
-            </a:p>
-          </p:txBody>
-        </p:sp>
-      </p:grpSp>
-      <p:grpSp>
-        <p:nvGrpSpPr>
-          <p:cNvPr id="52" name="그룹 51"/>
-          <p:cNvGrpSpPr/>
-          <p:nvPr/>
-        </p:nvGrpSpPr>
-        <p:grpSpPr>
-          <a:xfrm>
-            <a:off x="8058471" y="3938581"/>
-            <a:ext cx="3431384" cy="754119"/>
-            <a:chOff x="8006516" y="3876236"/>
-            <a:chExt cx="3431384" cy="754119"/>
-          </a:xfrm>
-        </p:grpSpPr>
-        <p:grpSp>
-          <p:nvGrpSpPr>
-            <p:cNvPr id="39" name="그룹 38"/>
-            <p:cNvGrpSpPr/>
-            <p:nvPr/>
-          </p:nvGrpSpPr>
-          <p:grpSpPr>
-            <a:xfrm>
-              <a:off x="8725473" y="3876236"/>
-              <a:ext cx="1815357" cy="754119"/>
-              <a:chOff x="8562109" y="2342372"/>
-              <a:chExt cx="1440872" cy="405245"/>
-            </a:xfrm>
-          </p:grpSpPr>
-          <p:sp>
-            <p:nvSpPr>
-              <p:cNvPr id="46" name="직사각형 45"/>
-              <p:cNvSpPr/>
-              <p:nvPr/>
-            </p:nvSpPr>
-            <p:spPr>
+          <p:pic>
+            <p:nvPicPr>
+              <p:cNvPr id="5" name="그림 4"/>
+              <p:cNvPicPr>
+                <a:picLocks noChangeAspect="1"/>
+              </p:cNvPicPr>
+              <p:nvPr>
+                <p:custDataLst>
+                  <p:tags r:id="rId3"/>
+                </p:custDataLst>
+              </p:nvPr>
+            </p:nvPicPr>
+            <p:blipFill>
+              <a:blip r:embed="rId13">
+                <a:extLst>
+                  <a:ext uri="{28A0092B-C50C-407E-A947-70E740481C1C}">
+                    <a14:useLocalDpi xmlns:a14="http://schemas.microsoft.com/office/drawing/2010/main" val="0"/>
+                  </a:ext>
+                </a:extLst>
+              </a:blip>
+              <a:stretch>
+                <a:fillRect/>
+              </a:stretch>
+            </p:blipFill>
+            <p:spPr bwMode="black">
               <a:xfrm>
-                <a:off x="8977745" y="2342372"/>
-                <a:ext cx="609600" cy="405245"/>
+                <a:off x="11023188" y="4397281"/>
+                <a:ext cx="571429" cy="261905"/>
               </a:xfrm>
               <a:prstGeom prst="rect">
                 <a:avLst/>
               </a:prstGeom>
-              <a:solidFill>
-                <a:srgbClr val="FF0000"/>
-              </a:solidFill>
-              <a:ln>
-                <a:noFill/>
-              </a:ln>
             </p:spPr>
-            <p:style>
-              <a:lnRef idx="2">
-                <a:schemeClr val="accent1">
-                  <a:shade val="50000"/>
-                </a:schemeClr>
-              </a:lnRef>
-              <a:fillRef idx="1">
-                <a:schemeClr val="accent1"/>
-              </a:fillRef>
-              <a:effectRef idx="0">
-                <a:schemeClr val="accent1"/>
-              </a:effectRef>
-              <a:fontRef idx="minor">
-                <a:schemeClr val="lt1"/>
-              </a:fontRef>
-            </p:style>
-            <p:txBody>
-              <a:bodyPr rtlCol="0" anchor="ctr"/>
-              <a:lstStyle/>
-              <a:p>
-                <a:pPr algn="ctr"/>
-                <a:endParaRPr lang="ko-KR" altLang="en-US"/>
-              </a:p>
-            </p:txBody>
-          </p:sp>
-          <p:sp>
-            <p:nvSpPr>
-              <p:cNvPr id="47" name="직사각형 46"/>
-              <p:cNvSpPr/>
-              <p:nvPr/>
-            </p:nvSpPr>
-            <p:spPr>
-              <a:xfrm>
-                <a:off x="8562109" y="2423811"/>
-                <a:ext cx="415636" cy="45719"/>
-              </a:xfrm>
-              <a:prstGeom prst="rect">
-                <a:avLst/>
-              </a:prstGeom>
-              <a:solidFill>
-                <a:srgbClr val="FF0000"/>
-              </a:solidFill>
-              <a:ln>
-                <a:noFill/>
-              </a:ln>
-            </p:spPr>
-            <p:style>
-              <a:lnRef idx="2">
-                <a:schemeClr val="accent1">
-                  <a:shade val="50000"/>
-                </a:schemeClr>
-              </a:lnRef>
-              <a:fillRef idx="1">
-                <a:schemeClr val="accent1"/>
-              </a:fillRef>
-              <a:effectRef idx="0">
-                <a:schemeClr val="accent1"/>
-              </a:effectRef>
-              <a:fontRef idx="minor">
-                <a:schemeClr val="lt1"/>
-              </a:fontRef>
-            </p:style>
-            <p:txBody>
-              <a:bodyPr rtlCol="0" anchor="ctr"/>
-              <a:lstStyle/>
-              <a:p>
-                <a:pPr algn="ctr"/>
-                <a:endParaRPr lang="ko-KR" altLang="en-US"/>
-              </a:p>
-            </p:txBody>
-          </p:sp>
-          <p:sp>
-            <p:nvSpPr>
-              <p:cNvPr id="48" name="직사각형 47"/>
-              <p:cNvSpPr/>
-              <p:nvPr/>
-            </p:nvSpPr>
-            <p:spPr>
-              <a:xfrm>
-                <a:off x="8562109" y="2626433"/>
-                <a:ext cx="415636" cy="45719"/>
-              </a:xfrm>
-              <a:prstGeom prst="rect">
-                <a:avLst/>
-              </a:prstGeom>
-              <a:solidFill>
-                <a:srgbClr val="FF0000"/>
-              </a:solidFill>
-              <a:ln>
-                <a:noFill/>
-              </a:ln>
-            </p:spPr>
-            <p:style>
-              <a:lnRef idx="2">
-                <a:schemeClr val="accent1">
-                  <a:shade val="50000"/>
-                </a:schemeClr>
-              </a:lnRef>
-              <a:fillRef idx="1">
-                <a:schemeClr val="accent1"/>
-              </a:fillRef>
-              <a:effectRef idx="0">
-                <a:schemeClr val="accent1"/>
-              </a:effectRef>
-              <a:fontRef idx="minor">
-                <a:schemeClr val="lt1"/>
-              </a:fontRef>
-            </p:style>
-            <p:txBody>
-              <a:bodyPr rtlCol="0" anchor="ctr"/>
-              <a:lstStyle/>
-              <a:p>
-                <a:pPr algn="ctr"/>
-                <a:endParaRPr lang="ko-KR" altLang="en-US"/>
-              </a:p>
-            </p:txBody>
-          </p:sp>
-          <p:sp>
-            <p:nvSpPr>
-              <p:cNvPr id="49" name="직사각형 48"/>
-              <p:cNvSpPr/>
-              <p:nvPr/>
-            </p:nvSpPr>
-            <p:spPr>
-              <a:xfrm>
-                <a:off x="9587345" y="2423811"/>
-                <a:ext cx="415636" cy="45719"/>
-              </a:xfrm>
-              <a:prstGeom prst="rect">
-                <a:avLst/>
-              </a:prstGeom>
-              <a:solidFill>
-                <a:srgbClr val="FF0000"/>
-              </a:solidFill>
-              <a:ln>
-                <a:noFill/>
-              </a:ln>
-            </p:spPr>
-            <p:style>
-              <a:lnRef idx="2">
-                <a:schemeClr val="accent1">
-                  <a:shade val="50000"/>
-                </a:schemeClr>
-              </a:lnRef>
-              <a:fillRef idx="1">
-                <a:schemeClr val="accent1"/>
-              </a:fillRef>
-              <a:effectRef idx="0">
-                <a:schemeClr val="accent1"/>
-              </a:effectRef>
-              <a:fontRef idx="minor">
-                <a:schemeClr val="lt1"/>
-              </a:fontRef>
-            </p:style>
-            <p:txBody>
-              <a:bodyPr rtlCol="0" anchor="ctr"/>
-              <a:lstStyle/>
-              <a:p>
-                <a:pPr algn="ctr"/>
-                <a:endParaRPr lang="ko-KR" altLang="en-US"/>
-              </a:p>
-            </p:txBody>
-          </p:sp>
-          <p:sp>
-            <p:nvSpPr>
-              <p:cNvPr id="50" name="직사각형 49"/>
-              <p:cNvSpPr/>
-              <p:nvPr/>
-            </p:nvSpPr>
-            <p:spPr>
-              <a:xfrm>
-                <a:off x="9587345" y="2626433"/>
-                <a:ext cx="415636" cy="45719"/>
-              </a:xfrm>
-              <a:prstGeom prst="rect">
-                <a:avLst/>
-              </a:prstGeom>
-              <a:solidFill>
-                <a:srgbClr val="FF0000"/>
-              </a:solidFill>
-              <a:ln>
-                <a:noFill/>
-              </a:ln>
-            </p:spPr>
-            <p:style>
-              <a:lnRef idx="2">
-                <a:schemeClr val="accent1">
-                  <a:shade val="50000"/>
-                </a:schemeClr>
-              </a:lnRef>
-              <a:fillRef idx="1">
-                <a:schemeClr val="accent1"/>
-              </a:fillRef>
-              <a:effectRef idx="0">
-                <a:schemeClr val="accent1"/>
-              </a:effectRef>
-              <a:fontRef idx="minor">
-                <a:schemeClr val="lt1"/>
-              </a:fontRef>
-            </p:style>
-            <p:txBody>
-              <a:bodyPr rtlCol="0" anchor="ctr"/>
-              <a:lstStyle/>
-              <a:p>
-                <a:pPr algn="ctr"/>
-                <a:endParaRPr lang="ko-KR" altLang="en-US"/>
-              </a:p>
-            </p:txBody>
-          </p:sp>
+          </p:pic>
         </p:grpSp>
-        <p:pic>
-          <p:nvPicPr>
-            <p:cNvPr id="40" name="그림 39"/>
-            <p:cNvPicPr>
-              <a:picLocks noChangeAspect="1"/>
-            </p:cNvPicPr>
-            <p:nvPr>
-              <p:custDataLst>
-                <p:tags r:id="rId1"/>
-              </p:custDataLst>
-            </p:nvPr>
-          </p:nvPicPr>
-          <p:blipFill>
-            <a:blip r:embed="rId10">
-              <a:extLst>
-                <a:ext uri="{28A0092B-C50C-407E-A947-70E740481C1C}">
-                  <a14:useLocalDpi xmlns:a14="http://schemas.microsoft.com/office/drawing/2010/main" val="0"/>
-                </a:ext>
-              </a:extLst>
-            </a:blip>
-            <a:stretch>
-              <a:fillRect/>
-            </a:stretch>
-          </p:blipFill>
-          <p:spPr bwMode="black">
-            <a:xfrm>
-              <a:off x="8102743" y="3944171"/>
-              <a:ext cx="166667" cy="219048"/>
-            </a:xfrm>
-            <a:prstGeom prst="rect">
-              <a:avLst/>
-            </a:prstGeom>
-          </p:spPr>
-        </p:pic>
-        <p:pic>
-          <p:nvPicPr>
-            <p:cNvPr id="41" name="그림 40"/>
-            <p:cNvPicPr>
-              <a:picLocks noChangeAspect="1"/>
-            </p:cNvPicPr>
-            <p:nvPr>
-              <p:custDataLst>
-                <p:tags r:id="rId2"/>
-              </p:custDataLst>
-            </p:nvPr>
-          </p:nvPicPr>
-          <p:blipFill>
-            <a:blip r:embed="rId11">
-              <a:extLst>
-                <a:ext uri="{28A0092B-C50C-407E-A947-70E740481C1C}">
-                  <a14:useLocalDpi xmlns:a14="http://schemas.microsoft.com/office/drawing/2010/main" val="0"/>
-                </a:ext>
-              </a:extLst>
-            </a:blip>
-            <a:stretch>
-              <a:fillRect/>
-            </a:stretch>
-          </p:blipFill>
-          <p:spPr bwMode="black">
-            <a:xfrm>
-              <a:off x="10971233" y="4334936"/>
-              <a:ext cx="466667" cy="238095"/>
-            </a:xfrm>
-            <a:prstGeom prst="rect">
-              <a:avLst/>
-            </a:prstGeom>
-          </p:spPr>
-        </p:pic>
-        <p:pic>
-          <p:nvPicPr>
-            <p:cNvPr id="42" name="그림 41"/>
-            <p:cNvPicPr>
-              <a:picLocks noChangeAspect="1"/>
-            </p:cNvPicPr>
-            <p:nvPr>
-              <p:custDataLst>
-                <p:tags r:id="rId3"/>
-              </p:custDataLst>
-            </p:nvPr>
-          </p:nvPicPr>
-          <p:blipFill>
-            <a:blip r:embed="rId12">
-              <a:extLst>
-                <a:ext uri="{28A0092B-C50C-407E-A947-70E740481C1C}">
-                  <a14:useLocalDpi xmlns:a14="http://schemas.microsoft.com/office/drawing/2010/main" val="0"/>
-                </a:ext>
-              </a:extLst>
-            </a:blip>
-            <a:stretch>
-              <a:fillRect/>
-            </a:stretch>
-          </p:blipFill>
-          <p:spPr bwMode="black">
-            <a:xfrm>
-              <a:off x="8006516" y="4323031"/>
-              <a:ext cx="285715" cy="261906"/>
-            </a:xfrm>
-            <a:prstGeom prst="rect">
-              <a:avLst/>
-            </a:prstGeom>
-          </p:spPr>
-        </p:pic>
-        <p:sp>
-          <p:nvSpPr>
-            <p:cNvPr id="43" name="오른쪽 화살표 42"/>
-            <p:cNvSpPr/>
-            <p:nvPr/>
-          </p:nvSpPr>
-          <p:spPr>
-            <a:xfrm>
-              <a:off x="10603860" y="4332373"/>
-              <a:ext cx="304343" cy="238991"/>
-            </a:xfrm>
-            <a:prstGeom prst="rightArrow">
-              <a:avLst/>
-            </a:prstGeom>
-            <a:solidFill>
-              <a:srgbClr val="00B0F0"/>
-            </a:solidFill>
-            <a:ln>
-              <a:noFill/>
-            </a:ln>
-          </p:spPr>
-          <p:style>
-            <a:lnRef idx="2">
-              <a:schemeClr val="accent1">
-                <a:shade val="50000"/>
-              </a:schemeClr>
-            </a:lnRef>
-            <a:fillRef idx="1">
-              <a:schemeClr val="accent1"/>
-            </a:fillRef>
-            <a:effectRef idx="0">
-              <a:schemeClr val="accent1"/>
-            </a:effectRef>
-            <a:fontRef idx="minor">
-              <a:schemeClr val="lt1"/>
-            </a:fontRef>
-          </p:style>
-          <p:txBody>
-            <a:bodyPr rtlCol="0" anchor="ctr"/>
-            <a:lstStyle/>
-            <a:p>
-              <a:pPr algn="ctr"/>
-              <a:endParaRPr lang="ko-KR" altLang="en-US"/>
-            </a:p>
-          </p:txBody>
-        </p:sp>
-        <p:sp>
-          <p:nvSpPr>
-            <p:cNvPr id="44" name="오른쪽 화살표 43"/>
-            <p:cNvSpPr/>
-            <p:nvPr/>
-          </p:nvSpPr>
-          <p:spPr>
-            <a:xfrm>
-              <a:off x="8365190" y="4010966"/>
-              <a:ext cx="304343" cy="152253"/>
-            </a:xfrm>
-            <a:prstGeom prst="rightArrow">
-              <a:avLst/>
-            </a:prstGeom>
-            <a:solidFill>
-              <a:srgbClr val="00B0F0"/>
-            </a:solidFill>
-            <a:ln>
-              <a:noFill/>
-            </a:ln>
-          </p:spPr>
-          <p:style>
-            <a:lnRef idx="2">
-              <a:schemeClr val="accent1">
-                <a:shade val="50000"/>
-              </a:schemeClr>
-            </a:lnRef>
-            <a:fillRef idx="1">
-              <a:schemeClr val="accent1"/>
-            </a:fillRef>
-            <a:effectRef idx="0">
-              <a:schemeClr val="accent1"/>
-            </a:effectRef>
-            <a:fontRef idx="minor">
-              <a:schemeClr val="lt1"/>
-            </a:fontRef>
-          </p:style>
-          <p:txBody>
-            <a:bodyPr rtlCol="0" anchor="ctr"/>
-            <a:lstStyle/>
-            <a:p>
-              <a:pPr algn="ctr"/>
-              <a:endParaRPr lang="ko-KR" altLang="en-US"/>
-            </a:p>
-          </p:txBody>
-        </p:sp>
-        <p:sp>
-          <p:nvSpPr>
-            <p:cNvPr id="45" name="오른쪽 화살표 44"/>
-            <p:cNvSpPr/>
-            <p:nvPr/>
-          </p:nvSpPr>
-          <p:spPr>
-            <a:xfrm>
-              <a:off x="8365190" y="4388024"/>
-              <a:ext cx="304343" cy="160776"/>
-            </a:xfrm>
-            <a:prstGeom prst="rightArrow">
-              <a:avLst/>
-            </a:prstGeom>
-            <a:solidFill>
-              <a:srgbClr val="00B0F0"/>
-            </a:solidFill>
-            <a:ln>
-              <a:noFill/>
-            </a:ln>
-          </p:spPr>
-          <p:style>
-            <a:lnRef idx="2">
-              <a:schemeClr val="accent1">
-                <a:shade val="50000"/>
-              </a:schemeClr>
-            </a:lnRef>
-            <a:fillRef idx="1">
-              <a:schemeClr val="accent1"/>
-            </a:fillRef>
-            <a:effectRef idx="0">
-              <a:schemeClr val="accent1"/>
-            </a:effectRef>
-            <a:fontRef idx="minor">
-              <a:schemeClr val="lt1"/>
-            </a:fontRef>
-          </p:style>
-          <p:txBody>
-            <a:bodyPr rtlCol="0" anchor="ctr"/>
-            <a:lstStyle/>
-            <a:p>
-              <a:pPr algn="ctr"/>
-              <a:endParaRPr lang="ko-KR" altLang="en-US"/>
-            </a:p>
-          </p:txBody>
-        </p:sp>
       </p:grpSp>
-      <p:sp>
-        <p:nvSpPr>
-          <p:cNvPr id="53" name="TextBox 52"/>
-          <p:cNvSpPr txBox="1"/>
-          <p:nvPr/>
-        </p:nvSpPr>
-        <p:spPr>
-          <a:xfrm>
-            <a:off x="2665978" y="3094284"/>
-            <a:ext cx="897682" cy="646331"/>
-          </a:xfrm>
-          <a:prstGeom prst="rect">
-            <a:avLst/>
-          </a:prstGeom>
-          <a:noFill/>
-        </p:spPr>
-        <p:txBody>
-          <a:bodyPr wrap="none" rtlCol="0">
-            <a:spAutoFit/>
-          </a:bodyPr>
-          <a:lstStyle/>
-          <a:p>
-            <a:pPr algn="ctr"/>
-            <a:r>
-              <a:rPr lang="en-US" altLang="ko-KR" dirty="0" smtClean="0"/>
-              <a:t>3 dB </a:t>
-            </a:r>
-          </a:p>
-          <a:p>
-            <a:pPr algn="ctr"/>
-            <a:r>
-              <a:rPr lang="en-US" altLang="ko-KR" dirty="0" smtClean="0"/>
-              <a:t>splitter</a:t>
-            </a:r>
-            <a:endParaRPr lang="ko-KR" altLang="en-US"/>
-          </a:p>
-        </p:txBody>
-      </p:sp>
-      <p:sp>
-        <p:nvSpPr>
-          <p:cNvPr id="54" name="TextBox 53"/>
-          <p:cNvSpPr txBox="1"/>
-          <p:nvPr/>
-        </p:nvSpPr>
-        <p:spPr>
-          <a:xfrm>
-            <a:off x="4938151" y="1265046"/>
-            <a:ext cx="1308371" cy="369332"/>
-          </a:xfrm>
-          <a:prstGeom prst="rect">
-            <a:avLst/>
-          </a:prstGeom>
-          <a:noFill/>
-        </p:spPr>
-        <p:txBody>
-          <a:bodyPr wrap="none" rtlCol="0">
-            <a:spAutoFit/>
-          </a:bodyPr>
-          <a:lstStyle/>
-          <a:p>
-            <a:pPr algn="ctr"/>
-            <a:r>
-              <a:rPr lang="en-US" altLang="ko-KR" dirty="0" smtClean="0"/>
-              <a:t>2 X 2 MMI</a:t>
-            </a:r>
-            <a:endParaRPr lang="ko-KR" altLang="en-US"/>
-          </a:p>
-        </p:txBody>
-      </p:sp>
-      <p:cxnSp>
-        <p:nvCxnSpPr>
-          <p:cNvPr id="56" name="직선 화살표 연결선 55"/>
-          <p:cNvCxnSpPr>
-            <a:stCxn id="54" idx="2"/>
-          </p:cNvCxnSpPr>
-          <p:nvPr/>
-        </p:nvCxnSpPr>
-        <p:spPr>
-          <a:xfrm flipH="1">
-            <a:off x="5455227" y="1634378"/>
-            <a:ext cx="137110" cy="844176"/>
-          </a:xfrm>
-          <a:prstGeom prst="straightConnector1">
-            <a:avLst/>
-          </a:prstGeom>
-          <a:ln>
-            <a:tailEnd type="triangle"/>
-          </a:ln>
-        </p:spPr>
-        <p:style>
-          <a:lnRef idx="1">
-            <a:schemeClr val="accent1"/>
-          </a:lnRef>
-          <a:fillRef idx="0">
-            <a:schemeClr val="accent1"/>
-          </a:fillRef>
-          <a:effectRef idx="0">
-            <a:schemeClr val="accent1"/>
-          </a:effectRef>
-          <a:fontRef idx="minor">
-            <a:schemeClr val="tx1"/>
-          </a:fontRef>
-        </p:style>
-      </p:cxnSp>
-      <p:sp>
-        <p:nvSpPr>
-          <p:cNvPr id="57" name="모서리가 둥근 직사각형 56"/>
-          <p:cNvSpPr/>
-          <p:nvPr/>
-        </p:nvSpPr>
-        <p:spPr>
-          <a:xfrm>
-            <a:off x="3563660" y="3564082"/>
-            <a:ext cx="2494240" cy="1477667"/>
-          </a:xfrm>
-          <a:prstGeom prst="roundRect">
-            <a:avLst/>
-          </a:prstGeom>
-          <a:noFill/>
-          <a:ln>
-            <a:solidFill>
-              <a:schemeClr val="tx1"/>
-            </a:solidFill>
-            <a:prstDash val="dash"/>
-          </a:ln>
-        </p:spPr>
-        <p:style>
-          <a:lnRef idx="2">
-            <a:schemeClr val="accent1">
-              <a:shade val="50000"/>
-            </a:schemeClr>
-          </a:lnRef>
-          <a:fillRef idx="1">
-            <a:schemeClr val="accent1"/>
-          </a:fillRef>
-          <a:effectRef idx="0">
-            <a:schemeClr val="accent1"/>
-          </a:effectRef>
-          <a:fontRef idx="minor">
-            <a:schemeClr val="lt1"/>
-          </a:fontRef>
-        </p:style>
-        <p:txBody>
-          <a:bodyPr rtlCol="0" anchor="ctr"/>
-          <a:lstStyle/>
-          <a:p>
-            <a:pPr algn="ctr"/>
-            <a:endParaRPr lang="ko-KR" altLang="en-US"/>
-          </a:p>
-        </p:txBody>
-      </p:sp>
-      <p:sp>
-        <p:nvSpPr>
-          <p:cNvPr id="58" name="모서리가 둥근 직사각형 57"/>
-          <p:cNvSpPr/>
-          <p:nvPr/>
-        </p:nvSpPr>
-        <p:spPr>
-          <a:xfrm>
-            <a:off x="3553602" y="1801283"/>
-            <a:ext cx="2494240" cy="1477667"/>
-          </a:xfrm>
-          <a:prstGeom prst="roundRect">
-            <a:avLst/>
-          </a:prstGeom>
-          <a:noFill/>
-          <a:ln>
-            <a:solidFill>
-              <a:schemeClr val="tx1"/>
-            </a:solidFill>
-            <a:prstDash val="dash"/>
-          </a:ln>
-        </p:spPr>
-        <p:style>
-          <a:lnRef idx="2">
-            <a:schemeClr val="accent1">
-              <a:shade val="50000"/>
-            </a:schemeClr>
-          </a:lnRef>
-          <a:fillRef idx="1">
-            <a:schemeClr val="accent1"/>
-          </a:fillRef>
-          <a:effectRef idx="0">
-            <a:schemeClr val="accent1"/>
-          </a:effectRef>
-          <a:fontRef idx="minor">
-            <a:schemeClr val="lt1"/>
-          </a:fontRef>
-        </p:style>
-        <p:txBody>
-          <a:bodyPr rtlCol="0" anchor="ctr"/>
-          <a:lstStyle/>
-          <a:p>
-            <a:pPr algn="ctr"/>
-            <a:endParaRPr lang="ko-KR" altLang="en-US"/>
-          </a:p>
-        </p:txBody>
-      </p:sp>
-      <p:sp>
-        <p:nvSpPr>
-          <p:cNvPr id="59" name="TextBox 58"/>
-          <p:cNvSpPr txBox="1"/>
-          <p:nvPr/>
-        </p:nvSpPr>
-        <p:spPr>
-          <a:xfrm>
-            <a:off x="2290602" y="1974568"/>
-            <a:ext cx="1271502" cy="369332"/>
-          </a:xfrm>
-          <a:prstGeom prst="rect">
-            <a:avLst/>
-          </a:prstGeom>
-          <a:noFill/>
-        </p:spPr>
-        <p:txBody>
-          <a:bodyPr wrap="none" rtlCol="0">
-            <a:spAutoFit/>
-          </a:bodyPr>
-          <a:lstStyle/>
-          <a:p>
-            <a:r>
-              <a:rPr lang="en-US" altLang="ko-KR" dirty="0"/>
-              <a:t>u</a:t>
-            </a:r>
-            <a:r>
-              <a:rPr lang="en-US" altLang="ko-KR" dirty="0" smtClean="0"/>
-              <a:t>pper PBS</a:t>
-            </a:r>
-            <a:endParaRPr lang="ko-KR" altLang="en-US"/>
-          </a:p>
-        </p:txBody>
-      </p:sp>
-      <p:sp>
-        <p:nvSpPr>
-          <p:cNvPr id="60" name="TextBox 59"/>
-          <p:cNvSpPr txBox="1"/>
-          <p:nvPr/>
-        </p:nvSpPr>
-        <p:spPr>
-          <a:xfrm>
-            <a:off x="5455227" y="5041749"/>
-            <a:ext cx="1225400" cy="369332"/>
-          </a:xfrm>
-          <a:prstGeom prst="rect">
-            <a:avLst/>
-          </a:prstGeom>
-          <a:noFill/>
-        </p:spPr>
-        <p:txBody>
-          <a:bodyPr wrap="none" rtlCol="0">
-            <a:spAutoFit/>
-          </a:bodyPr>
-          <a:lstStyle/>
-          <a:p>
-            <a:r>
-              <a:rPr lang="en-US" altLang="ko-KR" dirty="0" smtClean="0"/>
-              <a:t>lower PBS</a:t>
-            </a:r>
-            <a:endParaRPr lang="ko-KR" altLang="en-US"/>
-          </a:p>
-        </p:txBody>
-      </p:sp>
     </p:spTree>
     <p:extLst>
       <p:ext uri="{BB962C8B-B14F-4D97-AF65-F5344CB8AC3E}">
@@ -4811,7 +4830,7 @@
 
 <file path=ppt/tags/tag2.xml><?xml version="1.0" encoding="utf-8"?>
 <p:tagLst xmlns:a="http://schemas.openxmlformats.org/drawingml/2006/main" xmlns:r="http://schemas.openxmlformats.org/officeDocument/2006/relationships" xmlns:p="http://schemas.openxmlformats.org/presentationml/2006/main">
-  <p:tag name="LATEXCODE" val="\begin{equation*}\r\n{\sqrt{2}}\vec{E}\r\n\end{equation*}\r\n"/>
+  <p:tag name="LATEXCODE" val="\begin{equation*}\r\n j\vec{E}\r\n\end{equation*}\r\n"/>
   <p:tag name="LATEXFONTSIZE" val="18"/>
   <p:tag name="LATEXTEXTCOLOR" val="0,0,0"/>
   <p:tag name="LATEXDPI" val="192"/>
@@ -4826,7 +4845,7 @@
 
 <file path=ppt/tags/tag3.xml><?xml version="1.0" encoding="utf-8"?>
 <p:tagLst xmlns:a="http://schemas.openxmlformats.org/drawingml/2006/main" xmlns:r="http://schemas.openxmlformats.org/officeDocument/2006/relationships" xmlns:p="http://schemas.openxmlformats.org/presentationml/2006/main">
-  <p:tag name="LATEXCODE" val="\begin{equation*}\r\n j\vec{E}\r\n\end{equation*}\r\n"/>
+  <p:tag name="LATEXCODE" val="\begin{equation*}\r\n{\sqrt{2}}j\vec{E}\r\n\end{equation*}\r\n"/>
   <p:tag name="LATEXFONTSIZE" val="18"/>
   <p:tag name="LATEXTEXTCOLOR" val="0,0,0"/>
   <p:tag name="LATEXDPI" val="192"/>
@@ -4887,7 +4906,7 @@
 <file path=ppt/theme/theme1.xml><?xml version="1.0" encoding="utf-8"?>
 <a:theme xmlns:a="http://schemas.openxmlformats.org/drawingml/2006/main" name="Office 테마">
   <a:themeElements>
-    <a:clrScheme name="Office">
+    <a:clrScheme name="Office 테마">
       <a:dk1>
         <a:sysClr val="windowText" lastClr="000000"/>
       </a:dk1>
@@ -4925,9 +4944,9 @@
         <a:srgbClr val="954F72"/>
       </a:folHlink>
     </a:clrScheme>
-    <a:fontScheme name="Office">
+    <a:fontScheme name="Office 테마">
       <a:majorFont>
-        <a:latin typeface="맑은 고딕" panose="020F0302020204030204"/>
+        <a:latin typeface="Calibri Light" panose="020F0302020204030204"/>
         <a:ea typeface=""/>
         <a:cs typeface=""/>
         <a:font script="Jpan" typeface="ＭＳ Ｐゴシック"/>
@@ -4962,7 +4981,7 @@
         <a:font script="Geor" typeface="Sylfaen"/>
       </a:majorFont>
       <a:minorFont>
-        <a:latin typeface="맑은 고딕" panose="020F0502020204030204"/>
+        <a:latin typeface="Calibri" panose="020F0502020204030204"/>
         <a:ea typeface=""/>
         <a:cs typeface=""/>
         <a:font script="Jpan" typeface="ＭＳ Ｐゴシック"/>
@@ -4997,7 +5016,7 @@
         <a:font script="Geor" typeface="Sylfaen"/>
       </a:minorFont>
     </a:fontScheme>
-    <a:fmtScheme name="Office">
+    <a:fmtScheme name="Office 테마">
       <a:fillStyleLst>
         <a:solidFill>
           <a:schemeClr val="phClr"/>
